--- a/assets/interconnected/interconnected.pptx
+++ b/assets/interconnected/interconnected.pptx
@@ -6,6 +6,8 @@
   </p:sldMasterIdLst>
   <p:sldIdLst>
     <p:sldId id="263" r:id="rId2"/>
+    <p:sldId id="264" r:id="rId3"/>
+    <p:sldId id="265" r:id="rId4"/>
   </p:sldIdLst>
   <p:sldSz cx="12192000" cy="6858000"/>
   <p:notesSz cx="6858000" cy="9144000"/>
@@ -104,6 +106,11 @@
       </a:defRPr>
     </a:lvl9pPr>
   </p:defaultTextStyle>
+  <p:extLst>
+    <p:ext uri="{EFAFB233-063F-42B5-8137-9DF3F51BA10A}">
+      <p15:sldGuideLst xmlns:p15="http://schemas.microsoft.com/office/powerpoint/2012/main"/>
+    </p:ext>
+  </p:extLst>
 </p:presentation>
 </file>
 
@@ -254,7 +261,7 @@
           <a:p>
             <a:fld id="{25A6AF83-FD7E-1D4A-A075-84A627796C4B}" type="datetimeFigureOut">
               <a:rPr lang="en-US" smtClean="0"/>
-              <a:t>5/23/25</a:t>
+              <a:t>7/18/25</a:t>
             </a:fld>
             <a:endParaRPr lang="en-US"/>
           </a:p>
@@ -452,7 +459,7 @@
           <a:p>
             <a:fld id="{25A6AF83-FD7E-1D4A-A075-84A627796C4B}" type="datetimeFigureOut">
               <a:rPr lang="en-US" smtClean="0"/>
-              <a:t>5/23/25</a:t>
+              <a:t>7/18/25</a:t>
             </a:fld>
             <a:endParaRPr lang="en-US"/>
           </a:p>
@@ -660,7 +667,7 @@
           <a:p>
             <a:fld id="{25A6AF83-FD7E-1D4A-A075-84A627796C4B}" type="datetimeFigureOut">
               <a:rPr lang="en-US" smtClean="0"/>
-              <a:t>5/23/25</a:t>
+              <a:t>7/18/25</a:t>
             </a:fld>
             <a:endParaRPr lang="en-US"/>
           </a:p>
@@ -858,7 +865,7 @@
           <a:p>
             <a:fld id="{25A6AF83-FD7E-1D4A-A075-84A627796C4B}" type="datetimeFigureOut">
               <a:rPr lang="en-US" smtClean="0"/>
-              <a:t>5/23/25</a:t>
+              <a:t>7/18/25</a:t>
             </a:fld>
             <a:endParaRPr lang="en-US"/>
           </a:p>
@@ -1133,7 +1140,7 @@
           <a:p>
             <a:fld id="{25A6AF83-FD7E-1D4A-A075-84A627796C4B}" type="datetimeFigureOut">
               <a:rPr lang="en-US" smtClean="0"/>
-              <a:t>5/23/25</a:t>
+              <a:t>7/18/25</a:t>
             </a:fld>
             <a:endParaRPr lang="en-US"/>
           </a:p>
@@ -1398,7 +1405,7 @@
           <a:p>
             <a:fld id="{25A6AF83-FD7E-1D4A-A075-84A627796C4B}" type="datetimeFigureOut">
               <a:rPr lang="en-US" smtClean="0"/>
-              <a:t>5/23/25</a:t>
+              <a:t>7/18/25</a:t>
             </a:fld>
             <a:endParaRPr lang="en-US"/>
           </a:p>
@@ -1810,7 +1817,7 @@
           <a:p>
             <a:fld id="{25A6AF83-FD7E-1D4A-A075-84A627796C4B}" type="datetimeFigureOut">
               <a:rPr lang="en-US" smtClean="0"/>
-              <a:t>5/23/25</a:t>
+              <a:t>7/18/25</a:t>
             </a:fld>
             <a:endParaRPr lang="en-US"/>
           </a:p>
@@ -1951,7 +1958,7 @@
           <a:p>
             <a:fld id="{25A6AF83-FD7E-1D4A-A075-84A627796C4B}" type="datetimeFigureOut">
               <a:rPr lang="en-US" smtClean="0"/>
-              <a:t>5/23/25</a:t>
+              <a:t>7/18/25</a:t>
             </a:fld>
             <a:endParaRPr lang="en-US"/>
           </a:p>
@@ -2064,7 +2071,7 @@
           <a:p>
             <a:fld id="{25A6AF83-FD7E-1D4A-A075-84A627796C4B}" type="datetimeFigureOut">
               <a:rPr lang="en-US" smtClean="0"/>
-              <a:t>5/23/25</a:t>
+              <a:t>7/18/25</a:t>
             </a:fld>
             <a:endParaRPr lang="en-US"/>
           </a:p>
@@ -2375,7 +2382,7 @@
           <a:p>
             <a:fld id="{25A6AF83-FD7E-1D4A-A075-84A627796C4B}" type="datetimeFigureOut">
               <a:rPr lang="en-US" smtClean="0"/>
-              <a:t>5/23/25</a:t>
+              <a:t>7/18/25</a:t>
             </a:fld>
             <a:endParaRPr lang="en-US"/>
           </a:p>
@@ -2663,7 +2670,7 @@
           <a:p>
             <a:fld id="{25A6AF83-FD7E-1D4A-A075-84A627796C4B}" type="datetimeFigureOut">
               <a:rPr lang="en-US" smtClean="0"/>
-              <a:t>5/23/25</a:t>
+              <a:t>7/18/25</a:t>
             </a:fld>
             <a:endParaRPr lang="en-US"/>
           </a:p>
@@ -2904,7 +2911,7 @@
           <a:p>
             <a:fld id="{25A6AF83-FD7E-1D4A-A075-84A627796C4B}" type="datetimeFigureOut">
               <a:rPr lang="en-US" smtClean="0"/>
-              <a:t>5/23/25</a:t>
+              <a:t>7/18/25</a:t>
             </a:fld>
             <a:endParaRPr lang="en-US"/>
           </a:p>
@@ -8065,6 +8072,8943 @@
 </p:sld>
 </file>
 
+<file path=ppt/slides/slide2.xml><?xml version="1.0" encoding="utf-8"?>
+<p:sld xmlns:a="http://schemas.openxmlformats.org/drawingml/2006/main" xmlns:r="http://schemas.openxmlformats.org/officeDocument/2006/relationships" xmlns:p="http://schemas.openxmlformats.org/presentationml/2006/main">
+  <p:cSld>
+    <p:spTree>
+      <p:nvGrpSpPr>
+        <p:cNvPr id="1" name=""/>
+        <p:cNvGrpSpPr/>
+        <p:nvPr/>
+      </p:nvGrpSpPr>
+      <p:grpSpPr>
+        <a:xfrm>
+          <a:off x="0" y="0"/>
+          <a:ext cx="0" cy="0"/>
+          <a:chOff x="0" y="0"/>
+          <a:chExt cx="0" cy="0"/>
+        </a:xfrm>
+      </p:grpSpPr>
+      <p:cxnSp>
+        <p:nvCxnSpPr>
+          <p:cNvPr id="40" name="Straight Connector 39">
+            <a:extLst>
+              <a:ext uri="{FF2B5EF4-FFF2-40B4-BE49-F238E27FC236}">
+                <a16:creationId xmlns:a16="http://schemas.microsoft.com/office/drawing/2014/main" id="{9419FD4D-2714-EA11-97E6-CF6E33E98876}"/>
+              </a:ext>
+            </a:extLst>
+          </p:cNvPr>
+          <p:cNvCxnSpPr>
+            <a:cxnSpLocks/>
+          </p:cNvCxnSpPr>
+          <p:nvPr/>
+        </p:nvCxnSpPr>
+        <p:spPr>
+          <a:xfrm flipH="1">
+            <a:off x="91440" y="4915531"/>
+            <a:ext cx="5169859" cy="0"/>
+          </a:xfrm>
+          <a:prstGeom prst="line">
+            <a:avLst/>
+          </a:prstGeom>
+          <a:ln w="28575"/>
+        </p:spPr>
+        <p:style>
+          <a:lnRef idx="1">
+            <a:schemeClr val="accent1"/>
+          </a:lnRef>
+          <a:fillRef idx="0">
+            <a:schemeClr val="accent1"/>
+          </a:fillRef>
+          <a:effectRef idx="0">
+            <a:schemeClr val="accent1"/>
+          </a:effectRef>
+          <a:fontRef idx="minor">
+            <a:schemeClr val="tx1"/>
+          </a:fontRef>
+        </p:style>
+      </p:cxnSp>
+      <p:sp>
+        <p:nvSpPr>
+          <p:cNvPr id="79" name="TextBox 78">
+            <a:extLst>
+              <a:ext uri="{FF2B5EF4-FFF2-40B4-BE49-F238E27FC236}">
+                <a16:creationId xmlns:a16="http://schemas.microsoft.com/office/drawing/2014/main" id="{41825156-3741-57AB-8DE7-8A9C1EF98AB0}"/>
+              </a:ext>
+            </a:extLst>
+          </p:cNvPr>
+          <p:cNvSpPr txBox="1"/>
+          <p:nvPr/>
+        </p:nvSpPr>
+        <p:spPr>
+          <a:xfrm>
+            <a:off x="1855714" y="3766751"/>
+            <a:ext cx="1310359" cy="276999"/>
+          </a:xfrm>
+          <a:prstGeom prst="rect">
+            <a:avLst/>
+          </a:prstGeom>
+          <a:noFill/>
+        </p:spPr>
+        <p:txBody>
+          <a:bodyPr wrap="none" rtlCol="0">
+            <a:spAutoFit/>
+          </a:bodyPr>
+          <a:lstStyle/>
+          <a:p>
+            <a:r>
+              <a:rPr lang="en-US" sz="1200" dirty="0"/>
+              <a:t>network structure</a:t>
+            </a:r>
+          </a:p>
+        </p:txBody>
+      </p:sp>
+      <p:sp>
+        <p:nvSpPr>
+          <p:cNvPr id="80" name="TextBox 79">
+            <a:extLst>
+              <a:ext uri="{FF2B5EF4-FFF2-40B4-BE49-F238E27FC236}">
+                <a16:creationId xmlns:a16="http://schemas.microsoft.com/office/drawing/2014/main" id="{786B57FE-E603-A8A3-58E9-9F6F2270AD96}"/>
+              </a:ext>
+            </a:extLst>
+          </p:cNvPr>
+          <p:cNvSpPr txBox="1"/>
+          <p:nvPr/>
+        </p:nvSpPr>
+        <p:spPr>
+          <a:xfrm>
+            <a:off x="2019893" y="3290500"/>
+            <a:ext cx="1042914" cy="276999"/>
+          </a:xfrm>
+          <a:prstGeom prst="rect">
+            <a:avLst/>
+          </a:prstGeom>
+          <a:noFill/>
+        </p:spPr>
+        <p:txBody>
+          <a:bodyPr wrap="none" rtlCol="0">
+            <a:spAutoFit/>
+          </a:bodyPr>
+          <a:lstStyle/>
+          <a:p>
+            <a:r>
+              <a:rPr lang="en-US" sz="1200" dirty="0"/>
+              <a:t>market nodes</a:t>
+            </a:r>
+          </a:p>
+        </p:txBody>
+      </p:sp>
+      <p:sp>
+        <p:nvSpPr>
+          <p:cNvPr id="81" name="TextBox 80">
+            <a:extLst>
+              <a:ext uri="{FF2B5EF4-FFF2-40B4-BE49-F238E27FC236}">
+                <a16:creationId xmlns:a16="http://schemas.microsoft.com/office/drawing/2014/main" id="{D5E2B30A-41F3-C3F1-BE65-4C88A4140FCB}"/>
+              </a:ext>
+            </a:extLst>
+          </p:cNvPr>
+          <p:cNvSpPr txBox="1"/>
+          <p:nvPr/>
+        </p:nvSpPr>
+        <p:spPr>
+          <a:xfrm>
+            <a:off x="1855713" y="2846364"/>
+            <a:ext cx="1310359" cy="276999"/>
+          </a:xfrm>
+          <a:prstGeom prst="rect">
+            <a:avLst/>
+          </a:prstGeom>
+          <a:noFill/>
+        </p:spPr>
+        <p:txBody>
+          <a:bodyPr wrap="none" rtlCol="0">
+            <a:spAutoFit/>
+          </a:bodyPr>
+          <a:lstStyle/>
+          <a:p>
+            <a:r>
+              <a:rPr lang="en-US" sz="1200" dirty="0"/>
+              <a:t>network structure</a:t>
+            </a:r>
+          </a:p>
+        </p:txBody>
+      </p:sp>
+      <p:sp>
+        <p:nvSpPr>
+          <p:cNvPr id="82" name="TextBox 81">
+            <a:extLst>
+              <a:ext uri="{FF2B5EF4-FFF2-40B4-BE49-F238E27FC236}">
+                <a16:creationId xmlns:a16="http://schemas.microsoft.com/office/drawing/2014/main" id="{841827B2-9EFE-7DFB-39EF-2EBB91C8BEA8}"/>
+              </a:ext>
+            </a:extLst>
+          </p:cNvPr>
+          <p:cNvSpPr txBox="1"/>
+          <p:nvPr/>
+        </p:nvSpPr>
+        <p:spPr>
+          <a:xfrm>
+            <a:off x="1799066" y="2382626"/>
+            <a:ext cx="1469313" cy="276999"/>
+          </a:xfrm>
+          <a:prstGeom prst="rect">
+            <a:avLst/>
+          </a:prstGeom>
+          <a:noFill/>
+        </p:spPr>
+        <p:txBody>
+          <a:bodyPr wrap="none" rtlCol="0">
+            <a:spAutoFit/>
+          </a:bodyPr>
+          <a:lstStyle/>
+          <a:p>
+            <a:r>
+              <a:rPr lang="en-US" sz="1200" dirty="0"/>
+              <a:t>cost/benefit analysis</a:t>
+            </a:r>
+          </a:p>
+        </p:txBody>
+      </p:sp>
+      <p:sp>
+        <p:nvSpPr>
+          <p:cNvPr id="83" name="TextBox 82">
+            <a:extLst>
+              <a:ext uri="{FF2B5EF4-FFF2-40B4-BE49-F238E27FC236}">
+                <a16:creationId xmlns:a16="http://schemas.microsoft.com/office/drawing/2014/main" id="{40094AC8-F951-B771-6FCC-34E1F5843D94}"/>
+              </a:ext>
+            </a:extLst>
+          </p:cNvPr>
+          <p:cNvSpPr txBox="1"/>
+          <p:nvPr/>
+        </p:nvSpPr>
+        <p:spPr>
+          <a:xfrm>
+            <a:off x="8986399" y="4241904"/>
+            <a:ext cx="1310359" cy="276999"/>
+          </a:xfrm>
+          <a:prstGeom prst="rect">
+            <a:avLst/>
+          </a:prstGeom>
+          <a:noFill/>
+        </p:spPr>
+        <p:txBody>
+          <a:bodyPr wrap="none" rtlCol="0">
+            <a:spAutoFit/>
+          </a:bodyPr>
+          <a:lstStyle/>
+          <a:p>
+            <a:r>
+              <a:rPr lang="en-US" sz="1200" dirty="0"/>
+              <a:t>network structure</a:t>
+            </a:r>
+          </a:p>
+        </p:txBody>
+      </p:sp>
+      <p:sp>
+        <p:nvSpPr>
+          <p:cNvPr id="88" name="TextBox 87">
+            <a:extLst>
+              <a:ext uri="{FF2B5EF4-FFF2-40B4-BE49-F238E27FC236}">
+                <a16:creationId xmlns:a16="http://schemas.microsoft.com/office/drawing/2014/main" id="{21C80171-1731-D9BB-998E-25356C0144D9}"/>
+              </a:ext>
+            </a:extLst>
+          </p:cNvPr>
+          <p:cNvSpPr txBox="1"/>
+          <p:nvPr/>
+        </p:nvSpPr>
+        <p:spPr>
+          <a:xfrm>
+            <a:off x="9172143" y="3758134"/>
+            <a:ext cx="1033168" cy="276999"/>
+          </a:xfrm>
+          <a:prstGeom prst="rect">
+            <a:avLst/>
+          </a:prstGeom>
+          <a:noFill/>
+        </p:spPr>
+        <p:txBody>
+          <a:bodyPr wrap="none" rtlCol="0">
+            <a:spAutoFit/>
+          </a:bodyPr>
+          <a:lstStyle/>
+          <a:p>
+            <a:r>
+              <a:rPr lang="en-US" sz="1200" dirty="0"/>
+              <a:t>agents’ home</a:t>
+            </a:r>
+          </a:p>
+        </p:txBody>
+      </p:sp>
+      <p:sp>
+        <p:nvSpPr>
+          <p:cNvPr id="90" name="TextBox 89">
+            <a:extLst>
+              <a:ext uri="{FF2B5EF4-FFF2-40B4-BE49-F238E27FC236}">
+                <a16:creationId xmlns:a16="http://schemas.microsoft.com/office/drawing/2014/main" id="{9EA7C4F8-3A7E-3F10-3535-C9C90B032F23}"/>
+              </a:ext>
+            </a:extLst>
+          </p:cNvPr>
+          <p:cNvSpPr txBox="1"/>
+          <p:nvPr/>
+        </p:nvSpPr>
+        <p:spPr>
+          <a:xfrm>
+            <a:off x="9178784" y="3325748"/>
+            <a:ext cx="951414" cy="276999"/>
+          </a:xfrm>
+          <a:prstGeom prst="rect">
+            <a:avLst/>
+          </a:prstGeom>
+          <a:noFill/>
+        </p:spPr>
+        <p:txBody>
+          <a:bodyPr wrap="none" rtlCol="0">
+            <a:spAutoFit/>
+          </a:bodyPr>
+          <a:lstStyle/>
+          <a:p>
+            <a:r>
+              <a:rPr lang="en-US" sz="1200" dirty="0"/>
+              <a:t>agent nodes</a:t>
+            </a:r>
+          </a:p>
+        </p:txBody>
+      </p:sp>
+      <p:sp>
+        <p:nvSpPr>
+          <p:cNvPr id="92" name="TextBox 91">
+            <a:extLst>
+              <a:ext uri="{FF2B5EF4-FFF2-40B4-BE49-F238E27FC236}">
+                <a16:creationId xmlns:a16="http://schemas.microsoft.com/office/drawing/2014/main" id="{3C0F3EC9-08DE-CA45-DD7B-A383BBC9BA06}"/>
+              </a:ext>
+            </a:extLst>
+          </p:cNvPr>
+          <p:cNvSpPr txBox="1"/>
+          <p:nvPr/>
+        </p:nvSpPr>
+        <p:spPr>
+          <a:xfrm>
+            <a:off x="8931652" y="2382626"/>
+            <a:ext cx="1469313" cy="276999"/>
+          </a:xfrm>
+          <a:prstGeom prst="rect">
+            <a:avLst/>
+          </a:prstGeom>
+          <a:noFill/>
+        </p:spPr>
+        <p:txBody>
+          <a:bodyPr wrap="none" rtlCol="0">
+            <a:spAutoFit/>
+          </a:bodyPr>
+          <a:lstStyle/>
+          <a:p>
+            <a:r>
+              <a:rPr lang="en-US" sz="1200" dirty="0"/>
+              <a:t>cost/benefit analysis</a:t>
+            </a:r>
+          </a:p>
+        </p:txBody>
+      </p:sp>
+      <p:cxnSp>
+        <p:nvCxnSpPr>
+          <p:cNvPr id="95" name="Straight Arrow Connector 94">
+            <a:extLst>
+              <a:ext uri="{FF2B5EF4-FFF2-40B4-BE49-F238E27FC236}">
+                <a16:creationId xmlns:a16="http://schemas.microsoft.com/office/drawing/2014/main" id="{BE0C2CDD-188D-7A0E-ACB0-2A5A8B76270A}"/>
+              </a:ext>
+            </a:extLst>
+          </p:cNvPr>
+          <p:cNvCxnSpPr/>
+          <p:nvPr/>
+        </p:nvCxnSpPr>
+        <p:spPr>
+          <a:xfrm>
+            <a:off x="6095999" y="4544675"/>
+            <a:ext cx="0" cy="104433"/>
+          </a:xfrm>
+          <a:prstGeom prst="straightConnector1">
+            <a:avLst/>
+          </a:prstGeom>
+          <a:ln w="19050">
+            <a:tailEnd type="triangle"/>
+          </a:ln>
+        </p:spPr>
+        <p:style>
+          <a:lnRef idx="1">
+            <a:schemeClr val="accent1"/>
+          </a:lnRef>
+          <a:fillRef idx="0">
+            <a:schemeClr val="accent1"/>
+          </a:fillRef>
+          <a:effectRef idx="0">
+            <a:schemeClr val="accent1"/>
+          </a:effectRef>
+          <a:fontRef idx="minor">
+            <a:schemeClr val="tx1"/>
+          </a:fontRef>
+        </p:style>
+      </p:cxnSp>
+      <p:cxnSp>
+        <p:nvCxnSpPr>
+          <p:cNvPr id="26" name="Straight Arrow Connector 25">
+            <a:extLst>
+              <a:ext uri="{FF2B5EF4-FFF2-40B4-BE49-F238E27FC236}">
+                <a16:creationId xmlns:a16="http://schemas.microsoft.com/office/drawing/2014/main" id="{5F278E44-49D5-BACE-5071-1EA7045C0192}"/>
+              </a:ext>
+            </a:extLst>
+          </p:cNvPr>
+          <p:cNvCxnSpPr>
+            <a:stCxn id="5" idx="2"/>
+            <a:endCxn id="9" idx="0"/>
+          </p:cNvCxnSpPr>
+          <p:nvPr/>
+        </p:nvCxnSpPr>
+        <p:spPr>
+          <a:xfrm>
+            <a:off x="8160770" y="2727257"/>
+            <a:ext cx="0" cy="76081"/>
+          </a:xfrm>
+          <a:prstGeom prst="straightConnector1">
+            <a:avLst/>
+          </a:prstGeom>
+          <a:ln w="19050">
+            <a:tailEnd type="triangle"/>
+          </a:ln>
+        </p:spPr>
+        <p:style>
+          <a:lnRef idx="1">
+            <a:schemeClr val="accent1"/>
+          </a:lnRef>
+          <a:fillRef idx="0">
+            <a:schemeClr val="accent1"/>
+          </a:fillRef>
+          <a:effectRef idx="0">
+            <a:schemeClr val="accent1"/>
+          </a:effectRef>
+          <a:fontRef idx="minor">
+            <a:schemeClr val="tx1"/>
+          </a:fontRef>
+        </p:style>
+      </p:cxnSp>
+      <p:cxnSp>
+        <p:nvCxnSpPr>
+          <p:cNvPr id="34" name="Straight Arrow Connector 33">
+            <a:extLst>
+              <a:ext uri="{FF2B5EF4-FFF2-40B4-BE49-F238E27FC236}">
+                <a16:creationId xmlns:a16="http://schemas.microsoft.com/office/drawing/2014/main" id="{AB1AD351-153D-841E-185F-FF9A3FC08DC6}"/>
+              </a:ext>
+            </a:extLst>
+          </p:cNvPr>
+          <p:cNvCxnSpPr>
+            <a:stCxn id="3" idx="2"/>
+            <a:endCxn id="7" idx="0"/>
+          </p:cNvCxnSpPr>
+          <p:nvPr/>
+        </p:nvCxnSpPr>
+        <p:spPr>
+          <a:xfrm>
+            <a:off x="5486442" y="2727257"/>
+            <a:ext cx="0" cy="76081"/>
+          </a:xfrm>
+          <a:prstGeom prst="straightConnector1">
+            <a:avLst/>
+          </a:prstGeom>
+          <a:ln w="19050">
+            <a:tailEnd type="triangle"/>
+          </a:ln>
+        </p:spPr>
+        <p:style>
+          <a:lnRef idx="1">
+            <a:schemeClr val="accent1"/>
+          </a:lnRef>
+          <a:fillRef idx="0">
+            <a:schemeClr val="accent1"/>
+          </a:fillRef>
+          <a:effectRef idx="0">
+            <a:schemeClr val="accent1"/>
+          </a:effectRef>
+          <a:fontRef idx="minor">
+            <a:schemeClr val="tx1"/>
+          </a:fontRef>
+        </p:style>
+      </p:cxnSp>
+      <p:cxnSp>
+        <p:nvCxnSpPr>
+          <p:cNvPr id="36" name="Straight Arrow Connector 35">
+            <a:extLst>
+              <a:ext uri="{FF2B5EF4-FFF2-40B4-BE49-F238E27FC236}">
+                <a16:creationId xmlns:a16="http://schemas.microsoft.com/office/drawing/2014/main" id="{3A175623-7B4A-B2C2-0607-E4C9E633830C}"/>
+              </a:ext>
+            </a:extLst>
+          </p:cNvPr>
+          <p:cNvCxnSpPr>
+            <a:stCxn id="2" idx="2"/>
+            <a:endCxn id="6" idx="0"/>
+          </p:cNvCxnSpPr>
+          <p:nvPr/>
+        </p:nvCxnSpPr>
+        <p:spPr>
+          <a:xfrm>
+            <a:off x="4031231" y="2727257"/>
+            <a:ext cx="0" cy="76081"/>
+          </a:xfrm>
+          <a:prstGeom prst="straightConnector1">
+            <a:avLst/>
+          </a:prstGeom>
+          <a:ln w="19050">
+            <a:tailEnd type="triangle"/>
+          </a:ln>
+        </p:spPr>
+        <p:style>
+          <a:lnRef idx="1">
+            <a:schemeClr val="accent1"/>
+          </a:lnRef>
+          <a:fillRef idx="0">
+            <a:schemeClr val="accent1"/>
+          </a:fillRef>
+          <a:effectRef idx="0">
+            <a:schemeClr val="accent1"/>
+          </a:effectRef>
+          <a:fontRef idx="minor">
+            <a:schemeClr val="tx1"/>
+          </a:fontRef>
+        </p:style>
+      </p:cxnSp>
+      <p:cxnSp>
+        <p:nvCxnSpPr>
+          <p:cNvPr id="39" name="Straight Arrow Connector 38">
+            <a:extLst>
+              <a:ext uri="{FF2B5EF4-FFF2-40B4-BE49-F238E27FC236}">
+                <a16:creationId xmlns:a16="http://schemas.microsoft.com/office/drawing/2014/main" id="{B4E56C92-EC3E-E6ED-947B-C4F884E42EE6}"/>
+              </a:ext>
+            </a:extLst>
+          </p:cNvPr>
+          <p:cNvCxnSpPr/>
+          <p:nvPr/>
+        </p:nvCxnSpPr>
+        <p:spPr>
+          <a:xfrm>
+            <a:off x="8157226" y="3162096"/>
+            <a:ext cx="0" cy="104433"/>
+          </a:xfrm>
+          <a:prstGeom prst="straightConnector1">
+            <a:avLst/>
+          </a:prstGeom>
+          <a:ln w="19050">
+            <a:tailEnd type="triangle"/>
+          </a:ln>
+        </p:spPr>
+        <p:style>
+          <a:lnRef idx="1">
+            <a:schemeClr val="accent1"/>
+          </a:lnRef>
+          <a:fillRef idx="0">
+            <a:schemeClr val="accent1"/>
+          </a:fillRef>
+          <a:effectRef idx="0">
+            <a:schemeClr val="accent1"/>
+          </a:effectRef>
+          <a:fontRef idx="minor">
+            <a:schemeClr val="tx1"/>
+          </a:fontRef>
+        </p:style>
+      </p:cxnSp>
+      <p:cxnSp>
+        <p:nvCxnSpPr>
+          <p:cNvPr id="41" name="Straight Arrow Connector 40">
+            <a:extLst>
+              <a:ext uri="{FF2B5EF4-FFF2-40B4-BE49-F238E27FC236}">
+                <a16:creationId xmlns:a16="http://schemas.microsoft.com/office/drawing/2014/main" id="{E6C2A6B7-6624-AE39-D836-5C79C78E8813}"/>
+              </a:ext>
+            </a:extLst>
+          </p:cNvPr>
+          <p:cNvCxnSpPr/>
+          <p:nvPr/>
+        </p:nvCxnSpPr>
+        <p:spPr>
+          <a:xfrm>
+            <a:off x="5482898" y="3162096"/>
+            <a:ext cx="0" cy="104433"/>
+          </a:xfrm>
+          <a:prstGeom prst="straightConnector1">
+            <a:avLst/>
+          </a:prstGeom>
+          <a:ln w="19050">
+            <a:tailEnd type="triangle"/>
+          </a:ln>
+        </p:spPr>
+        <p:style>
+          <a:lnRef idx="1">
+            <a:schemeClr val="accent1"/>
+          </a:lnRef>
+          <a:fillRef idx="0">
+            <a:schemeClr val="accent1"/>
+          </a:fillRef>
+          <a:effectRef idx="0">
+            <a:schemeClr val="accent1"/>
+          </a:effectRef>
+          <a:fontRef idx="minor">
+            <a:schemeClr val="tx1"/>
+          </a:fontRef>
+        </p:style>
+      </p:cxnSp>
+      <p:cxnSp>
+        <p:nvCxnSpPr>
+          <p:cNvPr id="42" name="Straight Arrow Connector 41">
+            <a:extLst>
+              <a:ext uri="{FF2B5EF4-FFF2-40B4-BE49-F238E27FC236}">
+                <a16:creationId xmlns:a16="http://schemas.microsoft.com/office/drawing/2014/main" id="{236CD8AA-5ECE-1A6F-1C28-C5053E30D663}"/>
+              </a:ext>
+            </a:extLst>
+          </p:cNvPr>
+          <p:cNvCxnSpPr/>
+          <p:nvPr/>
+        </p:nvCxnSpPr>
+        <p:spPr>
+          <a:xfrm>
+            <a:off x="4027687" y="3162096"/>
+            <a:ext cx="0" cy="104433"/>
+          </a:xfrm>
+          <a:prstGeom prst="straightConnector1">
+            <a:avLst/>
+          </a:prstGeom>
+          <a:ln w="19050">
+            <a:tailEnd type="triangle"/>
+          </a:ln>
+        </p:spPr>
+        <p:style>
+          <a:lnRef idx="1">
+            <a:schemeClr val="accent1"/>
+          </a:lnRef>
+          <a:fillRef idx="0">
+            <a:schemeClr val="accent1"/>
+          </a:fillRef>
+          <a:effectRef idx="0">
+            <a:schemeClr val="accent1"/>
+          </a:effectRef>
+          <a:fontRef idx="minor">
+            <a:schemeClr val="tx1"/>
+          </a:fontRef>
+        </p:style>
+      </p:cxnSp>
+      <p:cxnSp>
+        <p:nvCxnSpPr>
+          <p:cNvPr id="43" name="Straight Arrow Connector 42">
+            <a:extLst>
+              <a:ext uri="{FF2B5EF4-FFF2-40B4-BE49-F238E27FC236}">
+                <a16:creationId xmlns:a16="http://schemas.microsoft.com/office/drawing/2014/main" id="{EC60CD81-0099-0C6D-45F9-CDB4BFBFBB1C}"/>
+              </a:ext>
+            </a:extLst>
+          </p:cNvPr>
+          <p:cNvCxnSpPr/>
+          <p:nvPr/>
+        </p:nvCxnSpPr>
+        <p:spPr>
+          <a:xfrm>
+            <a:off x="8154673" y="3621696"/>
+            <a:ext cx="0" cy="104433"/>
+          </a:xfrm>
+          <a:prstGeom prst="straightConnector1">
+            <a:avLst/>
+          </a:prstGeom>
+          <a:ln w="19050">
+            <a:tailEnd type="triangle"/>
+          </a:ln>
+        </p:spPr>
+        <p:style>
+          <a:lnRef idx="1">
+            <a:schemeClr val="accent1"/>
+          </a:lnRef>
+          <a:fillRef idx="0">
+            <a:schemeClr val="accent1"/>
+          </a:fillRef>
+          <a:effectRef idx="0">
+            <a:schemeClr val="accent1"/>
+          </a:effectRef>
+          <a:fontRef idx="minor">
+            <a:schemeClr val="tx1"/>
+          </a:fontRef>
+        </p:style>
+      </p:cxnSp>
+      <p:cxnSp>
+        <p:nvCxnSpPr>
+          <p:cNvPr id="45" name="Straight Arrow Connector 44">
+            <a:extLst>
+              <a:ext uri="{FF2B5EF4-FFF2-40B4-BE49-F238E27FC236}">
+                <a16:creationId xmlns:a16="http://schemas.microsoft.com/office/drawing/2014/main" id="{09E1B355-570E-7D94-6E78-5EA9FE6B1353}"/>
+              </a:ext>
+            </a:extLst>
+          </p:cNvPr>
+          <p:cNvCxnSpPr/>
+          <p:nvPr/>
+        </p:nvCxnSpPr>
+        <p:spPr>
+          <a:xfrm>
+            <a:off x="5480345" y="3621696"/>
+            <a:ext cx="0" cy="104433"/>
+          </a:xfrm>
+          <a:prstGeom prst="straightConnector1">
+            <a:avLst/>
+          </a:prstGeom>
+          <a:ln w="19050">
+            <a:tailEnd type="triangle"/>
+          </a:ln>
+        </p:spPr>
+        <p:style>
+          <a:lnRef idx="1">
+            <a:schemeClr val="accent1"/>
+          </a:lnRef>
+          <a:fillRef idx="0">
+            <a:schemeClr val="accent1"/>
+          </a:fillRef>
+          <a:effectRef idx="0">
+            <a:schemeClr val="accent1"/>
+          </a:effectRef>
+          <a:fontRef idx="minor">
+            <a:schemeClr val="tx1"/>
+          </a:fontRef>
+        </p:style>
+      </p:cxnSp>
+      <p:cxnSp>
+        <p:nvCxnSpPr>
+          <p:cNvPr id="46" name="Straight Arrow Connector 45">
+            <a:extLst>
+              <a:ext uri="{FF2B5EF4-FFF2-40B4-BE49-F238E27FC236}">
+                <a16:creationId xmlns:a16="http://schemas.microsoft.com/office/drawing/2014/main" id="{8CEE2D60-94A9-C8C6-3F90-474DBA157876}"/>
+              </a:ext>
+            </a:extLst>
+          </p:cNvPr>
+          <p:cNvCxnSpPr/>
+          <p:nvPr/>
+        </p:nvCxnSpPr>
+        <p:spPr>
+          <a:xfrm>
+            <a:off x="4025134" y="3621696"/>
+            <a:ext cx="0" cy="104433"/>
+          </a:xfrm>
+          <a:prstGeom prst="straightConnector1">
+            <a:avLst/>
+          </a:prstGeom>
+          <a:ln w="19050">
+            <a:tailEnd type="triangle"/>
+          </a:ln>
+        </p:spPr>
+        <p:style>
+          <a:lnRef idx="1">
+            <a:schemeClr val="accent1"/>
+          </a:lnRef>
+          <a:fillRef idx="0">
+            <a:schemeClr val="accent1"/>
+          </a:fillRef>
+          <a:effectRef idx="0">
+            <a:schemeClr val="accent1"/>
+          </a:effectRef>
+          <a:fontRef idx="minor">
+            <a:schemeClr val="tx1"/>
+          </a:fontRef>
+        </p:style>
+      </p:cxnSp>
+      <p:cxnSp>
+        <p:nvCxnSpPr>
+          <p:cNvPr id="47" name="Straight Arrow Connector 46">
+            <a:extLst>
+              <a:ext uri="{FF2B5EF4-FFF2-40B4-BE49-F238E27FC236}">
+                <a16:creationId xmlns:a16="http://schemas.microsoft.com/office/drawing/2014/main" id="{13F3A1CA-79F1-554C-571A-6D6573C8A388}"/>
+              </a:ext>
+            </a:extLst>
+          </p:cNvPr>
+          <p:cNvCxnSpPr/>
+          <p:nvPr/>
+        </p:nvCxnSpPr>
+        <p:spPr>
+          <a:xfrm>
+            <a:off x="8154673" y="4083855"/>
+            <a:ext cx="0" cy="104433"/>
+          </a:xfrm>
+          <a:prstGeom prst="straightConnector1">
+            <a:avLst/>
+          </a:prstGeom>
+          <a:ln w="19050">
+            <a:tailEnd type="triangle"/>
+          </a:ln>
+        </p:spPr>
+        <p:style>
+          <a:lnRef idx="1">
+            <a:schemeClr val="accent1"/>
+          </a:lnRef>
+          <a:fillRef idx="0">
+            <a:schemeClr val="accent1"/>
+          </a:fillRef>
+          <a:effectRef idx="0">
+            <a:schemeClr val="accent1"/>
+          </a:effectRef>
+          <a:fontRef idx="minor">
+            <a:schemeClr val="tx1"/>
+          </a:fontRef>
+        </p:style>
+      </p:cxnSp>
+      <p:cxnSp>
+        <p:nvCxnSpPr>
+          <p:cNvPr id="49" name="Straight Arrow Connector 48">
+            <a:extLst>
+              <a:ext uri="{FF2B5EF4-FFF2-40B4-BE49-F238E27FC236}">
+                <a16:creationId xmlns:a16="http://schemas.microsoft.com/office/drawing/2014/main" id="{885005B5-57F3-A83F-FEE0-0A90962A2C7F}"/>
+              </a:ext>
+            </a:extLst>
+          </p:cNvPr>
+          <p:cNvCxnSpPr/>
+          <p:nvPr/>
+        </p:nvCxnSpPr>
+        <p:spPr>
+          <a:xfrm>
+            <a:off x="5480345" y="4083855"/>
+            <a:ext cx="0" cy="104433"/>
+          </a:xfrm>
+          <a:prstGeom prst="straightConnector1">
+            <a:avLst/>
+          </a:prstGeom>
+          <a:ln w="19050">
+            <a:tailEnd type="triangle"/>
+          </a:ln>
+        </p:spPr>
+        <p:style>
+          <a:lnRef idx="1">
+            <a:schemeClr val="accent1"/>
+          </a:lnRef>
+          <a:fillRef idx="0">
+            <a:schemeClr val="accent1"/>
+          </a:fillRef>
+          <a:effectRef idx="0">
+            <a:schemeClr val="accent1"/>
+          </a:effectRef>
+          <a:fontRef idx="minor">
+            <a:schemeClr val="tx1"/>
+          </a:fontRef>
+        </p:style>
+      </p:cxnSp>
+      <p:cxnSp>
+        <p:nvCxnSpPr>
+          <p:cNvPr id="50" name="Straight Arrow Connector 49">
+            <a:extLst>
+              <a:ext uri="{FF2B5EF4-FFF2-40B4-BE49-F238E27FC236}">
+                <a16:creationId xmlns:a16="http://schemas.microsoft.com/office/drawing/2014/main" id="{49AD2552-049E-D65B-2B10-F846CBF1160B}"/>
+              </a:ext>
+            </a:extLst>
+          </p:cNvPr>
+          <p:cNvCxnSpPr/>
+          <p:nvPr/>
+        </p:nvCxnSpPr>
+        <p:spPr>
+          <a:xfrm>
+            <a:off x="4025134" y="4083855"/>
+            <a:ext cx="0" cy="104433"/>
+          </a:xfrm>
+          <a:prstGeom prst="straightConnector1">
+            <a:avLst/>
+          </a:prstGeom>
+          <a:ln w="19050">
+            <a:tailEnd type="triangle"/>
+          </a:ln>
+        </p:spPr>
+        <p:style>
+          <a:lnRef idx="1">
+            <a:schemeClr val="accent1"/>
+          </a:lnRef>
+          <a:fillRef idx="0">
+            <a:schemeClr val="accent1"/>
+          </a:fillRef>
+          <a:effectRef idx="0">
+            <a:schemeClr val="accent1"/>
+          </a:effectRef>
+          <a:fontRef idx="minor">
+            <a:schemeClr val="tx1"/>
+          </a:fontRef>
+        </p:style>
+      </p:cxnSp>
+      <p:sp>
+        <p:nvSpPr>
+          <p:cNvPr id="17" name="TextBox 16">
+            <a:extLst>
+              <a:ext uri="{FF2B5EF4-FFF2-40B4-BE49-F238E27FC236}">
+                <a16:creationId xmlns:a16="http://schemas.microsoft.com/office/drawing/2014/main" id="{EAF8F8B5-138E-0FB6-6F8F-AEC89676C2EF}"/>
+              </a:ext>
+            </a:extLst>
+          </p:cNvPr>
+          <p:cNvSpPr txBox="1"/>
+          <p:nvPr/>
+        </p:nvSpPr>
+        <p:spPr>
+          <a:xfrm>
+            <a:off x="3706204" y="2023415"/>
+            <a:ext cx="650050" cy="276999"/>
+          </a:xfrm>
+          <a:prstGeom prst="rect">
+            <a:avLst/>
+          </a:prstGeom>
+          <a:noFill/>
+        </p:spPr>
+        <p:txBody>
+          <a:bodyPr wrap="none" rtlCol="0">
+            <a:spAutoFit/>
+          </a:bodyPr>
+          <a:lstStyle/>
+          <a:p>
+            <a:r>
+              <a:rPr lang="en-US" sz="1200" dirty="0"/>
+              <a:t>agent 1</a:t>
+            </a:r>
+          </a:p>
+        </p:txBody>
+      </p:sp>
+      <p:sp>
+        <p:nvSpPr>
+          <p:cNvPr id="20" name="TextBox 19">
+            <a:extLst>
+              <a:ext uri="{FF2B5EF4-FFF2-40B4-BE49-F238E27FC236}">
+                <a16:creationId xmlns:a16="http://schemas.microsoft.com/office/drawing/2014/main" id="{B0B572F4-4C7E-C737-9CE2-3D575AAF8A48}"/>
+              </a:ext>
+            </a:extLst>
+          </p:cNvPr>
+          <p:cNvSpPr txBox="1"/>
+          <p:nvPr/>
+        </p:nvSpPr>
+        <p:spPr>
+          <a:xfrm>
+            <a:off x="5161415" y="2023415"/>
+            <a:ext cx="650050" cy="276999"/>
+          </a:xfrm>
+          <a:prstGeom prst="rect">
+            <a:avLst/>
+          </a:prstGeom>
+          <a:noFill/>
+        </p:spPr>
+        <p:txBody>
+          <a:bodyPr wrap="none" rtlCol="0">
+            <a:spAutoFit/>
+          </a:bodyPr>
+          <a:lstStyle/>
+          <a:p>
+            <a:r>
+              <a:rPr lang="en-US" sz="1200" dirty="0"/>
+              <a:t>agent 2</a:t>
+            </a:r>
+          </a:p>
+        </p:txBody>
+      </p:sp>
+      <p:sp>
+        <p:nvSpPr>
+          <p:cNvPr id="21" name="TextBox 20">
+            <a:extLst>
+              <a:ext uri="{FF2B5EF4-FFF2-40B4-BE49-F238E27FC236}">
+                <a16:creationId xmlns:a16="http://schemas.microsoft.com/office/drawing/2014/main" id="{C2C2C499-4F82-54EC-A08F-4A080D6BC406}"/>
+              </a:ext>
+            </a:extLst>
+          </p:cNvPr>
+          <p:cNvSpPr txBox="1"/>
+          <p:nvPr/>
+        </p:nvSpPr>
+        <p:spPr>
+          <a:xfrm>
+            <a:off x="6591312" y="2023415"/>
+            <a:ext cx="450764" cy="276999"/>
+          </a:xfrm>
+          <a:prstGeom prst="rect">
+            <a:avLst/>
+          </a:prstGeom>
+          <a:noFill/>
+        </p:spPr>
+        <p:txBody>
+          <a:bodyPr wrap="none" rtlCol="0">
+            <a:spAutoFit/>
+          </a:bodyPr>
+          <a:lstStyle/>
+          <a:p>
+            <a:r>
+              <a:rPr lang="en-US" sz="1200" b="1" dirty="0"/>
+              <a:t>.  .  .</a:t>
+            </a:r>
+          </a:p>
+        </p:txBody>
+      </p:sp>
+      <mc:AlternateContent xmlns:mc="http://schemas.openxmlformats.org/markup-compatibility/2006" xmlns:a14="http://schemas.microsoft.com/office/drawing/2010/main">
+        <mc:Choice Requires="a14">
+          <p:sp>
+            <p:nvSpPr>
+              <p:cNvPr id="25" name="TextBox 24">
+                <a:extLst>
+                  <a:ext uri="{FF2B5EF4-FFF2-40B4-BE49-F238E27FC236}">
+                    <a16:creationId xmlns:a16="http://schemas.microsoft.com/office/drawing/2014/main" id="{BDADF5CA-203F-6F69-B2C8-CC32BCC97F30}"/>
+                  </a:ext>
+                </a:extLst>
+              </p:cNvPr>
+              <p:cNvSpPr txBox="1"/>
+              <p:nvPr/>
+            </p:nvSpPr>
+            <p:spPr>
+              <a:xfrm>
+                <a:off x="7829619" y="2023415"/>
+                <a:ext cx="662297" cy="276999"/>
+              </a:xfrm>
+              <a:prstGeom prst="rect">
+                <a:avLst/>
+              </a:prstGeom>
+              <a:noFill/>
+            </p:spPr>
+            <p:txBody>
+              <a:bodyPr wrap="none" rtlCol="0">
+                <a:spAutoFit/>
+              </a:bodyPr>
+              <a:lstStyle/>
+              <a:p>
+                <a:r>
+                  <a:rPr lang="en-US" sz="1200" dirty="0"/>
+                  <a:t>agent </a:t>
+                </a:r>
+                <a14:m>
+                  <m:oMath xmlns:m="http://schemas.openxmlformats.org/officeDocument/2006/math">
+                    <m:r>
+                      <a:rPr lang="en-US" sz="1200" i="1" dirty="0" smtClean="0">
+                        <a:latin typeface="Cambria Math" panose="02040503050406030204" pitchFamily="18" charset="0"/>
+                      </a:rPr>
+                      <m:t>𝑛</m:t>
+                    </m:r>
+                  </m:oMath>
+                </a14:m>
+                <a:endParaRPr lang="en-US" sz="1200" dirty="0"/>
+              </a:p>
+            </p:txBody>
+          </p:sp>
+        </mc:Choice>
+        <mc:Fallback xmlns="">
+          <p:sp>
+            <p:nvSpPr>
+              <p:cNvPr id="25" name="TextBox 24">
+                <a:extLst>
+                  <a:ext uri="{FF2B5EF4-FFF2-40B4-BE49-F238E27FC236}">
+                    <a16:creationId xmlns:a16="http://schemas.microsoft.com/office/drawing/2014/main" id="{BDADF5CA-203F-6F69-B2C8-CC32BCC97F30}"/>
+                  </a:ext>
+                </a:extLst>
+              </p:cNvPr>
+              <p:cNvSpPr txBox="1">
+                <a:spLocks noRot="1" noChangeAspect="1" noMove="1" noResize="1" noEditPoints="1" noAdjustHandles="1" noChangeArrowheads="1" noChangeShapeType="1" noTextEdit="1"/>
+              </p:cNvSpPr>
+              <p:nvPr/>
+            </p:nvSpPr>
+            <p:spPr>
+              <a:xfrm>
+                <a:off x="7829619" y="2023415"/>
+                <a:ext cx="662297" cy="276999"/>
+              </a:xfrm>
+              <a:prstGeom prst="rect">
+                <a:avLst/>
+              </a:prstGeom>
+              <a:blipFill>
+                <a:blip r:embed="rId2"/>
+                <a:stretch>
+                  <a:fillRect b="-18182"/>
+                </a:stretch>
+              </a:blipFill>
+            </p:spPr>
+            <p:txBody>
+              <a:bodyPr/>
+              <a:lstStyle/>
+              <a:p>
+                <a:r>
+                  <a:rPr lang="en-US">
+                    <a:noFill/>
+                  </a:rPr>
+                  <a:t> </a:t>
+                </a:r>
+              </a:p>
+            </p:txBody>
+          </p:sp>
+        </mc:Fallback>
+      </mc:AlternateContent>
+      <p:sp>
+        <p:nvSpPr>
+          <p:cNvPr id="2" name="Rectangle 1">
+            <a:extLst>
+              <a:ext uri="{FF2B5EF4-FFF2-40B4-BE49-F238E27FC236}">
+                <a16:creationId xmlns:a16="http://schemas.microsoft.com/office/drawing/2014/main" id="{281AA66C-C1B9-82FB-0144-BCCCDD6A78C3}"/>
+              </a:ext>
+            </a:extLst>
+          </p:cNvPr>
+          <p:cNvSpPr/>
+          <p:nvPr/>
+        </p:nvSpPr>
+        <p:spPr>
+          <a:xfrm>
+            <a:off x="3362616" y="2343738"/>
+            <a:ext cx="1337229" cy="383519"/>
+          </a:xfrm>
+          <a:prstGeom prst="rect">
+            <a:avLst/>
+          </a:prstGeom>
+        </p:spPr>
+        <p:style>
+          <a:lnRef idx="2">
+            <a:schemeClr val="accent1">
+              <a:shade val="50000"/>
+            </a:schemeClr>
+          </a:lnRef>
+          <a:fillRef idx="1">
+            <a:schemeClr val="accent1"/>
+          </a:fillRef>
+          <a:effectRef idx="0">
+            <a:schemeClr val="accent1"/>
+          </a:effectRef>
+          <a:fontRef idx="minor">
+            <a:schemeClr val="lt1"/>
+          </a:fontRef>
+        </p:style>
+        <p:txBody>
+          <a:bodyPr rtlCol="0" anchor="ctr"/>
+          <a:lstStyle/>
+          <a:p>
+            <a:pPr algn="ctr"/>
+            <a:r>
+              <a:rPr lang="en-US" sz="1100" dirty="0"/>
+              <a:t>choose destination</a:t>
+            </a:r>
+          </a:p>
+        </p:txBody>
+      </p:sp>
+      <p:sp>
+        <p:nvSpPr>
+          <p:cNvPr id="3" name="Rectangle 2">
+            <a:extLst>
+              <a:ext uri="{FF2B5EF4-FFF2-40B4-BE49-F238E27FC236}">
+                <a16:creationId xmlns:a16="http://schemas.microsoft.com/office/drawing/2014/main" id="{D550BDAB-829E-BEC8-DC3F-85438E454781}"/>
+              </a:ext>
+            </a:extLst>
+          </p:cNvPr>
+          <p:cNvSpPr/>
+          <p:nvPr/>
+        </p:nvSpPr>
+        <p:spPr>
+          <a:xfrm>
+            <a:off x="4817827" y="2343738"/>
+            <a:ext cx="1337229" cy="383519"/>
+          </a:xfrm>
+          <a:prstGeom prst="rect">
+            <a:avLst/>
+          </a:prstGeom>
+        </p:spPr>
+        <p:style>
+          <a:lnRef idx="2">
+            <a:schemeClr val="accent1">
+              <a:shade val="50000"/>
+            </a:schemeClr>
+          </a:lnRef>
+          <a:fillRef idx="1">
+            <a:schemeClr val="accent1"/>
+          </a:fillRef>
+          <a:effectRef idx="0">
+            <a:schemeClr val="accent1"/>
+          </a:effectRef>
+          <a:fontRef idx="minor">
+            <a:schemeClr val="lt1"/>
+          </a:fontRef>
+        </p:style>
+        <p:txBody>
+          <a:bodyPr rtlCol="0" anchor="ctr"/>
+          <a:lstStyle/>
+          <a:p>
+            <a:pPr algn="ctr"/>
+            <a:r>
+              <a:rPr lang="en-US" sz="1100" dirty="0"/>
+              <a:t>choose destination</a:t>
+            </a:r>
+          </a:p>
+        </p:txBody>
+      </p:sp>
+      <p:sp>
+        <p:nvSpPr>
+          <p:cNvPr id="5" name="Rectangle 4">
+            <a:extLst>
+              <a:ext uri="{FF2B5EF4-FFF2-40B4-BE49-F238E27FC236}">
+                <a16:creationId xmlns:a16="http://schemas.microsoft.com/office/drawing/2014/main" id="{B008BF58-3878-3718-ACBE-88D4D2FFA47E}"/>
+              </a:ext>
+            </a:extLst>
+          </p:cNvPr>
+          <p:cNvSpPr/>
+          <p:nvPr/>
+        </p:nvSpPr>
+        <p:spPr>
+          <a:xfrm>
+            <a:off x="7492155" y="2343738"/>
+            <a:ext cx="1337229" cy="383519"/>
+          </a:xfrm>
+          <a:prstGeom prst="rect">
+            <a:avLst/>
+          </a:prstGeom>
+        </p:spPr>
+        <p:style>
+          <a:lnRef idx="2">
+            <a:schemeClr val="accent1">
+              <a:shade val="50000"/>
+            </a:schemeClr>
+          </a:lnRef>
+          <a:fillRef idx="1">
+            <a:schemeClr val="accent1"/>
+          </a:fillRef>
+          <a:effectRef idx="0">
+            <a:schemeClr val="accent1"/>
+          </a:effectRef>
+          <a:fontRef idx="minor">
+            <a:schemeClr val="lt1"/>
+          </a:fontRef>
+        </p:style>
+        <p:txBody>
+          <a:bodyPr rtlCol="0" anchor="ctr"/>
+          <a:lstStyle/>
+          <a:p>
+            <a:pPr algn="ctr"/>
+            <a:r>
+              <a:rPr lang="en-US" sz="1100" dirty="0"/>
+              <a:t>choose destination</a:t>
+            </a:r>
+          </a:p>
+        </p:txBody>
+      </p:sp>
+      <mc:AlternateContent xmlns:mc="http://schemas.openxmlformats.org/markup-compatibility/2006" xmlns:a14="http://schemas.microsoft.com/office/drawing/2010/main">
+        <mc:Choice Requires="a14">
+          <p:sp>
+            <p:nvSpPr>
+              <p:cNvPr id="6" name="Rectangle 5">
+                <a:extLst>
+                  <a:ext uri="{FF2B5EF4-FFF2-40B4-BE49-F238E27FC236}">
+                    <a16:creationId xmlns:a16="http://schemas.microsoft.com/office/drawing/2014/main" id="{621A88FD-360E-E002-94F7-5B1DCD8EA822}"/>
+                  </a:ext>
+                </a:extLst>
+              </p:cNvPr>
+              <p:cNvSpPr/>
+              <p:nvPr/>
+            </p:nvSpPr>
+            <p:spPr>
+              <a:xfrm>
+                <a:off x="3362616" y="2803338"/>
+                <a:ext cx="1337229" cy="383519"/>
+              </a:xfrm>
+              <a:prstGeom prst="rect">
+                <a:avLst/>
+              </a:prstGeom>
+            </p:spPr>
+            <p:style>
+              <a:lnRef idx="2">
+                <a:schemeClr val="accent1">
+                  <a:shade val="50000"/>
+                </a:schemeClr>
+              </a:lnRef>
+              <a:fillRef idx="1">
+                <a:schemeClr val="accent1"/>
+              </a:fillRef>
+              <a:effectRef idx="0">
+                <a:schemeClr val="accent1"/>
+              </a:effectRef>
+              <a:fontRef idx="minor">
+                <a:schemeClr val="lt1"/>
+              </a:fontRef>
+            </p:style>
+            <p:txBody>
+              <a:bodyPr rtlCol="0" anchor="ctr"/>
+              <a:lstStyle/>
+              <a:p>
+                <a:pPr algn="ctr"/>
+                <a:r>
+                  <a:rPr lang="en-US" sz="1100" dirty="0"/>
+                  <a:t>reach destination using </a:t>
+                </a:r>
+                <a14:m>
+                  <m:oMath xmlns:m="http://schemas.openxmlformats.org/officeDocument/2006/math">
+                    <m:sSup>
+                      <m:sSupPr>
+                        <m:ctrlPr>
+                          <a:rPr lang="en-US" sz="1100" b="0" i="1" dirty="0" smtClean="0">
+                            <a:latin typeface="Cambria Math" panose="02040503050406030204" pitchFamily="18" charset="0"/>
+                          </a:rPr>
+                        </m:ctrlPr>
+                      </m:sSupPr>
+                      <m:e>
+                        <m:r>
+                          <a:rPr lang="en-US" sz="1100" i="1" dirty="0" smtClean="0">
+                            <a:latin typeface="Cambria Math" panose="02040503050406030204" pitchFamily="18" charset="0"/>
+                          </a:rPr>
+                          <m:t>𝐴</m:t>
+                        </m:r>
+                      </m:e>
+                      <m:sup>
+                        <m:r>
+                          <a:rPr lang="en-US" sz="1100" b="0" i="1" dirty="0" smtClean="0">
+                            <a:latin typeface="Cambria Math" panose="02040503050406030204" pitchFamily="18" charset="0"/>
+                          </a:rPr>
+                          <m:t>∗</m:t>
+                        </m:r>
+                      </m:sup>
+                    </m:sSup>
+                  </m:oMath>
+                </a14:m>
+                <a:r>
+                  <a:rPr lang="en-US" sz="1100" dirty="0"/>
+                  <a:t> algorithm</a:t>
+                </a:r>
+              </a:p>
+            </p:txBody>
+          </p:sp>
+        </mc:Choice>
+        <mc:Fallback xmlns="">
+          <p:sp>
+            <p:nvSpPr>
+              <p:cNvPr id="6" name="Rectangle 5">
+                <a:extLst>
+                  <a:ext uri="{FF2B5EF4-FFF2-40B4-BE49-F238E27FC236}">
+                    <a16:creationId xmlns:a16="http://schemas.microsoft.com/office/drawing/2014/main" id="{621A88FD-360E-E002-94F7-5B1DCD8EA822}"/>
+                  </a:ext>
+                </a:extLst>
+              </p:cNvPr>
+              <p:cNvSpPr>
+                <a:spLocks noRot="1" noChangeAspect="1" noMove="1" noResize="1" noEditPoints="1" noAdjustHandles="1" noChangeArrowheads="1" noChangeShapeType="1" noTextEdit="1"/>
+              </p:cNvSpPr>
+              <p:nvPr/>
+            </p:nvSpPr>
+            <p:spPr>
+              <a:xfrm>
+                <a:off x="3362616" y="2803338"/>
+                <a:ext cx="1337229" cy="383519"/>
+              </a:xfrm>
+              <a:prstGeom prst="rect">
+                <a:avLst/>
+              </a:prstGeom>
+              <a:blipFill>
+                <a:blip r:embed="rId3"/>
+                <a:stretch>
+                  <a:fillRect t="-3125" b="-15625"/>
+                </a:stretch>
+              </a:blipFill>
+            </p:spPr>
+            <p:txBody>
+              <a:bodyPr/>
+              <a:lstStyle/>
+              <a:p>
+                <a:r>
+                  <a:rPr lang="en-US">
+                    <a:noFill/>
+                  </a:rPr>
+                  <a:t> </a:t>
+                </a:r>
+              </a:p>
+            </p:txBody>
+          </p:sp>
+        </mc:Fallback>
+      </mc:AlternateContent>
+      <mc:AlternateContent xmlns:mc="http://schemas.openxmlformats.org/markup-compatibility/2006" xmlns:a14="http://schemas.microsoft.com/office/drawing/2010/main">
+        <mc:Choice Requires="a14">
+          <p:sp>
+            <p:nvSpPr>
+              <p:cNvPr id="7" name="Rectangle 6">
+                <a:extLst>
+                  <a:ext uri="{FF2B5EF4-FFF2-40B4-BE49-F238E27FC236}">
+                    <a16:creationId xmlns:a16="http://schemas.microsoft.com/office/drawing/2014/main" id="{680A0A0C-BA92-F485-FFED-6615E29819E6}"/>
+                  </a:ext>
+                </a:extLst>
+              </p:cNvPr>
+              <p:cNvSpPr/>
+              <p:nvPr/>
+            </p:nvSpPr>
+            <p:spPr>
+              <a:xfrm>
+                <a:off x="4817827" y="2803338"/>
+                <a:ext cx="1337229" cy="383519"/>
+              </a:xfrm>
+              <a:prstGeom prst="rect">
+                <a:avLst/>
+              </a:prstGeom>
+            </p:spPr>
+            <p:style>
+              <a:lnRef idx="2">
+                <a:schemeClr val="accent1">
+                  <a:shade val="50000"/>
+                </a:schemeClr>
+              </a:lnRef>
+              <a:fillRef idx="1">
+                <a:schemeClr val="accent1"/>
+              </a:fillRef>
+              <a:effectRef idx="0">
+                <a:schemeClr val="accent1"/>
+              </a:effectRef>
+              <a:fontRef idx="minor">
+                <a:schemeClr val="lt1"/>
+              </a:fontRef>
+            </p:style>
+            <p:txBody>
+              <a:bodyPr rtlCol="0" anchor="ctr"/>
+              <a:lstStyle/>
+              <a:p>
+                <a:pPr algn="ctr"/>
+                <a:r>
+                  <a:rPr lang="en-US" sz="1100" dirty="0"/>
+                  <a:t>reach destination using </a:t>
+                </a:r>
+                <a14:m>
+                  <m:oMath xmlns:m="http://schemas.openxmlformats.org/officeDocument/2006/math">
+                    <m:sSup>
+                      <m:sSupPr>
+                        <m:ctrlPr>
+                          <a:rPr lang="en-US" sz="1100" b="0" i="1" dirty="0" smtClean="0">
+                            <a:latin typeface="Cambria Math" panose="02040503050406030204" pitchFamily="18" charset="0"/>
+                          </a:rPr>
+                        </m:ctrlPr>
+                      </m:sSupPr>
+                      <m:e>
+                        <m:r>
+                          <a:rPr lang="en-US" sz="1100" i="1" dirty="0" smtClean="0">
+                            <a:latin typeface="Cambria Math" panose="02040503050406030204" pitchFamily="18" charset="0"/>
+                          </a:rPr>
+                          <m:t>𝐴</m:t>
+                        </m:r>
+                      </m:e>
+                      <m:sup>
+                        <m:r>
+                          <a:rPr lang="en-US" sz="1100" b="0" i="1" dirty="0" smtClean="0">
+                            <a:latin typeface="Cambria Math" panose="02040503050406030204" pitchFamily="18" charset="0"/>
+                          </a:rPr>
+                          <m:t>∗</m:t>
+                        </m:r>
+                      </m:sup>
+                    </m:sSup>
+                  </m:oMath>
+                </a14:m>
+                <a:r>
+                  <a:rPr lang="en-US" sz="1100" dirty="0"/>
+                  <a:t> algorithm</a:t>
+                </a:r>
+              </a:p>
+            </p:txBody>
+          </p:sp>
+        </mc:Choice>
+        <mc:Fallback xmlns="">
+          <p:sp>
+            <p:nvSpPr>
+              <p:cNvPr id="7" name="Rectangle 6">
+                <a:extLst>
+                  <a:ext uri="{FF2B5EF4-FFF2-40B4-BE49-F238E27FC236}">
+                    <a16:creationId xmlns:a16="http://schemas.microsoft.com/office/drawing/2014/main" id="{680A0A0C-BA92-F485-FFED-6615E29819E6}"/>
+                  </a:ext>
+                </a:extLst>
+              </p:cNvPr>
+              <p:cNvSpPr>
+                <a:spLocks noRot="1" noChangeAspect="1" noMove="1" noResize="1" noEditPoints="1" noAdjustHandles="1" noChangeArrowheads="1" noChangeShapeType="1" noTextEdit="1"/>
+              </p:cNvSpPr>
+              <p:nvPr/>
+            </p:nvSpPr>
+            <p:spPr>
+              <a:xfrm>
+                <a:off x="4817827" y="2803338"/>
+                <a:ext cx="1337229" cy="383519"/>
+              </a:xfrm>
+              <a:prstGeom prst="rect">
+                <a:avLst/>
+              </a:prstGeom>
+              <a:blipFill>
+                <a:blip r:embed="rId4"/>
+                <a:stretch>
+                  <a:fillRect t="-3125" b="-15625"/>
+                </a:stretch>
+              </a:blipFill>
+            </p:spPr>
+            <p:txBody>
+              <a:bodyPr/>
+              <a:lstStyle/>
+              <a:p>
+                <a:r>
+                  <a:rPr lang="en-US">
+                    <a:noFill/>
+                  </a:rPr>
+                  <a:t> </a:t>
+                </a:r>
+              </a:p>
+            </p:txBody>
+          </p:sp>
+        </mc:Fallback>
+      </mc:AlternateContent>
+      <mc:AlternateContent xmlns:mc="http://schemas.openxmlformats.org/markup-compatibility/2006" xmlns:a14="http://schemas.microsoft.com/office/drawing/2010/main">
+        <mc:Choice Requires="a14">
+          <p:sp>
+            <p:nvSpPr>
+              <p:cNvPr id="9" name="Rectangle 8">
+                <a:extLst>
+                  <a:ext uri="{FF2B5EF4-FFF2-40B4-BE49-F238E27FC236}">
+                    <a16:creationId xmlns:a16="http://schemas.microsoft.com/office/drawing/2014/main" id="{944B7ABC-1577-4111-758F-7F1957A8E124}"/>
+                  </a:ext>
+                </a:extLst>
+              </p:cNvPr>
+              <p:cNvSpPr/>
+              <p:nvPr/>
+            </p:nvSpPr>
+            <p:spPr>
+              <a:xfrm>
+                <a:off x="7492155" y="2803338"/>
+                <a:ext cx="1337229" cy="383519"/>
+              </a:xfrm>
+              <a:prstGeom prst="rect">
+                <a:avLst/>
+              </a:prstGeom>
+            </p:spPr>
+            <p:style>
+              <a:lnRef idx="2">
+                <a:schemeClr val="accent1">
+                  <a:shade val="50000"/>
+                </a:schemeClr>
+              </a:lnRef>
+              <a:fillRef idx="1">
+                <a:schemeClr val="accent1"/>
+              </a:fillRef>
+              <a:effectRef idx="0">
+                <a:schemeClr val="accent1"/>
+              </a:effectRef>
+              <a:fontRef idx="minor">
+                <a:schemeClr val="lt1"/>
+              </a:fontRef>
+            </p:style>
+            <p:txBody>
+              <a:bodyPr rtlCol="0" anchor="ctr"/>
+              <a:lstStyle/>
+              <a:p>
+                <a:pPr algn="ctr"/>
+                <a:r>
+                  <a:rPr lang="en-US" sz="1100" dirty="0"/>
+                  <a:t>reach destination using </a:t>
+                </a:r>
+                <a14:m>
+                  <m:oMath xmlns:m="http://schemas.openxmlformats.org/officeDocument/2006/math">
+                    <m:sSup>
+                      <m:sSupPr>
+                        <m:ctrlPr>
+                          <a:rPr lang="en-US" sz="1100" b="0" i="1" dirty="0" smtClean="0">
+                            <a:latin typeface="Cambria Math" panose="02040503050406030204" pitchFamily="18" charset="0"/>
+                          </a:rPr>
+                        </m:ctrlPr>
+                      </m:sSupPr>
+                      <m:e>
+                        <m:r>
+                          <a:rPr lang="en-US" sz="1100" i="1" dirty="0" smtClean="0">
+                            <a:latin typeface="Cambria Math" panose="02040503050406030204" pitchFamily="18" charset="0"/>
+                          </a:rPr>
+                          <m:t>𝐴</m:t>
+                        </m:r>
+                      </m:e>
+                      <m:sup>
+                        <m:r>
+                          <a:rPr lang="en-US" sz="1100" b="0" i="1" dirty="0" smtClean="0">
+                            <a:latin typeface="Cambria Math" panose="02040503050406030204" pitchFamily="18" charset="0"/>
+                          </a:rPr>
+                          <m:t>∗</m:t>
+                        </m:r>
+                      </m:sup>
+                    </m:sSup>
+                  </m:oMath>
+                </a14:m>
+                <a:r>
+                  <a:rPr lang="en-US" sz="1100" dirty="0"/>
+                  <a:t> algorithm</a:t>
+                </a:r>
+              </a:p>
+            </p:txBody>
+          </p:sp>
+        </mc:Choice>
+        <mc:Fallback xmlns="">
+          <p:sp>
+            <p:nvSpPr>
+              <p:cNvPr id="9" name="Rectangle 8">
+                <a:extLst>
+                  <a:ext uri="{FF2B5EF4-FFF2-40B4-BE49-F238E27FC236}">
+                    <a16:creationId xmlns:a16="http://schemas.microsoft.com/office/drawing/2014/main" id="{944B7ABC-1577-4111-758F-7F1957A8E124}"/>
+                  </a:ext>
+                </a:extLst>
+              </p:cNvPr>
+              <p:cNvSpPr>
+                <a:spLocks noRot="1" noChangeAspect="1" noMove="1" noResize="1" noEditPoints="1" noAdjustHandles="1" noChangeArrowheads="1" noChangeShapeType="1" noTextEdit="1"/>
+              </p:cNvSpPr>
+              <p:nvPr/>
+            </p:nvSpPr>
+            <p:spPr>
+              <a:xfrm>
+                <a:off x="7492155" y="2803338"/>
+                <a:ext cx="1337229" cy="383519"/>
+              </a:xfrm>
+              <a:prstGeom prst="rect">
+                <a:avLst/>
+              </a:prstGeom>
+              <a:blipFill>
+                <a:blip r:embed="rId5"/>
+                <a:stretch>
+                  <a:fillRect t="-3125" b="-15625"/>
+                </a:stretch>
+              </a:blipFill>
+            </p:spPr>
+            <p:txBody>
+              <a:bodyPr/>
+              <a:lstStyle/>
+              <a:p>
+                <a:r>
+                  <a:rPr lang="en-US">
+                    <a:noFill/>
+                  </a:rPr>
+                  <a:t> </a:t>
+                </a:r>
+              </a:p>
+            </p:txBody>
+          </p:sp>
+        </mc:Fallback>
+      </mc:AlternateContent>
+      <p:sp>
+        <p:nvSpPr>
+          <p:cNvPr id="11" name="Rectangle 10">
+            <a:extLst>
+              <a:ext uri="{FF2B5EF4-FFF2-40B4-BE49-F238E27FC236}">
+                <a16:creationId xmlns:a16="http://schemas.microsoft.com/office/drawing/2014/main" id="{0A026E50-202D-8ECD-4491-0319AFA3C416}"/>
+              </a:ext>
+            </a:extLst>
+          </p:cNvPr>
+          <p:cNvSpPr/>
+          <p:nvPr/>
+        </p:nvSpPr>
+        <p:spPr>
+          <a:xfrm>
+            <a:off x="3362616" y="3266529"/>
+            <a:ext cx="5466768" cy="383519"/>
+          </a:xfrm>
+          <a:prstGeom prst="rect">
+            <a:avLst/>
+          </a:prstGeom>
+          <a:solidFill>
+            <a:schemeClr val="accent6">
+              <a:lumMod val="75000"/>
+            </a:schemeClr>
+          </a:solidFill>
+          <a:ln>
+            <a:solidFill>
+              <a:schemeClr val="accent6">
+                <a:lumMod val="50000"/>
+              </a:schemeClr>
+            </a:solidFill>
+          </a:ln>
+        </p:spPr>
+        <p:style>
+          <a:lnRef idx="2">
+            <a:schemeClr val="accent1">
+              <a:shade val="50000"/>
+            </a:schemeClr>
+          </a:lnRef>
+          <a:fillRef idx="1">
+            <a:schemeClr val="accent1"/>
+          </a:fillRef>
+          <a:effectRef idx="0">
+            <a:schemeClr val="accent1"/>
+          </a:effectRef>
+          <a:fontRef idx="minor">
+            <a:schemeClr val="lt1"/>
+          </a:fontRef>
+        </p:style>
+        <p:txBody>
+          <a:bodyPr rtlCol="0" anchor="ctr"/>
+          <a:lstStyle/>
+          <a:p>
+            <a:pPr algn="ctr"/>
+            <a:r>
+              <a:rPr lang="en-US" sz="1100" dirty="0"/>
+              <a:t>trade resources (food, water, and energy) with market or other agents</a:t>
+            </a:r>
+          </a:p>
+        </p:txBody>
+      </p:sp>
+      <mc:AlternateContent xmlns:mc="http://schemas.openxmlformats.org/markup-compatibility/2006" xmlns:a14="http://schemas.microsoft.com/office/drawing/2010/main">
+        <mc:Choice Requires="a14">
+          <p:sp>
+            <p:nvSpPr>
+              <p:cNvPr id="12" name="Rectangle 11">
+                <a:extLst>
+                  <a:ext uri="{FF2B5EF4-FFF2-40B4-BE49-F238E27FC236}">
+                    <a16:creationId xmlns:a16="http://schemas.microsoft.com/office/drawing/2014/main" id="{FCB89C08-F9DF-FDBE-DA76-C5F083CF1535}"/>
+                  </a:ext>
+                </a:extLst>
+              </p:cNvPr>
+              <p:cNvSpPr/>
+              <p:nvPr/>
+            </p:nvSpPr>
+            <p:spPr>
+              <a:xfrm>
+                <a:off x="3362615" y="3729720"/>
+                <a:ext cx="1337229" cy="383519"/>
+              </a:xfrm>
+              <a:prstGeom prst="rect">
+                <a:avLst/>
+              </a:prstGeom>
+            </p:spPr>
+            <p:style>
+              <a:lnRef idx="2">
+                <a:schemeClr val="accent1">
+                  <a:shade val="50000"/>
+                </a:schemeClr>
+              </a:lnRef>
+              <a:fillRef idx="1">
+                <a:schemeClr val="accent1"/>
+              </a:fillRef>
+              <a:effectRef idx="0">
+                <a:schemeClr val="accent1"/>
+              </a:effectRef>
+              <a:fontRef idx="minor">
+                <a:schemeClr val="lt1"/>
+              </a:fontRef>
+            </p:style>
+            <p:txBody>
+              <a:bodyPr rtlCol="0" anchor="ctr"/>
+              <a:lstStyle/>
+              <a:p>
+                <a:pPr algn="ctr"/>
+                <a:r>
+                  <a:rPr lang="en-US" sz="1100" dirty="0"/>
+                  <a:t>go back home</a:t>
+                </a:r>
+              </a:p>
+              <a:p>
+                <a:pPr algn="ctr"/>
+                <a:r>
+                  <a:rPr lang="en-US" sz="1100" dirty="0"/>
+                  <a:t>using </a:t>
+                </a:r>
+                <a14:m>
+                  <m:oMath xmlns:m="http://schemas.openxmlformats.org/officeDocument/2006/math">
+                    <m:sSup>
+                      <m:sSupPr>
+                        <m:ctrlPr>
+                          <a:rPr lang="en-US" sz="1100" b="0" i="1" dirty="0" smtClean="0">
+                            <a:latin typeface="Cambria Math" panose="02040503050406030204" pitchFamily="18" charset="0"/>
+                          </a:rPr>
+                        </m:ctrlPr>
+                      </m:sSupPr>
+                      <m:e>
+                        <m:r>
+                          <a:rPr lang="en-US" sz="1100" i="1" dirty="0" smtClean="0">
+                            <a:latin typeface="Cambria Math" panose="02040503050406030204" pitchFamily="18" charset="0"/>
+                          </a:rPr>
+                          <m:t>𝐴</m:t>
+                        </m:r>
+                      </m:e>
+                      <m:sup>
+                        <m:r>
+                          <a:rPr lang="en-US" sz="1100" b="0" i="1" dirty="0" smtClean="0">
+                            <a:latin typeface="Cambria Math" panose="02040503050406030204" pitchFamily="18" charset="0"/>
+                          </a:rPr>
+                          <m:t>∗</m:t>
+                        </m:r>
+                      </m:sup>
+                    </m:sSup>
+                  </m:oMath>
+                </a14:m>
+                <a:r>
+                  <a:rPr lang="en-US" sz="1100" dirty="0"/>
+                  <a:t> algorithm</a:t>
+                </a:r>
+              </a:p>
+            </p:txBody>
+          </p:sp>
+        </mc:Choice>
+        <mc:Fallback xmlns="">
+          <p:sp>
+            <p:nvSpPr>
+              <p:cNvPr id="12" name="Rectangle 11">
+                <a:extLst>
+                  <a:ext uri="{FF2B5EF4-FFF2-40B4-BE49-F238E27FC236}">
+                    <a16:creationId xmlns:a16="http://schemas.microsoft.com/office/drawing/2014/main" id="{FCB89C08-F9DF-FDBE-DA76-C5F083CF1535}"/>
+                  </a:ext>
+                </a:extLst>
+              </p:cNvPr>
+              <p:cNvSpPr>
+                <a:spLocks noRot="1" noChangeAspect="1" noMove="1" noResize="1" noEditPoints="1" noAdjustHandles="1" noChangeArrowheads="1" noChangeShapeType="1" noTextEdit="1"/>
+              </p:cNvSpPr>
+              <p:nvPr/>
+            </p:nvSpPr>
+            <p:spPr>
+              <a:xfrm>
+                <a:off x="3362615" y="3729720"/>
+                <a:ext cx="1337229" cy="383519"/>
+              </a:xfrm>
+              <a:prstGeom prst="rect">
+                <a:avLst/>
+              </a:prstGeom>
+              <a:blipFill>
+                <a:blip r:embed="rId6"/>
+                <a:stretch>
+                  <a:fillRect t="-3125" b="-15625"/>
+                </a:stretch>
+              </a:blipFill>
+            </p:spPr>
+            <p:txBody>
+              <a:bodyPr/>
+              <a:lstStyle/>
+              <a:p>
+                <a:r>
+                  <a:rPr lang="en-US">
+                    <a:noFill/>
+                  </a:rPr>
+                  <a:t> </a:t>
+                </a:r>
+              </a:p>
+            </p:txBody>
+          </p:sp>
+        </mc:Fallback>
+      </mc:AlternateContent>
+      <mc:AlternateContent xmlns:mc="http://schemas.openxmlformats.org/markup-compatibility/2006" xmlns:a14="http://schemas.microsoft.com/office/drawing/2010/main">
+        <mc:Choice Requires="a14">
+          <p:sp>
+            <p:nvSpPr>
+              <p:cNvPr id="13" name="Rectangle 12">
+                <a:extLst>
+                  <a:ext uri="{FF2B5EF4-FFF2-40B4-BE49-F238E27FC236}">
+                    <a16:creationId xmlns:a16="http://schemas.microsoft.com/office/drawing/2014/main" id="{1A9A0444-B52C-8B8F-C7B4-0F94F149755C}"/>
+                  </a:ext>
+                </a:extLst>
+              </p:cNvPr>
+              <p:cNvSpPr/>
+              <p:nvPr/>
+            </p:nvSpPr>
+            <p:spPr>
+              <a:xfrm>
+                <a:off x="4817826" y="3729720"/>
+                <a:ext cx="1337229" cy="383519"/>
+              </a:xfrm>
+              <a:prstGeom prst="rect">
+                <a:avLst/>
+              </a:prstGeom>
+            </p:spPr>
+            <p:style>
+              <a:lnRef idx="2">
+                <a:schemeClr val="accent1">
+                  <a:shade val="50000"/>
+                </a:schemeClr>
+              </a:lnRef>
+              <a:fillRef idx="1">
+                <a:schemeClr val="accent1"/>
+              </a:fillRef>
+              <a:effectRef idx="0">
+                <a:schemeClr val="accent1"/>
+              </a:effectRef>
+              <a:fontRef idx="minor">
+                <a:schemeClr val="lt1"/>
+              </a:fontRef>
+            </p:style>
+            <p:txBody>
+              <a:bodyPr rtlCol="0" anchor="ctr"/>
+              <a:lstStyle/>
+              <a:p>
+                <a:pPr algn="ctr"/>
+                <a:r>
+                  <a:rPr lang="en-US" sz="1100" dirty="0"/>
+                  <a:t>go back home</a:t>
+                </a:r>
+              </a:p>
+              <a:p>
+                <a:pPr algn="ctr"/>
+                <a:r>
+                  <a:rPr lang="en-US" sz="1100" dirty="0"/>
+                  <a:t>using </a:t>
+                </a:r>
+                <a14:m>
+                  <m:oMath xmlns:m="http://schemas.openxmlformats.org/officeDocument/2006/math">
+                    <m:sSup>
+                      <m:sSupPr>
+                        <m:ctrlPr>
+                          <a:rPr lang="en-US" sz="1100" i="1" dirty="0">
+                            <a:latin typeface="Cambria Math" panose="02040503050406030204" pitchFamily="18" charset="0"/>
+                          </a:rPr>
+                        </m:ctrlPr>
+                      </m:sSupPr>
+                      <m:e>
+                        <m:r>
+                          <a:rPr lang="en-US" sz="1100" i="1" dirty="0">
+                            <a:latin typeface="Cambria Math" panose="02040503050406030204" pitchFamily="18" charset="0"/>
+                          </a:rPr>
+                          <m:t>𝐴</m:t>
+                        </m:r>
+                      </m:e>
+                      <m:sup>
+                        <m:r>
+                          <a:rPr lang="en-US" sz="1100" i="1" dirty="0">
+                            <a:latin typeface="Cambria Math" panose="02040503050406030204" pitchFamily="18" charset="0"/>
+                          </a:rPr>
+                          <m:t>∗</m:t>
+                        </m:r>
+                      </m:sup>
+                    </m:sSup>
+                  </m:oMath>
+                </a14:m>
+                <a:r>
+                  <a:rPr lang="en-US" sz="1100" dirty="0"/>
+                  <a:t> algorithm</a:t>
+                </a:r>
+              </a:p>
+            </p:txBody>
+          </p:sp>
+        </mc:Choice>
+        <mc:Fallback xmlns="">
+          <p:sp>
+            <p:nvSpPr>
+              <p:cNvPr id="13" name="Rectangle 12">
+                <a:extLst>
+                  <a:ext uri="{FF2B5EF4-FFF2-40B4-BE49-F238E27FC236}">
+                    <a16:creationId xmlns:a16="http://schemas.microsoft.com/office/drawing/2014/main" id="{1A9A0444-B52C-8B8F-C7B4-0F94F149755C}"/>
+                  </a:ext>
+                </a:extLst>
+              </p:cNvPr>
+              <p:cNvSpPr>
+                <a:spLocks noRot="1" noChangeAspect="1" noMove="1" noResize="1" noEditPoints="1" noAdjustHandles="1" noChangeArrowheads="1" noChangeShapeType="1" noTextEdit="1"/>
+              </p:cNvSpPr>
+              <p:nvPr/>
+            </p:nvSpPr>
+            <p:spPr>
+              <a:xfrm>
+                <a:off x="4817826" y="3729720"/>
+                <a:ext cx="1337229" cy="383519"/>
+              </a:xfrm>
+              <a:prstGeom prst="rect">
+                <a:avLst/>
+              </a:prstGeom>
+              <a:blipFill>
+                <a:blip r:embed="rId7"/>
+                <a:stretch>
+                  <a:fillRect t="-3125" b="-15625"/>
+                </a:stretch>
+              </a:blipFill>
+            </p:spPr>
+            <p:txBody>
+              <a:bodyPr/>
+              <a:lstStyle/>
+              <a:p>
+                <a:r>
+                  <a:rPr lang="en-US">
+                    <a:noFill/>
+                  </a:rPr>
+                  <a:t> </a:t>
+                </a:r>
+              </a:p>
+            </p:txBody>
+          </p:sp>
+        </mc:Fallback>
+      </mc:AlternateContent>
+      <mc:AlternateContent xmlns:mc="http://schemas.openxmlformats.org/markup-compatibility/2006" xmlns:a14="http://schemas.microsoft.com/office/drawing/2010/main">
+        <mc:Choice Requires="a14">
+          <p:sp>
+            <p:nvSpPr>
+              <p:cNvPr id="15" name="Rectangle 14">
+                <a:extLst>
+                  <a:ext uri="{FF2B5EF4-FFF2-40B4-BE49-F238E27FC236}">
+                    <a16:creationId xmlns:a16="http://schemas.microsoft.com/office/drawing/2014/main" id="{56E3E723-5D1B-A0F2-53EB-329238AC79A1}"/>
+                  </a:ext>
+                </a:extLst>
+              </p:cNvPr>
+              <p:cNvSpPr/>
+              <p:nvPr/>
+            </p:nvSpPr>
+            <p:spPr>
+              <a:xfrm>
+                <a:off x="7492154" y="3729720"/>
+                <a:ext cx="1337229" cy="383519"/>
+              </a:xfrm>
+              <a:prstGeom prst="rect">
+                <a:avLst/>
+              </a:prstGeom>
+            </p:spPr>
+            <p:style>
+              <a:lnRef idx="2">
+                <a:schemeClr val="accent1">
+                  <a:shade val="50000"/>
+                </a:schemeClr>
+              </a:lnRef>
+              <a:fillRef idx="1">
+                <a:schemeClr val="accent1"/>
+              </a:fillRef>
+              <a:effectRef idx="0">
+                <a:schemeClr val="accent1"/>
+              </a:effectRef>
+              <a:fontRef idx="minor">
+                <a:schemeClr val="lt1"/>
+              </a:fontRef>
+            </p:style>
+            <p:txBody>
+              <a:bodyPr rtlCol="0" anchor="ctr"/>
+              <a:lstStyle/>
+              <a:p>
+                <a:pPr algn="ctr"/>
+                <a:r>
+                  <a:rPr lang="en-US" sz="1100" dirty="0"/>
+                  <a:t>go back home</a:t>
+                </a:r>
+              </a:p>
+              <a:p>
+                <a:pPr algn="ctr"/>
+                <a:r>
+                  <a:rPr lang="en-US" sz="1100" dirty="0"/>
+                  <a:t>using </a:t>
+                </a:r>
+                <a14:m>
+                  <m:oMath xmlns:m="http://schemas.openxmlformats.org/officeDocument/2006/math">
+                    <m:sSup>
+                      <m:sSupPr>
+                        <m:ctrlPr>
+                          <a:rPr lang="en-US" sz="1100" i="1" dirty="0">
+                            <a:latin typeface="Cambria Math" panose="02040503050406030204" pitchFamily="18" charset="0"/>
+                          </a:rPr>
+                        </m:ctrlPr>
+                      </m:sSupPr>
+                      <m:e>
+                        <m:r>
+                          <a:rPr lang="en-US" sz="1100" i="1" dirty="0">
+                            <a:latin typeface="Cambria Math" panose="02040503050406030204" pitchFamily="18" charset="0"/>
+                          </a:rPr>
+                          <m:t>𝐴</m:t>
+                        </m:r>
+                      </m:e>
+                      <m:sup>
+                        <m:r>
+                          <a:rPr lang="en-US" sz="1100" i="1" dirty="0">
+                            <a:latin typeface="Cambria Math" panose="02040503050406030204" pitchFamily="18" charset="0"/>
+                          </a:rPr>
+                          <m:t>∗</m:t>
+                        </m:r>
+                      </m:sup>
+                    </m:sSup>
+                  </m:oMath>
+                </a14:m>
+                <a:r>
+                  <a:rPr lang="en-US" sz="1100" dirty="0"/>
+                  <a:t> algorithm</a:t>
+                </a:r>
+              </a:p>
+            </p:txBody>
+          </p:sp>
+        </mc:Choice>
+        <mc:Fallback xmlns="">
+          <p:sp>
+            <p:nvSpPr>
+              <p:cNvPr id="15" name="Rectangle 14">
+                <a:extLst>
+                  <a:ext uri="{FF2B5EF4-FFF2-40B4-BE49-F238E27FC236}">
+                    <a16:creationId xmlns:a16="http://schemas.microsoft.com/office/drawing/2014/main" id="{56E3E723-5D1B-A0F2-53EB-329238AC79A1}"/>
+                  </a:ext>
+                </a:extLst>
+              </p:cNvPr>
+              <p:cNvSpPr>
+                <a:spLocks noRot="1" noChangeAspect="1" noMove="1" noResize="1" noEditPoints="1" noAdjustHandles="1" noChangeArrowheads="1" noChangeShapeType="1" noTextEdit="1"/>
+              </p:cNvSpPr>
+              <p:nvPr/>
+            </p:nvSpPr>
+            <p:spPr>
+              <a:xfrm>
+                <a:off x="7492154" y="3729720"/>
+                <a:ext cx="1337229" cy="383519"/>
+              </a:xfrm>
+              <a:prstGeom prst="rect">
+                <a:avLst/>
+              </a:prstGeom>
+              <a:blipFill>
+                <a:blip r:embed="rId8"/>
+                <a:stretch>
+                  <a:fillRect t="-3125" b="-15625"/>
+                </a:stretch>
+              </a:blipFill>
+            </p:spPr>
+            <p:txBody>
+              <a:bodyPr/>
+              <a:lstStyle/>
+              <a:p>
+                <a:r>
+                  <a:rPr lang="en-US">
+                    <a:noFill/>
+                  </a:rPr>
+                  <a:t> </a:t>
+                </a:r>
+              </a:p>
+            </p:txBody>
+          </p:sp>
+        </mc:Fallback>
+      </mc:AlternateContent>
+      <p:sp>
+        <p:nvSpPr>
+          <p:cNvPr id="31" name="Rectangle 30">
+            <a:extLst>
+              <a:ext uri="{FF2B5EF4-FFF2-40B4-BE49-F238E27FC236}">
+                <a16:creationId xmlns:a16="http://schemas.microsoft.com/office/drawing/2014/main" id="{4871E5B3-2E10-3E1E-D51F-0F13942715CB}"/>
+              </a:ext>
+            </a:extLst>
+          </p:cNvPr>
+          <p:cNvSpPr/>
+          <p:nvPr/>
+        </p:nvSpPr>
+        <p:spPr>
+          <a:xfrm>
+            <a:off x="3362616" y="4189414"/>
+            <a:ext cx="5466768" cy="383519"/>
+          </a:xfrm>
+          <a:prstGeom prst="rect">
+            <a:avLst/>
+          </a:prstGeom>
+          <a:solidFill>
+            <a:schemeClr val="accent6">
+              <a:lumMod val="75000"/>
+            </a:schemeClr>
+          </a:solidFill>
+          <a:ln>
+            <a:solidFill>
+              <a:schemeClr val="accent6">
+                <a:lumMod val="50000"/>
+              </a:schemeClr>
+            </a:solidFill>
+          </a:ln>
+        </p:spPr>
+        <p:style>
+          <a:lnRef idx="2">
+            <a:schemeClr val="accent1">
+              <a:shade val="50000"/>
+            </a:schemeClr>
+          </a:lnRef>
+          <a:fillRef idx="1">
+            <a:schemeClr val="accent1"/>
+          </a:fillRef>
+          <a:effectRef idx="0">
+            <a:schemeClr val="accent1"/>
+          </a:effectRef>
+          <a:fontRef idx="minor">
+            <a:schemeClr val="lt1"/>
+          </a:fontRef>
+        </p:style>
+        <p:txBody>
+          <a:bodyPr rtlCol="0" anchor="ctr"/>
+          <a:lstStyle/>
+          <a:p>
+            <a:pPr algn="ctr"/>
+            <a:r>
+              <a:rPr lang="en-US" sz="1100" dirty="0"/>
+              <a:t>exchange resources (food, water, and energy) with family</a:t>
+            </a:r>
+          </a:p>
+        </p:txBody>
+      </p:sp>
+      <p:sp>
+        <p:nvSpPr>
+          <p:cNvPr id="10" name="TextBox 9">
+            <a:extLst>
+              <a:ext uri="{FF2B5EF4-FFF2-40B4-BE49-F238E27FC236}">
+                <a16:creationId xmlns:a16="http://schemas.microsoft.com/office/drawing/2014/main" id="{7A17EBAA-2B70-EEC2-73E3-9102453E69A9}"/>
+              </a:ext>
+            </a:extLst>
+          </p:cNvPr>
+          <p:cNvSpPr txBox="1"/>
+          <p:nvPr/>
+        </p:nvSpPr>
+        <p:spPr>
+          <a:xfrm>
+            <a:off x="10354232" y="4164908"/>
+            <a:ext cx="1557337" cy="369332"/>
+          </a:xfrm>
+          <a:prstGeom prst="rect">
+            <a:avLst/>
+          </a:prstGeom>
+          <a:noFill/>
+        </p:spPr>
+        <p:txBody>
+          <a:bodyPr wrap="square" rtlCol="0">
+            <a:spAutoFit/>
+          </a:bodyPr>
+          <a:lstStyle/>
+          <a:p>
+            <a:pPr algn="ctr"/>
+            <a:r>
+              <a:rPr lang="en-US" sz="1800" b="1" dirty="0">
+                <a:latin typeface="Calibri" panose="020F0502020204030204" pitchFamily="34" charset="0"/>
+                <a:cs typeface="Calibri" panose="020F0502020204030204" pitchFamily="34" charset="0"/>
+              </a:rPr>
+              <a:t>Society</a:t>
+            </a:r>
+          </a:p>
+        </p:txBody>
+      </p:sp>
+      <p:sp>
+        <p:nvSpPr>
+          <p:cNvPr id="16" name="TextBox 15">
+            <a:extLst>
+              <a:ext uri="{FF2B5EF4-FFF2-40B4-BE49-F238E27FC236}">
+                <a16:creationId xmlns:a16="http://schemas.microsoft.com/office/drawing/2014/main" id="{53E263E0-2F71-66B3-14C6-EFECFA8D0836}"/>
+              </a:ext>
+            </a:extLst>
+          </p:cNvPr>
+          <p:cNvSpPr txBox="1"/>
+          <p:nvPr/>
+        </p:nvSpPr>
+        <p:spPr>
+          <a:xfrm>
+            <a:off x="199405" y="4160851"/>
+            <a:ext cx="1557337" cy="369332"/>
+          </a:xfrm>
+          <a:prstGeom prst="rect">
+            <a:avLst/>
+          </a:prstGeom>
+          <a:noFill/>
+        </p:spPr>
+        <p:txBody>
+          <a:bodyPr wrap="square" rtlCol="0">
+            <a:spAutoFit/>
+          </a:bodyPr>
+          <a:lstStyle/>
+          <a:p>
+            <a:pPr algn="ctr"/>
+            <a:r>
+              <a:rPr lang="en-US" sz="1800" b="1" dirty="0">
+                <a:latin typeface="Calibri" panose="020F0502020204030204" pitchFamily="34" charset="0"/>
+                <a:cs typeface="Calibri" panose="020F0502020204030204" pitchFamily="34" charset="0"/>
+              </a:rPr>
+              <a:t>Infrastructure</a:t>
+            </a:r>
+          </a:p>
+        </p:txBody>
+      </p:sp>
+      <p:cxnSp>
+        <p:nvCxnSpPr>
+          <p:cNvPr id="61" name="Straight Arrow Connector 60">
+            <a:extLst>
+              <a:ext uri="{FF2B5EF4-FFF2-40B4-BE49-F238E27FC236}">
+                <a16:creationId xmlns:a16="http://schemas.microsoft.com/office/drawing/2014/main" id="{9576B998-398B-023E-631B-4B374ABD2EC7}"/>
+              </a:ext>
+            </a:extLst>
+          </p:cNvPr>
+          <p:cNvCxnSpPr>
+            <a:cxnSpLocks/>
+          </p:cNvCxnSpPr>
+          <p:nvPr/>
+        </p:nvCxnSpPr>
+        <p:spPr>
+          <a:xfrm>
+            <a:off x="1835004" y="4003778"/>
+            <a:ext cx="1397439" cy="0"/>
+          </a:xfrm>
+          <a:prstGeom prst="straightConnector1">
+            <a:avLst/>
+          </a:prstGeom>
+          <a:ln w="19050">
+            <a:tailEnd type="triangle"/>
+          </a:ln>
+        </p:spPr>
+        <p:style>
+          <a:lnRef idx="1">
+            <a:schemeClr val="accent1"/>
+          </a:lnRef>
+          <a:fillRef idx="0">
+            <a:schemeClr val="accent1"/>
+          </a:fillRef>
+          <a:effectRef idx="0">
+            <a:schemeClr val="accent1"/>
+          </a:effectRef>
+          <a:fontRef idx="minor">
+            <a:schemeClr val="tx1"/>
+          </a:fontRef>
+        </p:style>
+      </p:cxnSp>
+      <p:cxnSp>
+        <p:nvCxnSpPr>
+          <p:cNvPr id="65" name="Straight Arrow Connector 64">
+            <a:extLst>
+              <a:ext uri="{FF2B5EF4-FFF2-40B4-BE49-F238E27FC236}">
+                <a16:creationId xmlns:a16="http://schemas.microsoft.com/office/drawing/2014/main" id="{D6ACC988-5A35-30EE-F927-0364523D0FD0}"/>
+              </a:ext>
+            </a:extLst>
+          </p:cNvPr>
+          <p:cNvCxnSpPr>
+            <a:cxnSpLocks/>
+          </p:cNvCxnSpPr>
+          <p:nvPr/>
+        </p:nvCxnSpPr>
+        <p:spPr>
+          <a:xfrm>
+            <a:off x="1835004" y="3529015"/>
+            <a:ext cx="1397439" cy="0"/>
+          </a:xfrm>
+          <a:prstGeom prst="straightConnector1">
+            <a:avLst/>
+          </a:prstGeom>
+          <a:ln w="19050">
+            <a:tailEnd type="triangle"/>
+          </a:ln>
+        </p:spPr>
+        <p:style>
+          <a:lnRef idx="1">
+            <a:schemeClr val="accent1"/>
+          </a:lnRef>
+          <a:fillRef idx="0">
+            <a:schemeClr val="accent1"/>
+          </a:fillRef>
+          <a:effectRef idx="0">
+            <a:schemeClr val="accent1"/>
+          </a:effectRef>
+          <a:fontRef idx="minor">
+            <a:schemeClr val="tx1"/>
+          </a:fontRef>
+        </p:style>
+      </p:cxnSp>
+      <p:cxnSp>
+        <p:nvCxnSpPr>
+          <p:cNvPr id="66" name="Straight Arrow Connector 65">
+            <a:extLst>
+              <a:ext uri="{FF2B5EF4-FFF2-40B4-BE49-F238E27FC236}">
+                <a16:creationId xmlns:a16="http://schemas.microsoft.com/office/drawing/2014/main" id="{74BFB981-DC91-78FA-F8FA-792FDFF8622B}"/>
+              </a:ext>
+            </a:extLst>
+          </p:cNvPr>
+          <p:cNvCxnSpPr>
+            <a:cxnSpLocks/>
+          </p:cNvCxnSpPr>
+          <p:nvPr/>
+        </p:nvCxnSpPr>
+        <p:spPr>
+          <a:xfrm>
+            <a:off x="1835004" y="3081339"/>
+            <a:ext cx="1397439" cy="0"/>
+          </a:xfrm>
+          <a:prstGeom prst="straightConnector1">
+            <a:avLst/>
+          </a:prstGeom>
+          <a:ln w="19050">
+            <a:tailEnd type="triangle"/>
+          </a:ln>
+        </p:spPr>
+        <p:style>
+          <a:lnRef idx="1">
+            <a:schemeClr val="accent1"/>
+          </a:lnRef>
+          <a:fillRef idx="0">
+            <a:schemeClr val="accent1"/>
+          </a:fillRef>
+          <a:effectRef idx="0">
+            <a:schemeClr val="accent1"/>
+          </a:effectRef>
+          <a:fontRef idx="minor">
+            <a:schemeClr val="tx1"/>
+          </a:fontRef>
+        </p:style>
+      </p:cxnSp>
+      <p:cxnSp>
+        <p:nvCxnSpPr>
+          <p:cNvPr id="67" name="Straight Arrow Connector 66">
+            <a:extLst>
+              <a:ext uri="{FF2B5EF4-FFF2-40B4-BE49-F238E27FC236}">
+                <a16:creationId xmlns:a16="http://schemas.microsoft.com/office/drawing/2014/main" id="{244E157C-573D-735C-4A73-88EF446B711E}"/>
+              </a:ext>
+            </a:extLst>
+          </p:cNvPr>
+          <p:cNvCxnSpPr>
+            <a:cxnSpLocks/>
+          </p:cNvCxnSpPr>
+          <p:nvPr/>
+        </p:nvCxnSpPr>
+        <p:spPr>
+          <a:xfrm>
+            <a:off x="1835004" y="2625987"/>
+            <a:ext cx="1397439" cy="0"/>
+          </a:xfrm>
+          <a:prstGeom prst="straightConnector1">
+            <a:avLst/>
+          </a:prstGeom>
+          <a:ln w="19050">
+            <a:tailEnd type="triangle"/>
+          </a:ln>
+        </p:spPr>
+        <p:style>
+          <a:lnRef idx="1">
+            <a:schemeClr val="accent1"/>
+          </a:lnRef>
+          <a:fillRef idx="0">
+            <a:schemeClr val="accent1"/>
+          </a:fillRef>
+          <a:effectRef idx="0">
+            <a:schemeClr val="accent1"/>
+          </a:effectRef>
+          <a:fontRef idx="minor">
+            <a:schemeClr val="tx1"/>
+          </a:fontRef>
+        </p:style>
+      </p:cxnSp>
+      <p:cxnSp>
+        <p:nvCxnSpPr>
+          <p:cNvPr id="84" name="Straight Arrow Connector 83">
+            <a:extLst>
+              <a:ext uri="{FF2B5EF4-FFF2-40B4-BE49-F238E27FC236}">
+                <a16:creationId xmlns:a16="http://schemas.microsoft.com/office/drawing/2014/main" id="{8B2F1C26-B43D-1E3F-C155-6E8F8701224F}"/>
+              </a:ext>
+            </a:extLst>
+          </p:cNvPr>
+          <p:cNvCxnSpPr>
+            <a:cxnSpLocks/>
+          </p:cNvCxnSpPr>
+          <p:nvPr/>
+        </p:nvCxnSpPr>
+        <p:spPr>
+          <a:xfrm flipH="1">
+            <a:off x="8957823" y="4481189"/>
+            <a:ext cx="1338935" cy="0"/>
+          </a:xfrm>
+          <a:prstGeom prst="straightConnector1">
+            <a:avLst/>
+          </a:prstGeom>
+          <a:ln w="19050">
+            <a:tailEnd type="triangle"/>
+          </a:ln>
+        </p:spPr>
+        <p:style>
+          <a:lnRef idx="1">
+            <a:schemeClr val="accent1"/>
+          </a:lnRef>
+          <a:fillRef idx="0">
+            <a:schemeClr val="accent1"/>
+          </a:fillRef>
+          <a:effectRef idx="0">
+            <a:schemeClr val="accent1"/>
+          </a:effectRef>
+          <a:fontRef idx="minor">
+            <a:schemeClr val="tx1"/>
+          </a:fontRef>
+        </p:style>
+      </p:cxnSp>
+      <p:cxnSp>
+        <p:nvCxnSpPr>
+          <p:cNvPr id="89" name="Straight Arrow Connector 88">
+            <a:extLst>
+              <a:ext uri="{FF2B5EF4-FFF2-40B4-BE49-F238E27FC236}">
+                <a16:creationId xmlns:a16="http://schemas.microsoft.com/office/drawing/2014/main" id="{B0F187CE-DE56-1CCF-01C9-7D30C41C4AEE}"/>
+              </a:ext>
+            </a:extLst>
+          </p:cNvPr>
+          <p:cNvCxnSpPr>
+            <a:cxnSpLocks/>
+          </p:cNvCxnSpPr>
+          <p:nvPr/>
+        </p:nvCxnSpPr>
+        <p:spPr>
+          <a:xfrm flipH="1">
+            <a:off x="8957823" y="3997419"/>
+            <a:ext cx="1338935" cy="0"/>
+          </a:xfrm>
+          <a:prstGeom prst="straightConnector1">
+            <a:avLst/>
+          </a:prstGeom>
+          <a:ln w="19050">
+            <a:tailEnd type="triangle"/>
+          </a:ln>
+        </p:spPr>
+        <p:style>
+          <a:lnRef idx="1">
+            <a:schemeClr val="accent1"/>
+          </a:lnRef>
+          <a:fillRef idx="0">
+            <a:schemeClr val="accent1"/>
+          </a:fillRef>
+          <a:effectRef idx="0">
+            <a:schemeClr val="accent1"/>
+          </a:effectRef>
+          <a:fontRef idx="minor">
+            <a:schemeClr val="tx1"/>
+          </a:fontRef>
+        </p:style>
+      </p:cxnSp>
+      <p:cxnSp>
+        <p:nvCxnSpPr>
+          <p:cNvPr id="91" name="Straight Arrow Connector 90">
+            <a:extLst>
+              <a:ext uri="{FF2B5EF4-FFF2-40B4-BE49-F238E27FC236}">
+                <a16:creationId xmlns:a16="http://schemas.microsoft.com/office/drawing/2014/main" id="{6C7FAEED-74B9-FCCD-32FE-59F166A65603}"/>
+              </a:ext>
+            </a:extLst>
+          </p:cNvPr>
+          <p:cNvCxnSpPr>
+            <a:cxnSpLocks/>
+          </p:cNvCxnSpPr>
+          <p:nvPr/>
+        </p:nvCxnSpPr>
+        <p:spPr>
+          <a:xfrm flipH="1">
+            <a:off x="8964464" y="3565033"/>
+            <a:ext cx="1338935" cy="0"/>
+          </a:xfrm>
+          <a:prstGeom prst="straightConnector1">
+            <a:avLst/>
+          </a:prstGeom>
+          <a:ln w="19050">
+            <a:tailEnd type="triangle"/>
+          </a:ln>
+        </p:spPr>
+        <p:style>
+          <a:lnRef idx="1">
+            <a:schemeClr val="accent1"/>
+          </a:lnRef>
+          <a:fillRef idx="0">
+            <a:schemeClr val="accent1"/>
+          </a:fillRef>
+          <a:effectRef idx="0">
+            <a:schemeClr val="accent1"/>
+          </a:effectRef>
+          <a:fontRef idx="minor">
+            <a:schemeClr val="tx1"/>
+          </a:fontRef>
+        </p:style>
+      </p:cxnSp>
+      <p:cxnSp>
+        <p:nvCxnSpPr>
+          <p:cNvPr id="93" name="Straight Arrow Connector 92">
+            <a:extLst>
+              <a:ext uri="{FF2B5EF4-FFF2-40B4-BE49-F238E27FC236}">
+                <a16:creationId xmlns:a16="http://schemas.microsoft.com/office/drawing/2014/main" id="{E82029BC-FDAC-C605-5734-206C68A38804}"/>
+              </a:ext>
+            </a:extLst>
+          </p:cNvPr>
+          <p:cNvCxnSpPr>
+            <a:cxnSpLocks/>
+          </p:cNvCxnSpPr>
+          <p:nvPr/>
+        </p:nvCxnSpPr>
+        <p:spPr>
+          <a:xfrm flipH="1">
+            <a:off x="8957823" y="2624218"/>
+            <a:ext cx="1338935" cy="0"/>
+          </a:xfrm>
+          <a:prstGeom prst="straightConnector1">
+            <a:avLst/>
+          </a:prstGeom>
+          <a:ln w="19050">
+            <a:tailEnd type="triangle"/>
+          </a:ln>
+        </p:spPr>
+        <p:style>
+          <a:lnRef idx="1">
+            <a:schemeClr val="accent1"/>
+          </a:lnRef>
+          <a:fillRef idx="0">
+            <a:schemeClr val="accent1"/>
+          </a:fillRef>
+          <a:effectRef idx="0">
+            <a:schemeClr val="accent1"/>
+          </a:effectRef>
+          <a:fontRef idx="minor">
+            <a:schemeClr val="tx1"/>
+          </a:fontRef>
+        </p:style>
+      </p:cxnSp>
+      <p:pic>
+        <p:nvPicPr>
+          <p:cNvPr id="8" name="Graphic 7">
+            <a:extLst>
+              <a:ext uri="{FF2B5EF4-FFF2-40B4-BE49-F238E27FC236}">
+                <a16:creationId xmlns:a16="http://schemas.microsoft.com/office/drawing/2014/main" id="{1A17D208-E8FC-75CA-4739-9C1AFA3736A9}"/>
+              </a:ext>
+            </a:extLst>
+          </p:cNvPr>
+          <p:cNvPicPr>
+            <a:picLocks noChangeAspect="1"/>
+          </p:cNvPicPr>
+          <p:nvPr/>
+        </p:nvPicPr>
+        <p:blipFill>
+          <a:blip r:embed="rId9">
+            <a:extLst>
+              <a:ext uri="{96DAC541-7B7A-43D3-8B79-37D633B846F1}">
+                <asvg:svgBlip xmlns:asvg="http://schemas.microsoft.com/office/drawing/2016/SVG/main" r:embed="rId10"/>
+              </a:ext>
+            </a:extLst>
+          </a:blip>
+          <a:stretch>
+            <a:fillRect/>
+          </a:stretch>
+        </p:blipFill>
+        <p:spPr>
+          <a:xfrm>
+            <a:off x="796834" y="2992953"/>
+            <a:ext cx="301625" cy="301625"/>
+          </a:xfrm>
+          <a:prstGeom prst="rect">
+            <a:avLst/>
+          </a:prstGeom>
+        </p:spPr>
+      </p:pic>
+      <p:pic>
+        <p:nvPicPr>
+          <p:cNvPr id="23" name="Graphic 22">
+            <a:extLst>
+              <a:ext uri="{FF2B5EF4-FFF2-40B4-BE49-F238E27FC236}">
+                <a16:creationId xmlns:a16="http://schemas.microsoft.com/office/drawing/2014/main" id="{ED0A7276-9316-6CC9-1153-6EFC7035656E}"/>
+              </a:ext>
+            </a:extLst>
+          </p:cNvPr>
+          <p:cNvPicPr>
+            <a:picLocks noChangeAspect="1"/>
+          </p:cNvPicPr>
+          <p:nvPr/>
+        </p:nvPicPr>
+        <p:blipFill>
+          <a:blip r:embed="rId11">
+            <a:extLst>
+              <a:ext uri="{96DAC541-7B7A-43D3-8B79-37D633B846F1}">
+                <asvg:svgBlip xmlns:asvg="http://schemas.microsoft.com/office/drawing/2016/SVG/main" r:embed="rId12"/>
+              </a:ext>
+            </a:extLst>
+          </a:blip>
+          <a:stretch>
+            <a:fillRect/>
+          </a:stretch>
+        </p:blipFill>
+        <p:spPr>
+          <a:xfrm>
+            <a:off x="1363262" y="3476518"/>
+            <a:ext cx="194793" cy="194793"/>
+          </a:xfrm>
+          <a:prstGeom prst="rect">
+            <a:avLst/>
+          </a:prstGeom>
+        </p:spPr>
+      </p:pic>
+      <p:pic>
+        <p:nvPicPr>
+          <p:cNvPr id="24" name="Graphic 23">
+            <a:extLst>
+              <a:ext uri="{FF2B5EF4-FFF2-40B4-BE49-F238E27FC236}">
+                <a16:creationId xmlns:a16="http://schemas.microsoft.com/office/drawing/2014/main" id="{A33E3314-A220-D3E1-3757-CE4F0CD816D4}"/>
+              </a:ext>
+            </a:extLst>
+          </p:cNvPr>
+          <p:cNvPicPr>
+            <a:picLocks noChangeAspect="1"/>
+          </p:cNvPicPr>
+          <p:nvPr/>
+        </p:nvPicPr>
+        <p:blipFill>
+          <a:blip r:embed="rId11">
+            <a:extLst>
+              <a:ext uri="{96DAC541-7B7A-43D3-8B79-37D633B846F1}">
+                <asvg:svgBlip xmlns:asvg="http://schemas.microsoft.com/office/drawing/2016/SVG/main" r:embed="rId12"/>
+              </a:ext>
+            </a:extLst>
+          </a:blip>
+          <a:stretch>
+            <a:fillRect/>
+          </a:stretch>
+        </p:blipFill>
+        <p:spPr>
+          <a:xfrm>
+            <a:off x="423538" y="3421261"/>
+            <a:ext cx="194793" cy="194793"/>
+          </a:xfrm>
+          <a:prstGeom prst="rect">
+            <a:avLst/>
+          </a:prstGeom>
+        </p:spPr>
+      </p:pic>
+      <p:cxnSp>
+        <p:nvCxnSpPr>
+          <p:cNvPr id="38" name="Straight Connector 37">
+            <a:extLst>
+              <a:ext uri="{FF2B5EF4-FFF2-40B4-BE49-F238E27FC236}">
+                <a16:creationId xmlns:a16="http://schemas.microsoft.com/office/drawing/2014/main" id="{FDEB739B-7731-E943-AA2B-ACDD8D48E553}"/>
+              </a:ext>
+            </a:extLst>
+          </p:cNvPr>
+          <p:cNvCxnSpPr>
+            <a:cxnSpLocks/>
+          </p:cNvCxnSpPr>
+          <p:nvPr/>
+        </p:nvCxnSpPr>
+        <p:spPr>
+          <a:xfrm>
+            <a:off x="262451" y="3689816"/>
+            <a:ext cx="1408855" cy="0"/>
+          </a:xfrm>
+          <a:prstGeom prst="line">
+            <a:avLst/>
+          </a:prstGeom>
+          <a:ln w="76200">
+            <a:solidFill>
+              <a:schemeClr val="accent3">
+                <a:lumMod val="50000"/>
+              </a:schemeClr>
+            </a:solidFill>
+          </a:ln>
+        </p:spPr>
+        <p:style>
+          <a:lnRef idx="1">
+            <a:schemeClr val="accent1"/>
+          </a:lnRef>
+          <a:fillRef idx="0">
+            <a:schemeClr val="accent1"/>
+          </a:fillRef>
+          <a:effectRef idx="0">
+            <a:schemeClr val="accent1"/>
+          </a:effectRef>
+          <a:fontRef idx="minor">
+            <a:schemeClr val="tx1"/>
+          </a:fontRef>
+        </p:style>
+      </p:cxnSp>
+      <p:cxnSp>
+        <p:nvCxnSpPr>
+          <p:cNvPr id="48" name="Straight Connector 47">
+            <a:extLst>
+              <a:ext uri="{FF2B5EF4-FFF2-40B4-BE49-F238E27FC236}">
+                <a16:creationId xmlns:a16="http://schemas.microsoft.com/office/drawing/2014/main" id="{D2C76EBE-BD75-F0A9-D91F-520188CEF5F5}"/>
+              </a:ext>
+            </a:extLst>
+          </p:cNvPr>
+          <p:cNvCxnSpPr>
+            <a:cxnSpLocks/>
+          </p:cNvCxnSpPr>
+          <p:nvPr/>
+        </p:nvCxnSpPr>
+        <p:spPr>
+          <a:xfrm flipV="1">
+            <a:off x="412754" y="2560819"/>
+            <a:ext cx="0" cy="1292569"/>
+          </a:xfrm>
+          <a:prstGeom prst="line">
+            <a:avLst/>
+          </a:prstGeom>
+          <a:ln w="76200">
+            <a:solidFill>
+              <a:schemeClr val="accent3">
+                <a:lumMod val="50000"/>
+              </a:schemeClr>
+            </a:solidFill>
+          </a:ln>
+        </p:spPr>
+        <p:style>
+          <a:lnRef idx="1">
+            <a:schemeClr val="accent1"/>
+          </a:lnRef>
+          <a:fillRef idx="0">
+            <a:schemeClr val="accent1"/>
+          </a:fillRef>
+          <a:effectRef idx="0">
+            <a:schemeClr val="accent1"/>
+          </a:effectRef>
+          <a:fontRef idx="minor">
+            <a:schemeClr val="tx1"/>
+          </a:fontRef>
+        </p:style>
+      </p:cxnSp>
+      <p:cxnSp>
+        <p:nvCxnSpPr>
+          <p:cNvPr id="53" name="Straight Connector 52">
+            <a:extLst>
+              <a:ext uri="{FF2B5EF4-FFF2-40B4-BE49-F238E27FC236}">
+                <a16:creationId xmlns:a16="http://schemas.microsoft.com/office/drawing/2014/main" id="{5C554C15-E115-433D-2D92-1AB02DC725E6}"/>
+              </a:ext>
+            </a:extLst>
+          </p:cNvPr>
+          <p:cNvCxnSpPr>
+            <a:cxnSpLocks/>
+          </p:cNvCxnSpPr>
+          <p:nvPr/>
+        </p:nvCxnSpPr>
+        <p:spPr>
+          <a:xfrm>
+            <a:off x="262451" y="3298417"/>
+            <a:ext cx="1408855" cy="0"/>
+          </a:xfrm>
+          <a:prstGeom prst="line">
+            <a:avLst/>
+          </a:prstGeom>
+          <a:ln w="76200">
+            <a:solidFill>
+              <a:schemeClr val="accent3">
+                <a:lumMod val="50000"/>
+              </a:schemeClr>
+            </a:solidFill>
+          </a:ln>
+        </p:spPr>
+        <p:style>
+          <a:lnRef idx="1">
+            <a:schemeClr val="accent1"/>
+          </a:lnRef>
+          <a:fillRef idx="0">
+            <a:schemeClr val="accent1"/>
+          </a:fillRef>
+          <a:effectRef idx="0">
+            <a:schemeClr val="accent1"/>
+          </a:effectRef>
+          <a:fontRef idx="minor">
+            <a:schemeClr val="tx1"/>
+          </a:fontRef>
+        </p:style>
+      </p:cxnSp>
+      <p:cxnSp>
+        <p:nvCxnSpPr>
+          <p:cNvPr id="62" name="Straight Connector 61">
+            <a:extLst>
+              <a:ext uri="{FF2B5EF4-FFF2-40B4-BE49-F238E27FC236}">
+                <a16:creationId xmlns:a16="http://schemas.microsoft.com/office/drawing/2014/main" id="{4D1EB962-32D9-51FF-3F4D-4122468C431D}"/>
+              </a:ext>
+            </a:extLst>
+          </p:cNvPr>
+          <p:cNvCxnSpPr>
+            <a:cxnSpLocks/>
+          </p:cNvCxnSpPr>
+          <p:nvPr/>
+        </p:nvCxnSpPr>
+        <p:spPr>
+          <a:xfrm>
+            <a:off x="262451" y="2919190"/>
+            <a:ext cx="1408855" cy="0"/>
+          </a:xfrm>
+          <a:prstGeom prst="line">
+            <a:avLst/>
+          </a:prstGeom>
+          <a:ln w="76200">
+            <a:solidFill>
+              <a:schemeClr val="accent3">
+                <a:lumMod val="50000"/>
+              </a:schemeClr>
+            </a:solidFill>
+          </a:ln>
+        </p:spPr>
+        <p:style>
+          <a:lnRef idx="1">
+            <a:schemeClr val="accent1"/>
+          </a:lnRef>
+          <a:fillRef idx="0">
+            <a:schemeClr val="accent1"/>
+          </a:fillRef>
+          <a:effectRef idx="0">
+            <a:schemeClr val="accent1"/>
+          </a:effectRef>
+          <a:fontRef idx="minor">
+            <a:schemeClr val="tx1"/>
+          </a:fontRef>
+        </p:style>
+      </p:cxnSp>
+      <p:cxnSp>
+        <p:nvCxnSpPr>
+          <p:cNvPr id="63" name="Straight Connector 62">
+            <a:extLst>
+              <a:ext uri="{FF2B5EF4-FFF2-40B4-BE49-F238E27FC236}">
+                <a16:creationId xmlns:a16="http://schemas.microsoft.com/office/drawing/2014/main" id="{937F6B8E-F0ED-A3A7-6FC0-0A784D2F5979}"/>
+              </a:ext>
+            </a:extLst>
+          </p:cNvPr>
+          <p:cNvCxnSpPr>
+            <a:cxnSpLocks/>
+          </p:cNvCxnSpPr>
+          <p:nvPr/>
+        </p:nvCxnSpPr>
+        <p:spPr>
+          <a:xfrm flipV="1">
+            <a:off x="1529173" y="2914840"/>
+            <a:ext cx="0" cy="383577"/>
+          </a:xfrm>
+          <a:prstGeom prst="line">
+            <a:avLst/>
+          </a:prstGeom>
+          <a:ln w="76200">
+            <a:solidFill>
+              <a:schemeClr val="accent3">
+                <a:lumMod val="50000"/>
+              </a:schemeClr>
+            </a:solidFill>
+          </a:ln>
+        </p:spPr>
+        <p:style>
+          <a:lnRef idx="1">
+            <a:schemeClr val="accent1"/>
+          </a:lnRef>
+          <a:fillRef idx="0">
+            <a:schemeClr val="accent1"/>
+          </a:fillRef>
+          <a:effectRef idx="0">
+            <a:schemeClr val="accent1"/>
+          </a:effectRef>
+          <a:fontRef idx="minor">
+            <a:schemeClr val="tx1"/>
+          </a:fontRef>
+        </p:style>
+      </p:cxnSp>
+      <p:cxnSp>
+        <p:nvCxnSpPr>
+          <p:cNvPr id="68" name="Straight Connector 67">
+            <a:extLst>
+              <a:ext uri="{FF2B5EF4-FFF2-40B4-BE49-F238E27FC236}">
+                <a16:creationId xmlns:a16="http://schemas.microsoft.com/office/drawing/2014/main" id="{3DE0DE82-D1FB-521A-CAB0-E652C4AE8643}"/>
+              </a:ext>
+            </a:extLst>
+          </p:cNvPr>
+          <p:cNvCxnSpPr>
+            <a:cxnSpLocks/>
+          </p:cNvCxnSpPr>
+          <p:nvPr/>
+        </p:nvCxnSpPr>
+        <p:spPr>
+          <a:xfrm flipV="1">
+            <a:off x="972736" y="3294578"/>
+            <a:ext cx="276446" cy="558810"/>
+          </a:xfrm>
+          <a:prstGeom prst="line">
+            <a:avLst/>
+          </a:prstGeom>
+          <a:ln w="76200">
+            <a:solidFill>
+              <a:schemeClr val="accent3">
+                <a:lumMod val="50000"/>
+              </a:schemeClr>
+            </a:solidFill>
+          </a:ln>
+        </p:spPr>
+        <p:style>
+          <a:lnRef idx="1">
+            <a:schemeClr val="accent1"/>
+          </a:lnRef>
+          <a:fillRef idx="0">
+            <a:schemeClr val="accent1"/>
+          </a:fillRef>
+          <a:effectRef idx="0">
+            <a:schemeClr val="accent1"/>
+          </a:effectRef>
+          <a:fontRef idx="minor">
+            <a:schemeClr val="tx1"/>
+          </a:fontRef>
+        </p:style>
+      </p:cxnSp>
+      <p:cxnSp>
+        <p:nvCxnSpPr>
+          <p:cNvPr id="76" name="Straight Connector 75">
+            <a:extLst>
+              <a:ext uri="{FF2B5EF4-FFF2-40B4-BE49-F238E27FC236}">
+                <a16:creationId xmlns:a16="http://schemas.microsoft.com/office/drawing/2014/main" id="{889C6B19-1908-A7B9-6738-A5D63E12E8A5}"/>
+              </a:ext>
+            </a:extLst>
+          </p:cNvPr>
+          <p:cNvCxnSpPr>
+            <a:cxnSpLocks/>
+          </p:cNvCxnSpPr>
+          <p:nvPr/>
+        </p:nvCxnSpPr>
+        <p:spPr>
+          <a:xfrm>
+            <a:off x="262451" y="3689816"/>
+            <a:ext cx="1408855" cy="0"/>
+          </a:xfrm>
+          <a:prstGeom prst="line">
+            <a:avLst/>
+          </a:prstGeom>
+          <a:ln w="12700">
+            <a:solidFill>
+              <a:schemeClr val="bg1"/>
+            </a:solidFill>
+            <a:prstDash val="dash"/>
+          </a:ln>
+        </p:spPr>
+        <p:style>
+          <a:lnRef idx="1">
+            <a:schemeClr val="accent1"/>
+          </a:lnRef>
+          <a:fillRef idx="0">
+            <a:schemeClr val="accent1"/>
+          </a:fillRef>
+          <a:effectRef idx="0">
+            <a:schemeClr val="accent1"/>
+          </a:effectRef>
+          <a:fontRef idx="minor">
+            <a:schemeClr val="tx1"/>
+          </a:fontRef>
+        </p:style>
+      </p:cxnSp>
+      <p:cxnSp>
+        <p:nvCxnSpPr>
+          <p:cNvPr id="86" name="Straight Connector 85">
+            <a:extLst>
+              <a:ext uri="{FF2B5EF4-FFF2-40B4-BE49-F238E27FC236}">
+                <a16:creationId xmlns:a16="http://schemas.microsoft.com/office/drawing/2014/main" id="{1C6EE5BD-CDE6-C07F-6C26-09794D9948DC}"/>
+              </a:ext>
+            </a:extLst>
+          </p:cNvPr>
+          <p:cNvCxnSpPr>
+            <a:cxnSpLocks/>
+          </p:cNvCxnSpPr>
+          <p:nvPr/>
+        </p:nvCxnSpPr>
+        <p:spPr>
+          <a:xfrm>
+            <a:off x="262451" y="3299689"/>
+            <a:ext cx="1408855" cy="0"/>
+          </a:xfrm>
+          <a:prstGeom prst="line">
+            <a:avLst/>
+          </a:prstGeom>
+          <a:ln w="12700">
+            <a:solidFill>
+              <a:schemeClr val="bg1"/>
+            </a:solidFill>
+            <a:prstDash val="dash"/>
+          </a:ln>
+        </p:spPr>
+        <p:style>
+          <a:lnRef idx="1">
+            <a:schemeClr val="accent1"/>
+          </a:lnRef>
+          <a:fillRef idx="0">
+            <a:schemeClr val="accent1"/>
+          </a:fillRef>
+          <a:effectRef idx="0">
+            <a:schemeClr val="accent1"/>
+          </a:effectRef>
+          <a:fontRef idx="minor">
+            <a:schemeClr val="tx1"/>
+          </a:fontRef>
+        </p:style>
+      </p:cxnSp>
+      <p:cxnSp>
+        <p:nvCxnSpPr>
+          <p:cNvPr id="98" name="Straight Connector 97">
+            <a:extLst>
+              <a:ext uri="{FF2B5EF4-FFF2-40B4-BE49-F238E27FC236}">
+                <a16:creationId xmlns:a16="http://schemas.microsoft.com/office/drawing/2014/main" id="{E44487A1-EC6D-8F0E-0F9C-3038B03E41E0}"/>
+              </a:ext>
+            </a:extLst>
+          </p:cNvPr>
+          <p:cNvCxnSpPr>
+            <a:cxnSpLocks/>
+          </p:cNvCxnSpPr>
+          <p:nvPr/>
+        </p:nvCxnSpPr>
+        <p:spPr>
+          <a:xfrm>
+            <a:off x="270405" y="2921928"/>
+            <a:ext cx="1408855" cy="0"/>
+          </a:xfrm>
+          <a:prstGeom prst="line">
+            <a:avLst/>
+          </a:prstGeom>
+          <a:ln w="12700">
+            <a:solidFill>
+              <a:schemeClr val="bg1"/>
+            </a:solidFill>
+            <a:prstDash val="dash"/>
+          </a:ln>
+        </p:spPr>
+        <p:style>
+          <a:lnRef idx="1">
+            <a:schemeClr val="accent1"/>
+          </a:lnRef>
+          <a:fillRef idx="0">
+            <a:schemeClr val="accent1"/>
+          </a:fillRef>
+          <a:effectRef idx="0">
+            <a:schemeClr val="accent1"/>
+          </a:effectRef>
+          <a:fontRef idx="minor">
+            <a:schemeClr val="tx1"/>
+          </a:fontRef>
+        </p:style>
+      </p:cxnSp>
+      <p:cxnSp>
+        <p:nvCxnSpPr>
+          <p:cNvPr id="99" name="Straight Connector 98">
+            <a:extLst>
+              <a:ext uri="{FF2B5EF4-FFF2-40B4-BE49-F238E27FC236}">
+                <a16:creationId xmlns:a16="http://schemas.microsoft.com/office/drawing/2014/main" id="{A62DA1E7-2FB3-6EF4-1565-11B9C88F9F09}"/>
+              </a:ext>
+            </a:extLst>
+          </p:cNvPr>
+          <p:cNvCxnSpPr>
+            <a:cxnSpLocks/>
+          </p:cNvCxnSpPr>
+          <p:nvPr/>
+        </p:nvCxnSpPr>
+        <p:spPr>
+          <a:xfrm flipV="1">
+            <a:off x="1529173" y="2914840"/>
+            <a:ext cx="0" cy="384066"/>
+          </a:xfrm>
+          <a:prstGeom prst="line">
+            <a:avLst/>
+          </a:prstGeom>
+          <a:ln w="12700">
+            <a:solidFill>
+              <a:schemeClr val="bg1"/>
+            </a:solidFill>
+            <a:prstDash val="dash"/>
+          </a:ln>
+        </p:spPr>
+        <p:style>
+          <a:lnRef idx="1">
+            <a:schemeClr val="accent1"/>
+          </a:lnRef>
+          <a:fillRef idx="0">
+            <a:schemeClr val="accent1"/>
+          </a:fillRef>
+          <a:effectRef idx="0">
+            <a:schemeClr val="accent1"/>
+          </a:effectRef>
+          <a:fontRef idx="minor">
+            <a:schemeClr val="tx1"/>
+          </a:fontRef>
+        </p:style>
+      </p:cxnSp>
+      <p:cxnSp>
+        <p:nvCxnSpPr>
+          <p:cNvPr id="103" name="Straight Connector 102">
+            <a:extLst>
+              <a:ext uri="{FF2B5EF4-FFF2-40B4-BE49-F238E27FC236}">
+                <a16:creationId xmlns:a16="http://schemas.microsoft.com/office/drawing/2014/main" id="{D0A3A15A-2A01-66FE-D85B-D4855BF6C8E5}"/>
+              </a:ext>
+            </a:extLst>
+          </p:cNvPr>
+          <p:cNvCxnSpPr>
+            <a:cxnSpLocks/>
+          </p:cNvCxnSpPr>
+          <p:nvPr/>
+        </p:nvCxnSpPr>
+        <p:spPr>
+          <a:xfrm flipV="1">
+            <a:off x="412754" y="2560819"/>
+            <a:ext cx="0" cy="1292569"/>
+          </a:xfrm>
+          <a:prstGeom prst="line">
+            <a:avLst/>
+          </a:prstGeom>
+          <a:ln w="12700">
+            <a:solidFill>
+              <a:schemeClr val="bg1"/>
+            </a:solidFill>
+            <a:prstDash val="dash"/>
+          </a:ln>
+        </p:spPr>
+        <p:style>
+          <a:lnRef idx="1">
+            <a:schemeClr val="accent1"/>
+          </a:lnRef>
+          <a:fillRef idx="0">
+            <a:schemeClr val="accent1"/>
+          </a:fillRef>
+          <a:effectRef idx="0">
+            <a:schemeClr val="accent1"/>
+          </a:effectRef>
+          <a:fontRef idx="minor">
+            <a:schemeClr val="tx1"/>
+          </a:fontRef>
+        </p:style>
+      </p:cxnSp>
+      <p:cxnSp>
+        <p:nvCxnSpPr>
+          <p:cNvPr id="105" name="Straight Connector 104">
+            <a:extLst>
+              <a:ext uri="{FF2B5EF4-FFF2-40B4-BE49-F238E27FC236}">
+                <a16:creationId xmlns:a16="http://schemas.microsoft.com/office/drawing/2014/main" id="{702930F7-7C34-5695-3B3A-FC388D1B2346}"/>
+              </a:ext>
+            </a:extLst>
+          </p:cNvPr>
+          <p:cNvCxnSpPr>
+            <a:cxnSpLocks/>
+          </p:cNvCxnSpPr>
+          <p:nvPr/>
+        </p:nvCxnSpPr>
+        <p:spPr>
+          <a:xfrm flipV="1">
+            <a:off x="972736" y="3319535"/>
+            <a:ext cx="271844" cy="533853"/>
+          </a:xfrm>
+          <a:prstGeom prst="line">
+            <a:avLst/>
+          </a:prstGeom>
+          <a:ln w="12700">
+            <a:solidFill>
+              <a:schemeClr val="bg1"/>
+            </a:solidFill>
+            <a:prstDash val="dash"/>
+          </a:ln>
+        </p:spPr>
+        <p:style>
+          <a:lnRef idx="1">
+            <a:schemeClr val="accent1"/>
+          </a:lnRef>
+          <a:fillRef idx="0">
+            <a:schemeClr val="accent1"/>
+          </a:fillRef>
+          <a:effectRef idx="0">
+            <a:schemeClr val="accent1"/>
+          </a:effectRef>
+          <a:fontRef idx="minor">
+            <a:schemeClr val="tx1"/>
+          </a:fontRef>
+        </p:style>
+      </p:cxnSp>
+      <p:cxnSp>
+        <p:nvCxnSpPr>
+          <p:cNvPr id="113" name="Straight Connector 112">
+            <a:extLst>
+              <a:ext uri="{FF2B5EF4-FFF2-40B4-BE49-F238E27FC236}">
+                <a16:creationId xmlns:a16="http://schemas.microsoft.com/office/drawing/2014/main" id="{BEA9D9D8-EE3B-5612-5480-82D1ED072921}"/>
+              </a:ext>
+            </a:extLst>
+          </p:cNvPr>
+          <p:cNvCxnSpPr>
+            <a:cxnSpLocks/>
+          </p:cNvCxnSpPr>
+          <p:nvPr/>
+        </p:nvCxnSpPr>
+        <p:spPr>
+          <a:xfrm flipH="1" flipV="1">
+            <a:off x="849975" y="2560732"/>
+            <a:ext cx="122761" cy="337049"/>
+          </a:xfrm>
+          <a:prstGeom prst="line">
+            <a:avLst/>
+          </a:prstGeom>
+          <a:ln w="76200">
+            <a:solidFill>
+              <a:schemeClr val="accent3">
+                <a:lumMod val="50000"/>
+              </a:schemeClr>
+            </a:solidFill>
+          </a:ln>
+        </p:spPr>
+        <p:style>
+          <a:lnRef idx="1">
+            <a:schemeClr val="accent1"/>
+          </a:lnRef>
+          <a:fillRef idx="0">
+            <a:schemeClr val="accent1"/>
+          </a:fillRef>
+          <a:effectRef idx="0">
+            <a:schemeClr val="accent1"/>
+          </a:effectRef>
+          <a:fontRef idx="minor">
+            <a:schemeClr val="tx1"/>
+          </a:fontRef>
+        </p:style>
+      </p:cxnSp>
+      <p:cxnSp>
+        <p:nvCxnSpPr>
+          <p:cNvPr id="119" name="Straight Connector 118">
+            <a:extLst>
+              <a:ext uri="{FF2B5EF4-FFF2-40B4-BE49-F238E27FC236}">
+                <a16:creationId xmlns:a16="http://schemas.microsoft.com/office/drawing/2014/main" id="{DBF6E8DA-08D2-1177-93EF-EFAF08D24A00}"/>
+              </a:ext>
+            </a:extLst>
+          </p:cNvPr>
+          <p:cNvCxnSpPr>
+            <a:cxnSpLocks/>
+          </p:cNvCxnSpPr>
+          <p:nvPr/>
+        </p:nvCxnSpPr>
+        <p:spPr>
+          <a:xfrm>
+            <a:off x="849975" y="2562972"/>
+            <a:ext cx="130675" cy="348029"/>
+          </a:xfrm>
+          <a:prstGeom prst="line">
+            <a:avLst/>
+          </a:prstGeom>
+          <a:ln w="12700">
+            <a:solidFill>
+              <a:schemeClr val="bg1"/>
+            </a:solidFill>
+            <a:prstDash val="dash"/>
+          </a:ln>
+        </p:spPr>
+        <p:style>
+          <a:lnRef idx="1">
+            <a:schemeClr val="accent1"/>
+          </a:lnRef>
+          <a:fillRef idx="0">
+            <a:schemeClr val="accent1"/>
+          </a:fillRef>
+          <a:effectRef idx="0">
+            <a:schemeClr val="accent1"/>
+          </a:effectRef>
+          <a:fontRef idx="minor">
+            <a:schemeClr val="tx1"/>
+          </a:fontRef>
+        </p:style>
+      </p:cxnSp>
+      <p:pic>
+        <p:nvPicPr>
+          <p:cNvPr id="129" name="Graphic 128">
+            <a:extLst>
+              <a:ext uri="{FF2B5EF4-FFF2-40B4-BE49-F238E27FC236}">
+                <a16:creationId xmlns:a16="http://schemas.microsoft.com/office/drawing/2014/main" id="{A9154946-DE8E-A95D-77B5-A3E3B79F7229}"/>
+              </a:ext>
+            </a:extLst>
+          </p:cNvPr>
+          <p:cNvPicPr>
+            <a:picLocks noChangeAspect="1"/>
+          </p:cNvPicPr>
+          <p:nvPr/>
+        </p:nvPicPr>
+        <p:blipFill>
+          <a:blip r:embed="rId11">
+            <a:extLst>
+              <a:ext uri="{96DAC541-7B7A-43D3-8B79-37D633B846F1}">
+                <asvg:svgBlip xmlns:asvg="http://schemas.microsoft.com/office/drawing/2016/SVG/main" r:embed="rId12"/>
+              </a:ext>
+            </a:extLst>
+          </a:blip>
+          <a:stretch>
+            <a:fillRect/>
+          </a:stretch>
+        </p:blipFill>
+        <p:spPr>
+          <a:xfrm>
+            <a:off x="1147796" y="2705678"/>
+            <a:ext cx="194793" cy="194793"/>
+          </a:xfrm>
+          <a:prstGeom prst="rect">
+            <a:avLst/>
+          </a:prstGeom>
+        </p:spPr>
+      </p:pic>
+      <p:pic>
+        <p:nvPicPr>
+          <p:cNvPr id="130" name="Graphic 129">
+            <a:extLst>
+              <a:ext uri="{FF2B5EF4-FFF2-40B4-BE49-F238E27FC236}">
+                <a16:creationId xmlns:a16="http://schemas.microsoft.com/office/drawing/2014/main" id="{7B736367-A285-7891-F130-7032349AE5EE}"/>
+              </a:ext>
+            </a:extLst>
+          </p:cNvPr>
+          <p:cNvPicPr>
+            <a:picLocks noChangeAspect="1"/>
+          </p:cNvPicPr>
+          <p:nvPr/>
+        </p:nvPicPr>
+        <p:blipFill>
+          <a:blip r:embed="rId11">
+            <a:extLst>
+              <a:ext uri="{96DAC541-7B7A-43D3-8B79-37D633B846F1}">
+                <asvg:svgBlip xmlns:asvg="http://schemas.microsoft.com/office/drawing/2016/SVG/main" r:embed="rId12"/>
+              </a:ext>
+            </a:extLst>
+          </a:blip>
+          <a:stretch>
+            <a:fillRect/>
+          </a:stretch>
+        </p:blipFill>
+        <p:spPr>
+          <a:xfrm>
+            <a:off x="537200" y="2708787"/>
+            <a:ext cx="194793" cy="194793"/>
+          </a:xfrm>
+          <a:prstGeom prst="rect">
+            <a:avLst/>
+          </a:prstGeom>
+        </p:spPr>
+      </p:pic>
+      <p:pic>
+        <p:nvPicPr>
+          <p:cNvPr id="132" name="Graphic 131">
+            <a:extLst>
+              <a:ext uri="{FF2B5EF4-FFF2-40B4-BE49-F238E27FC236}">
+                <a16:creationId xmlns:a16="http://schemas.microsoft.com/office/drawing/2014/main" id="{5D6CD3E0-1FBF-5E36-24F4-DDA49C7B5D75}"/>
+              </a:ext>
+            </a:extLst>
+          </p:cNvPr>
+          <p:cNvPicPr>
+            <a:picLocks noChangeAspect="1"/>
+          </p:cNvPicPr>
+          <p:nvPr/>
+        </p:nvPicPr>
+        <p:blipFill>
+          <a:blip r:embed="rId13">
+            <a:extLst>
+              <a:ext uri="{96DAC541-7B7A-43D3-8B79-37D633B846F1}">
+                <asvg:svgBlip xmlns:asvg="http://schemas.microsoft.com/office/drawing/2016/SVG/main" r:embed="rId14"/>
+              </a:ext>
+            </a:extLst>
+          </a:blip>
+          <a:stretch>
+            <a:fillRect/>
+          </a:stretch>
+        </p:blipFill>
+        <p:spPr>
+          <a:xfrm>
+            <a:off x="11399826" y="3476517"/>
+            <a:ext cx="194793" cy="194793"/>
+          </a:xfrm>
+          <a:prstGeom prst="rect">
+            <a:avLst/>
+          </a:prstGeom>
+        </p:spPr>
+      </p:pic>
+      <p:pic>
+        <p:nvPicPr>
+          <p:cNvPr id="133" name="Graphic 132">
+            <a:extLst>
+              <a:ext uri="{FF2B5EF4-FFF2-40B4-BE49-F238E27FC236}">
+                <a16:creationId xmlns:a16="http://schemas.microsoft.com/office/drawing/2014/main" id="{8CAD8B47-5843-E4F3-B3E3-58C8725E4407}"/>
+              </a:ext>
+            </a:extLst>
+          </p:cNvPr>
+          <p:cNvPicPr>
+            <a:picLocks noChangeAspect="1"/>
+          </p:cNvPicPr>
+          <p:nvPr/>
+        </p:nvPicPr>
+        <p:blipFill>
+          <a:blip r:embed="rId13">
+            <a:extLst>
+              <a:ext uri="{96DAC541-7B7A-43D3-8B79-37D633B846F1}">
+                <asvg:svgBlip xmlns:asvg="http://schemas.microsoft.com/office/drawing/2016/SVG/main" r:embed="rId14"/>
+              </a:ext>
+            </a:extLst>
+          </a:blip>
+          <a:stretch>
+            <a:fillRect/>
+          </a:stretch>
+        </p:blipFill>
+        <p:spPr>
+          <a:xfrm>
+            <a:off x="11725107" y="3256938"/>
+            <a:ext cx="194793" cy="194793"/>
+          </a:xfrm>
+          <a:prstGeom prst="rect">
+            <a:avLst/>
+          </a:prstGeom>
+        </p:spPr>
+      </p:pic>
+      <p:pic>
+        <p:nvPicPr>
+          <p:cNvPr id="134" name="Graphic 133">
+            <a:extLst>
+              <a:ext uri="{FF2B5EF4-FFF2-40B4-BE49-F238E27FC236}">
+                <a16:creationId xmlns:a16="http://schemas.microsoft.com/office/drawing/2014/main" id="{687F8962-E928-0749-CB48-8A806E3926F7}"/>
+              </a:ext>
+            </a:extLst>
+          </p:cNvPr>
+          <p:cNvPicPr>
+            <a:picLocks noChangeAspect="1"/>
+          </p:cNvPicPr>
+          <p:nvPr/>
+        </p:nvPicPr>
+        <p:blipFill>
+          <a:blip r:embed="rId13">
+            <a:extLst>
+              <a:ext uri="{96DAC541-7B7A-43D3-8B79-37D633B846F1}">
+                <asvg:svgBlip xmlns:asvg="http://schemas.microsoft.com/office/drawing/2016/SVG/main" r:embed="rId14"/>
+              </a:ext>
+            </a:extLst>
+          </a:blip>
+          <a:stretch>
+            <a:fillRect/>
+          </a:stretch>
+        </p:blipFill>
+        <p:spPr>
+          <a:xfrm>
+            <a:off x="11388901" y="3140543"/>
+            <a:ext cx="194793" cy="194793"/>
+          </a:xfrm>
+          <a:prstGeom prst="rect">
+            <a:avLst/>
+          </a:prstGeom>
+        </p:spPr>
+      </p:pic>
+      <p:pic>
+        <p:nvPicPr>
+          <p:cNvPr id="135" name="Graphic 134">
+            <a:extLst>
+              <a:ext uri="{FF2B5EF4-FFF2-40B4-BE49-F238E27FC236}">
+                <a16:creationId xmlns:a16="http://schemas.microsoft.com/office/drawing/2014/main" id="{8203B933-0B58-E758-FD22-9099513C57BE}"/>
+              </a:ext>
+            </a:extLst>
+          </p:cNvPr>
+          <p:cNvPicPr>
+            <a:picLocks noChangeAspect="1"/>
+          </p:cNvPicPr>
+          <p:nvPr/>
+        </p:nvPicPr>
+        <p:blipFill>
+          <a:blip r:embed="rId13">
+            <a:extLst>
+              <a:ext uri="{96DAC541-7B7A-43D3-8B79-37D633B846F1}">
+                <asvg:svgBlip xmlns:asvg="http://schemas.microsoft.com/office/drawing/2016/SVG/main" r:embed="rId14"/>
+              </a:ext>
+            </a:extLst>
+          </a:blip>
+          <a:stretch>
+            <a:fillRect/>
+          </a:stretch>
+        </p:blipFill>
+        <p:spPr>
+          <a:xfrm>
+            <a:off x="10871112" y="2801400"/>
+            <a:ext cx="194793" cy="194793"/>
+          </a:xfrm>
+          <a:prstGeom prst="rect">
+            <a:avLst/>
+          </a:prstGeom>
+        </p:spPr>
+      </p:pic>
+      <p:cxnSp>
+        <p:nvCxnSpPr>
+          <p:cNvPr id="137" name="Straight Connector 136">
+            <a:extLst>
+              <a:ext uri="{FF2B5EF4-FFF2-40B4-BE49-F238E27FC236}">
+                <a16:creationId xmlns:a16="http://schemas.microsoft.com/office/drawing/2014/main" id="{B09D8CD8-CB13-C34A-3F2F-677DE38CB07C}"/>
+              </a:ext>
+            </a:extLst>
+          </p:cNvPr>
+          <p:cNvCxnSpPr>
+            <a:cxnSpLocks/>
+          </p:cNvCxnSpPr>
+          <p:nvPr/>
+        </p:nvCxnSpPr>
+        <p:spPr>
+          <a:xfrm>
+            <a:off x="11486298" y="3360737"/>
+            <a:ext cx="10925" cy="141181"/>
+          </a:xfrm>
+          <a:prstGeom prst="line">
+            <a:avLst/>
+          </a:prstGeom>
+          <a:ln w="12700"/>
+        </p:spPr>
+        <p:style>
+          <a:lnRef idx="1">
+            <a:schemeClr val="accent1"/>
+          </a:lnRef>
+          <a:fillRef idx="0">
+            <a:schemeClr val="accent1"/>
+          </a:fillRef>
+          <a:effectRef idx="0">
+            <a:schemeClr val="accent1"/>
+          </a:effectRef>
+          <a:fontRef idx="minor">
+            <a:schemeClr val="tx1"/>
+          </a:fontRef>
+        </p:style>
+      </p:cxnSp>
+      <p:pic>
+        <p:nvPicPr>
+          <p:cNvPr id="139" name="Graphic 138">
+            <a:extLst>
+              <a:ext uri="{FF2B5EF4-FFF2-40B4-BE49-F238E27FC236}">
+                <a16:creationId xmlns:a16="http://schemas.microsoft.com/office/drawing/2014/main" id="{F69D9ADA-64D5-FA32-9214-9911BA67A8E5}"/>
+              </a:ext>
+            </a:extLst>
+          </p:cNvPr>
+          <p:cNvPicPr>
+            <a:picLocks noChangeAspect="1"/>
+          </p:cNvPicPr>
+          <p:nvPr/>
+        </p:nvPicPr>
+        <p:blipFill>
+          <a:blip r:embed="rId13">
+            <a:extLst>
+              <a:ext uri="{96DAC541-7B7A-43D3-8B79-37D633B846F1}">
+                <asvg:svgBlip xmlns:asvg="http://schemas.microsoft.com/office/drawing/2016/SVG/main" r:embed="rId14"/>
+              </a:ext>
+            </a:extLst>
+          </a:blip>
+          <a:stretch>
+            <a:fillRect/>
+          </a:stretch>
+        </p:blipFill>
+        <p:spPr>
+          <a:xfrm>
+            <a:off x="10593553" y="2988039"/>
+            <a:ext cx="194793" cy="194793"/>
+          </a:xfrm>
+          <a:prstGeom prst="rect">
+            <a:avLst/>
+          </a:prstGeom>
+        </p:spPr>
+      </p:pic>
+      <p:cxnSp>
+        <p:nvCxnSpPr>
+          <p:cNvPr id="140" name="Straight Connector 139">
+            <a:extLst>
+              <a:ext uri="{FF2B5EF4-FFF2-40B4-BE49-F238E27FC236}">
+                <a16:creationId xmlns:a16="http://schemas.microsoft.com/office/drawing/2014/main" id="{0C093DED-B617-3240-2F91-E08CBA563FED}"/>
+              </a:ext>
+            </a:extLst>
+          </p:cNvPr>
+          <p:cNvCxnSpPr>
+            <a:cxnSpLocks/>
+            <a:endCxn id="132" idx="3"/>
+          </p:cNvCxnSpPr>
+          <p:nvPr/>
+        </p:nvCxnSpPr>
+        <p:spPr>
+          <a:xfrm flipH="1">
+            <a:off x="11594619" y="3470482"/>
+            <a:ext cx="150596" cy="103432"/>
+          </a:xfrm>
+          <a:prstGeom prst="line">
+            <a:avLst/>
+          </a:prstGeom>
+          <a:ln w="12700"/>
+        </p:spPr>
+        <p:style>
+          <a:lnRef idx="1">
+            <a:schemeClr val="accent1"/>
+          </a:lnRef>
+          <a:fillRef idx="0">
+            <a:schemeClr val="accent1"/>
+          </a:fillRef>
+          <a:effectRef idx="0">
+            <a:schemeClr val="accent1"/>
+          </a:effectRef>
+          <a:fontRef idx="minor">
+            <a:schemeClr val="tx1"/>
+          </a:fontRef>
+        </p:style>
+      </p:cxnSp>
+      <p:cxnSp>
+        <p:nvCxnSpPr>
+          <p:cNvPr id="143" name="Straight Connector 142">
+            <a:extLst>
+              <a:ext uri="{FF2B5EF4-FFF2-40B4-BE49-F238E27FC236}">
+                <a16:creationId xmlns:a16="http://schemas.microsoft.com/office/drawing/2014/main" id="{26D53DFE-8106-6CED-8DBC-8C8C9DE62740}"/>
+              </a:ext>
+            </a:extLst>
+          </p:cNvPr>
+          <p:cNvCxnSpPr>
+            <a:cxnSpLocks/>
+          </p:cNvCxnSpPr>
+          <p:nvPr/>
+        </p:nvCxnSpPr>
+        <p:spPr>
+          <a:xfrm>
+            <a:off x="11574401" y="3276792"/>
+            <a:ext cx="145590" cy="77910"/>
+          </a:xfrm>
+          <a:prstGeom prst="line">
+            <a:avLst/>
+          </a:prstGeom>
+          <a:ln w="12700"/>
+        </p:spPr>
+        <p:style>
+          <a:lnRef idx="1">
+            <a:schemeClr val="accent1"/>
+          </a:lnRef>
+          <a:fillRef idx="0">
+            <a:schemeClr val="accent1"/>
+          </a:fillRef>
+          <a:effectRef idx="0">
+            <a:schemeClr val="accent1"/>
+          </a:effectRef>
+          <a:fontRef idx="minor">
+            <a:schemeClr val="tx1"/>
+          </a:fontRef>
+        </p:style>
+      </p:cxnSp>
+      <p:cxnSp>
+        <p:nvCxnSpPr>
+          <p:cNvPr id="166" name="Straight Connector 165">
+            <a:extLst>
+              <a:ext uri="{FF2B5EF4-FFF2-40B4-BE49-F238E27FC236}">
+                <a16:creationId xmlns:a16="http://schemas.microsoft.com/office/drawing/2014/main" id="{3CA147C6-9496-8839-9B99-93CDFEBBF7CB}"/>
+              </a:ext>
+            </a:extLst>
+          </p:cNvPr>
+          <p:cNvCxnSpPr>
+            <a:cxnSpLocks/>
+          </p:cNvCxnSpPr>
+          <p:nvPr/>
+        </p:nvCxnSpPr>
+        <p:spPr>
+          <a:xfrm flipH="1">
+            <a:off x="10762586" y="3015260"/>
+            <a:ext cx="150596" cy="103432"/>
+          </a:xfrm>
+          <a:prstGeom prst="line">
+            <a:avLst/>
+          </a:prstGeom>
+          <a:ln w="12700"/>
+        </p:spPr>
+        <p:style>
+          <a:lnRef idx="1">
+            <a:schemeClr val="accent1"/>
+          </a:lnRef>
+          <a:fillRef idx="0">
+            <a:schemeClr val="accent1"/>
+          </a:fillRef>
+          <a:effectRef idx="0">
+            <a:schemeClr val="accent1"/>
+          </a:effectRef>
+          <a:fontRef idx="minor">
+            <a:schemeClr val="tx1"/>
+          </a:fontRef>
+        </p:style>
+      </p:cxnSp>
+      <p:pic>
+        <p:nvPicPr>
+          <p:cNvPr id="167" name="Graphic 166">
+            <a:extLst>
+              <a:ext uri="{FF2B5EF4-FFF2-40B4-BE49-F238E27FC236}">
+                <a16:creationId xmlns:a16="http://schemas.microsoft.com/office/drawing/2014/main" id="{3D1FD957-D173-8479-28A7-6B75B3A8B1F9}"/>
+              </a:ext>
+            </a:extLst>
+          </p:cNvPr>
+          <p:cNvPicPr>
+            <a:picLocks noChangeAspect="1"/>
+          </p:cNvPicPr>
+          <p:nvPr/>
+        </p:nvPicPr>
+        <p:blipFill>
+          <a:blip r:embed="rId13">
+            <a:extLst>
+              <a:ext uri="{96DAC541-7B7A-43D3-8B79-37D633B846F1}">
+                <asvg:svgBlip xmlns:asvg="http://schemas.microsoft.com/office/drawing/2016/SVG/main" r:embed="rId14"/>
+              </a:ext>
+            </a:extLst>
+          </a:blip>
+          <a:stretch>
+            <a:fillRect/>
+          </a:stretch>
+        </p:blipFill>
+        <p:spPr>
+          <a:xfrm>
+            <a:off x="10745423" y="3881499"/>
+            <a:ext cx="194793" cy="194793"/>
+          </a:xfrm>
+          <a:prstGeom prst="rect">
+            <a:avLst/>
+          </a:prstGeom>
+        </p:spPr>
+      </p:pic>
+      <p:pic>
+        <p:nvPicPr>
+          <p:cNvPr id="168" name="Graphic 167">
+            <a:extLst>
+              <a:ext uri="{FF2B5EF4-FFF2-40B4-BE49-F238E27FC236}">
+                <a16:creationId xmlns:a16="http://schemas.microsoft.com/office/drawing/2014/main" id="{C5811411-0CEC-3911-1BF0-E30F99E6D746}"/>
+              </a:ext>
+            </a:extLst>
+          </p:cNvPr>
+          <p:cNvPicPr>
+            <a:picLocks noChangeAspect="1"/>
+          </p:cNvPicPr>
+          <p:nvPr/>
+        </p:nvPicPr>
+        <p:blipFill>
+          <a:blip r:embed="rId13">
+            <a:extLst>
+              <a:ext uri="{96DAC541-7B7A-43D3-8B79-37D633B846F1}">
+                <asvg:svgBlip xmlns:asvg="http://schemas.microsoft.com/office/drawing/2016/SVG/main" r:embed="rId14"/>
+              </a:ext>
+            </a:extLst>
+          </a:blip>
+          <a:stretch>
+            <a:fillRect/>
+          </a:stretch>
+        </p:blipFill>
+        <p:spPr>
+          <a:xfrm>
+            <a:off x="10842129" y="3516130"/>
+            <a:ext cx="194793" cy="194793"/>
+          </a:xfrm>
+          <a:prstGeom prst="rect">
+            <a:avLst/>
+          </a:prstGeom>
+        </p:spPr>
+      </p:pic>
+      <p:pic>
+        <p:nvPicPr>
+          <p:cNvPr id="169" name="Graphic 168">
+            <a:extLst>
+              <a:ext uri="{FF2B5EF4-FFF2-40B4-BE49-F238E27FC236}">
+                <a16:creationId xmlns:a16="http://schemas.microsoft.com/office/drawing/2014/main" id="{740A0D4A-1906-AC3D-DC65-F62C736B8B22}"/>
+              </a:ext>
+            </a:extLst>
+          </p:cNvPr>
+          <p:cNvPicPr>
+            <a:picLocks noChangeAspect="1"/>
+          </p:cNvPicPr>
+          <p:nvPr/>
+        </p:nvPicPr>
+        <p:blipFill>
+          <a:blip r:embed="rId13">
+            <a:extLst>
+              <a:ext uri="{96DAC541-7B7A-43D3-8B79-37D633B846F1}">
+                <asvg:svgBlip xmlns:asvg="http://schemas.microsoft.com/office/drawing/2016/SVG/main" r:embed="rId14"/>
+              </a:ext>
+            </a:extLst>
+          </a:blip>
+          <a:stretch>
+            <a:fillRect/>
+          </a:stretch>
+        </p:blipFill>
+        <p:spPr>
+          <a:xfrm>
+            <a:off x="10517402" y="3624177"/>
+            <a:ext cx="194793" cy="194793"/>
+          </a:xfrm>
+          <a:prstGeom prst="rect">
+            <a:avLst/>
+          </a:prstGeom>
+        </p:spPr>
+      </p:pic>
+      <p:cxnSp>
+        <p:nvCxnSpPr>
+          <p:cNvPr id="170" name="Straight Connector 169">
+            <a:extLst>
+              <a:ext uri="{FF2B5EF4-FFF2-40B4-BE49-F238E27FC236}">
+                <a16:creationId xmlns:a16="http://schemas.microsoft.com/office/drawing/2014/main" id="{5A47F52D-25CF-C876-9616-0486F32F5A5E}"/>
+              </a:ext>
+            </a:extLst>
+          </p:cNvPr>
+          <p:cNvCxnSpPr>
+            <a:cxnSpLocks/>
+          </p:cNvCxnSpPr>
+          <p:nvPr/>
+        </p:nvCxnSpPr>
+        <p:spPr>
+          <a:xfrm>
+            <a:off x="10642564" y="3847519"/>
+            <a:ext cx="123045" cy="156259"/>
+          </a:xfrm>
+          <a:prstGeom prst="line">
+            <a:avLst/>
+          </a:prstGeom>
+          <a:ln w="12700"/>
+        </p:spPr>
+        <p:style>
+          <a:lnRef idx="1">
+            <a:schemeClr val="accent1"/>
+          </a:lnRef>
+          <a:fillRef idx="0">
+            <a:schemeClr val="accent1"/>
+          </a:fillRef>
+          <a:effectRef idx="0">
+            <a:schemeClr val="accent1"/>
+          </a:effectRef>
+          <a:fontRef idx="minor">
+            <a:schemeClr val="tx1"/>
+          </a:fontRef>
+        </p:style>
+      </p:cxnSp>
+      <p:cxnSp>
+        <p:nvCxnSpPr>
+          <p:cNvPr id="171" name="Straight Connector 170">
+            <a:extLst>
+              <a:ext uri="{FF2B5EF4-FFF2-40B4-BE49-F238E27FC236}">
+                <a16:creationId xmlns:a16="http://schemas.microsoft.com/office/drawing/2014/main" id="{9E0ED53A-8314-178C-86CE-0CC20249EDAB}"/>
+              </a:ext>
+            </a:extLst>
+          </p:cNvPr>
+          <p:cNvCxnSpPr>
+            <a:cxnSpLocks/>
+          </p:cNvCxnSpPr>
+          <p:nvPr/>
+        </p:nvCxnSpPr>
+        <p:spPr>
+          <a:xfrm flipH="1">
+            <a:off x="10873541" y="3744903"/>
+            <a:ext cx="69136" cy="176843"/>
+          </a:xfrm>
+          <a:prstGeom prst="line">
+            <a:avLst/>
+          </a:prstGeom>
+          <a:ln w="12700"/>
+        </p:spPr>
+        <p:style>
+          <a:lnRef idx="1">
+            <a:schemeClr val="accent1"/>
+          </a:lnRef>
+          <a:fillRef idx="0">
+            <a:schemeClr val="accent1"/>
+          </a:fillRef>
+          <a:effectRef idx="0">
+            <a:schemeClr val="accent1"/>
+          </a:effectRef>
+          <a:fontRef idx="minor">
+            <a:schemeClr val="tx1"/>
+          </a:fontRef>
+        </p:style>
+      </p:cxnSp>
+      <p:cxnSp>
+        <p:nvCxnSpPr>
+          <p:cNvPr id="172" name="Straight Connector 171">
+            <a:extLst>
+              <a:ext uri="{FF2B5EF4-FFF2-40B4-BE49-F238E27FC236}">
+                <a16:creationId xmlns:a16="http://schemas.microsoft.com/office/drawing/2014/main" id="{4A0510A2-6A2D-821C-7702-4D68135CDD10}"/>
+              </a:ext>
+            </a:extLst>
+          </p:cNvPr>
+          <p:cNvCxnSpPr>
+            <a:cxnSpLocks/>
+          </p:cNvCxnSpPr>
+          <p:nvPr/>
+        </p:nvCxnSpPr>
+        <p:spPr>
+          <a:xfrm flipV="1">
+            <a:off x="10689106" y="3639691"/>
+            <a:ext cx="176112" cy="107489"/>
+          </a:xfrm>
+          <a:prstGeom prst="line">
+            <a:avLst/>
+          </a:prstGeom>
+          <a:ln w="12700"/>
+        </p:spPr>
+        <p:style>
+          <a:lnRef idx="1">
+            <a:schemeClr val="accent1"/>
+          </a:lnRef>
+          <a:fillRef idx="0">
+            <a:schemeClr val="accent1"/>
+          </a:fillRef>
+          <a:effectRef idx="0">
+            <a:schemeClr val="accent1"/>
+          </a:effectRef>
+          <a:fontRef idx="minor">
+            <a:schemeClr val="tx1"/>
+          </a:fontRef>
+        </p:style>
+      </p:cxnSp>
+      <p:sp>
+        <p:nvSpPr>
+          <p:cNvPr id="182" name="Oval 181">
+            <a:extLst>
+              <a:ext uri="{FF2B5EF4-FFF2-40B4-BE49-F238E27FC236}">
+                <a16:creationId xmlns:a16="http://schemas.microsoft.com/office/drawing/2014/main" id="{3F5736D6-6EE1-2498-0763-431040CA899F}"/>
+              </a:ext>
+            </a:extLst>
+          </p:cNvPr>
+          <p:cNvSpPr/>
+          <p:nvPr/>
+        </p:nvSpPr>
+        <p:spPr>
+          <a:xfrm>
+            <a:off x="11288668" y="3099302"/>
+            <a:ext cx="660123" cy="660123"/>
+          </a:xfrm>
+          <a:prstGeom prst="ellipse">
+            <a:avLst/>
+          </a:prstGeom>
+          <a:noFill/>
+          <a:ln>
+            <a:prstDash val="sysDot"/>
+          </a:ln>
+        </p:spPr>
+        <p:style>
+          <a:lnRef idx="2">
+            <a:schemeClr val="accent1">
+              <a:shade val="50000"/>
+            </a:schemeClr>
+          </a:lnRef>
+          <a:fillRef idx="1">
+            <a:schemeClr val="accent1"/>
+          </a:fillRef>
+          <a:effectRef idx="0">
+            <a:schemeClr val="accent1"/>
+          </a:effectRef>
+          <a:fontRef idx="minor">
+            <a:schemeClr val="lt1"/>
+          </a:fontRef>
+        </p:style>
+        <p:txBody>
+          <a:bodyPr rtlCol="0" anchor="ctr"/>
+          <a:lstStyle/>
+          <a:p>
+            <a:pPr algn="ctr"/>
+            <a:endParaRPr lang="en-US"/>
+          </a:p>
+        </p:txBody>
+      </p:sp>
+      <p:sp>
+        <p:nvSpPr>
+          <p:cNvPr id="183" name="Oval 182">
+            <a:extLst>
+              <a:ext uri="{FF2B5EF4-FFF2-40B4-BE49-F238E27FC236}">
+                <a16:creationId xmlns:a16="http://schemas.microsoft.com/office/drawing/2014/main" id="{1A463DE6-E95F-A9C6-DBD1-9F28E10E3726}"/>
+              </a:ext>
+            </a:extLst>
+          </p:cNvPr>
+          <p:cNvSpPr/>
+          <p:nvPr/>
+        </p:nvSpPr>
+        <p:spPr>
+          <a:xfrm>
+            <a:off x="10476912" y="3475948"/>
+            <a:ext cx="660123" cy="660123"/>
+          </a:xfrm>
+          <a:prstGeom prst="ellipse">
+            <a:avLst/>
+          </a:prstGeom>
+          <a:noFill/>
+          <a:ln>
+            <a:prstDash val="sysDot"/>
+          </a:ln>
+        </p:spPr>
+        <p:style>
+          <a:lnRef idx="2">
+            <a:schemeClr val="accent1">
+              <a:shade val="50000"/>
+            </a:schemeClr>
+          </a:lnRef>
+          <a:fillRef idx="1">
+            <a:schemeClr val="accent1"/>
+          </a:fillRef>
+          <a:effectRef idx="0">
+            <a:schemeClr val="accent1"/>
+          </a:effectRef>
+          <a:fontRef idx="minor">
+            <a:schemeClr val="lt1"/>
+          </a:fontRef>
+        </p:style>
+        <p:txBody>
+          <a:bodyPr rtlCol="0" anchor="ctr"/>
+          <a:lstStyle/>
+          <a:p>
+            <a:pPr algn="ctr"/>
+            <a:endParaRPr lang="en-US"/>
+          </a:p>
+        </p:txBody>
+      </p:sp>
+      <p:sp>
+        <p:nvSpPr>
+          <p:cNvPr id="184" name="Oval 183">
+            <a:extLst>
+              <a:ext uri="{FF2B5EF4-FFF2-40B4-BE49-F238E27FC236}">
+                <a16:creationId xmlns:a16="http://schemas.microsoft.com/office/drawing/2014/main" id="{1E910680-48D0-2F6D-A257-C0DA6A24C5AB}"/>
+              </a:ext>
+            </a:extLst>
+          </p:cNvPr>
+          <p:cNvSpPr/>
+          <p:nvPr/>
+        </p:nvSpPr>
+        <p:spPr>
+          <a:xfrm>
+            <a:off x="10536395" y="2742093"/>
+            <a:ext cx="586131" cy="586131"/>
+          </a:xfrm>
+          <a:prstGeom prst="ellipse">
+            <a:avLst/>
+          </a:prstGeom>
+          <a:noFill/>
+          <a:ln>
+            <a:prstDash val="sysDot"/>
+          </a:ln>
+        </p:spPr>
+        <p:style>
+          <a:lnRef idx="2">
+            <a:schemeClr val="accent1">
+              <a:shade val="50000"/>
+            </a:schemeClr>
+          </a:lnRef>
+          <a:fillRef idx="1">
+            <a:schemeClr val="accent1"/>
+          </a:fillRef>
+          <a:effectRef idx="0">
+            <a:schemeClr val="accent1"/>
+          </a:effectRef>
+          <a:fontRef idx="minor">
+            <a:schemeClr val="lt1"/>
+          </a:fontRef>
+        </p:style>
+        <p:txBody>
+          <a:bodyPr rtlCol="0" anchor="ctr"/>
+          <a:lstStyle/>
+          <a:p>
+            <a:pPr algn="ctr"/>
+            <a:endParaRPr lang="en-US"/>
+          </a:p>
+        </p:txBody>
+      </p:sp>
+      <p:cxnSp>
+        <p:nvCxnSpPr>
+          <p:cNvPr id="185" name="Straight Connector 184">
+            <a:extLst>
+              <a:ext uri="{FF2B5EF4-FFF2-40B4-BE49-F238E27FC236}">
+                <a16:creationId xmlns:a16="http://schemas.microsoft.com/office/drawing/2014/main" id="{0594E0A7-264F-26D7-AA0D-A7BCC3A31B5C}"/>
+              </a:ext>
+            </a:extLst>
+          </p:cNvPr>
+          <p:cNvCxnSpPr>
+            <a:cxnSpLocks/>
+          </p:cNvCxnSpPr>
+          <p:nvPr/>
+        </p:nvCxnSpPr>
+        <p:spPr>
+          <a:xfrm>
+            <a:off x="10714092" y="3221961"/>
+            <a:ext cx="183753" cy="332860"/>
+          </a:xfrm>
+          <a:prstGeom prst="line">
+            <a:avLst/>
+          </a:prstGeom>
+          <a:ln w="12700"/>
+        </p:spPr>
+        <p:style>
+          <a:lnRef idx="1">
+            <a:schemeClr val="accent2"/>
+          </a:lnRef>
+          <a:fillRef idx="0">
+            <a:schemeClr val="accent2"/>
+          </a:fillRef>
+          <a:effectRef idx="0">
+            <a:schemeClr val="accent2"/>
+          </a:effectRef>
+          <a:fontRef idx="minor">
+            <a:schemeClr val="tx1"/>
+          </a:fontRef>
+        </p:style>
+      </p:cxnSp>
+      <p:cxnSp>
+        <p:nvCxnSpPr>
+          <p:cNvPr id="190" name="Straight Connector 189">
+            <a:extLst>
+              <a:ext uri="{FF2B5EF4-FFF2-40B4-BE49-F238E27FC236}">
+                <a16:creationId xmlns:a16="http://schemas.microsoft.com/office/drawing/2014/main" id="{24E0F45A-12A6-3832-9E61-2B7E0AE121E2}"/>
+              </a:ext>
+            </a:extLst>
+          </p:cNvPr>
+          <p:cNvCxnSpPr>
+            <a:cxnSpLocks/>
+          </p:cNvCxnSpPr>
+          <p:nvPr/>
+        </p:nvCxnSpPr>
+        <p:spPr>
+          <a:xfrm flipH="1">
+            <a:off x="10605563" y="3217343"/>
+            <a:ext cx="64698" cy="420688"/>
+          </a:xfrm>
+          <a:prstGeom prst="line">
+            <a:avLst/>
+          </a:prstGeom>
+          <a:ln w="12700"/>
+        </p:spPr>
+        <p:style>
+          <a:lnRef idx="1">
+            <a:schemeClr val="accent2"/>
+          </a:lnRef>
+          <a:fillRef idx="0">
+            <a:schemeClr val="accent2"/>
+          </a:fillRef>
+          <a:effectRef idx="0">
+            <a:schemeClr val="accent2"/>
+          </a:effectRef>
+          <a:fontRef idx="minor">
+            <a:schemeClr val="tx1"/>
+          </a:fontRef>
+        </p:style>
+      </p:cxnSp>
+      <p:cxnSp>
+        <p:nvCxnSpPr>
+          <p:cNvPr id="194" name="Straight Connector 193">
+            <a:extLst>
+              <a:ext uri="{FF2B5EF4-FFF2-40B4-BE49-F238E27FC236}">
+                <a16:creationId xmlns:a16="http://schemas.microsoft.com/office/drawing/2014/main" id="{3F458F76-46D4-382E-8C4F-FC6AE83F5322}"/>
+              </a:ext>
+            </a:extLst>
+          </p:cNvPr>
+          <p:cNvCxnSpPr>
+            <a:cxnSpLocks/>
+          </p:cNvCxnSpPr>
+          <p:nvPr/>
+        </p:nvCxnSpPr>
+        <p:spPr>
+          <a:xfrm>
+            <a:off x="10690496" y="3221961"/>
+            <a:ext cx="118508" cy="674675"/>
+          </a:xfrm>
+          <a:prstGeom prst="line">
+            <a:avLst/>
+          </a:prstGeom>
+          <a:ln w="12700"/>
+        </p:spPr>
+        <p:style>
+          <a:lnRef idx="1">
+            <a:schemeClr val="accent2"/>
+          </a:lnRef>
+          <a:fillRef idx="0">
+            <a:schemeClr val="accent2"/>
+          </a:fillRef>
+          <a:effectRef idx="0">
+            <a:schemeClr val="accent2"/>
+          </a:effectRef>
+          <a:fontRef idx="minor">
+            <a:schemeClr val="tx1"/>
+          </a:fontRef>
+        </p:style>
+      </p:cxnSp>
+      <p:cxnSp>
+        <p:nvCxnSpPr>
+          <p:cNvPr id="196" name="Straight Connector 195">
+            <a:extLst>
+              <a:ext uri="{FF2B5EF4-FFF2-40B4-BE49-F238E27FC236}">
+                <a16:creationId xmlns:a16="http://schemas.microsoft.com/office/drawing/2014/main" id="{DB70206B-F1A5-9BC2-AF04-D5C994CD3E8E}"/>
+              </a:ext>
+            </a:extLst>
+          </p:cNvPr>
+          <p:cNvCxnSpPr>
+            <a:cxnSpLocks/>
+          </p:cNvCxnSpPr>
+          <p:nvPr/>
+        </p:nvCxnSpPr>
+        <p:spPr>
+          <a:xfrm flipH="1">
+            <a:off x="10934908" y="3038475"/>
+            <a:ext cx="29257" cy="505363"/>
+          </a:xfrm>
+          <a:prstGeom prst="line">
+            <a:avLst/>
+          </a:prstGeom>
+          <a:ln w="12700"/>
+        </p:spPr>
+        <p:style>
+          <a:lnRef idx="1">
+            <a:schemeClr val="accent2"/>
+          </a:lnRef>
+          <a:fillRef idx="0">
+            <a:schemeClr val="accent2"/>
+          </a:fillRef>
+          <a:effectRef idx="0">
+            <a:schemeClr val="accent2"/>
+          </a:effectRef>
+          <a:fontRef idx="minor">
+            <a:schemeClr val="tx1"/>
+          </a:fontRef>
+        </p:style>
+      </p:cxnSp>
+      <p:cxnSp>
+        <p:nvCxnSpPr>
+          <p:cNvPr id="199" name="Straight Connector 198">
+            <a:extLst>
+              <a:ext uri="{FF2B5EF4-FFF2-40B4-BE49-F238E27FC236}">
+                <a16:creationId xmlns:a16="http://schemas.microsoft.com/office/drawing/2014/main" id="{3B308900-58AD-476A-502F-64336BE3F46C}"/>
+              </a:ext>
+            </a:extLst>
+          </p:cNvPr>
+          <p:cNvCxnSpPr>
+            <a:cxnSpLocks/>
+          </p:cNvCxnSpPr>
+          <p:nvPr/>
+        </p:nvCxnSpPr>
+        <p:spPr>
+          <a:xfrm>
+            <a:off x="10999090" y="3038475"/>
+            <a:ext cx="438836" cy="490989"/>
+          </a:xfrm>
+          <a:prstGeom prst="line">
+            <a:avLst/>
+          </a:prstGeom>
+          <a:ln w="12700">
+            <a:solidFill>
+              <a:srgbClr val="92D050"/>
+            </a:solidFill>
+          </a:ln>
+        </p:spPr>
+        <p:style>
+          <a:lnRef idx="1">
+            <a:schemeClr val="accent2"/>
+          </a:lnRef>
+          <a:fillRef idx="0">
+            <a:schemeClr val="accent2"/>
+          </a:fillRef>
+          <a:effectRef idx="0">
+            <a:schemeClr val="accent2"/>
+          </a:effectRef>
+          <a:fontRef idx="minor">
+            <a:schemeClr val="tx1"/>
+          </a:fontRef>
+        </p:style>
+      </p:cxnSp>
+      <p:cxnSp>
+        <p:nvCxnSpPr>
+          <p:cNvPr id="28" name="Straight Connector 27">
+            <a:extLst>
+              <a:ext uri="{FF2B5EF4-FFF2-40B4-BE49-F238E27FC236}">
+                <a16:creationId xmlns:a16="http://schemas.microsoft.com/office/drawing/2014/main" id="{69707185-CE5E-8818-5FD4-10718CE7F480}"/>
+              </a:ext>
+            </a:extLst>
+          </p:cNvPr>
+          <p:cNvCxnSpPr>
+            <a:cxnSpLocks/>
+          </p:cNvCxnSpPr>
+          <p:nvPr/>
+        </p:nvCxnSpPr>
+        <p:spPr>
+          <a:xfrm flipH="1">
+            <a:off x="10932052" y="3622898"/>
+            <a:ext cx="471856" cy="368244"/>
+          </a:xfrm>
+          <a:prstGeom prst="line">
+            <a:avLst/>
+          </a:prstGeom>
+          <a:ln w="12700">
+            <a:solidFill>
+              <a:srgbClr val="92D050"/>
+            </a:solidFill>
+          </a:ln>
+        </p:spPr>
+        <p:style>
+          <a:lnRef idx="1">
+            <a:schemeClr val="accent2"/>
+          </a:lnRef>
+          <a:fillRef idx="0">
+            <a:schemeClr val="accent2"/>
+          </a:fillRef>
+          <a:effectRef idx="0">
+            <a:schemeClr val="accent2"/>
+          </a:effectRef>
+          <a:fontRef idx="minor">
+            <a:schemeClr val="tx1"/>
+          </a:fontRef>
+        </p:style>
+      </p:cxnSp>
+      <p:sp>
+        <p:nvSpPr>
+          <p:cNvPr id="33" name="Diamond 32">
+            <a:extLst>
+              <a:ext uri="{FF2B5EF4-FFF2-40B4-BE49-F238E27FC236}">
+                <a16:creationId xmlns:a16="http://schemas.microsoft.com/office/drawing/2014/main" id="{E180FAA4-1C3A-F060-92D8-FA9A66D08525}"/>
+              </a:ext>
+            </a:extLst>
+          </p:cNvPr>
+          <p:cNvSpPr/>
+          <p:nvPr/>
+        </p:nvSpPr>
+        <p:spPr>
+          <a:xfrm>
+            <a:off x="5203424" y="4649312"/>
+            <a:ext cx="1785150" cy="539509"/>
+          </a:xfrm>
+          <a:prstGeom prst="diamond">
+            <a:avLst/>
+          </a:prstGeom>
+        </p:spPr>
+        <p:style>
+          <a:lnRef idx="2">
+            <a:schemeClr val="accent1">
+              <a:shade val="50000"/>
+            </a:schemeClr>
+          </a:lnRef>
+          <a:fillRef idx="1">
+            <a:schemeClr val="accent1"/>
+          </a:fillRef>
+          <a:effectRef idx="0">
+            <a:schemeClr val="accent1"/>
+          </a:effectRef>
+          <a:fontRef idx="minor">
+            <a:schemeClr val="lt1"/>
+          </a:fontRef>
+        </p:style>
+        <p:txBody>
+          <a:bodyPr rtlCol="0" anchor="ctr"/>
+          <a:lstStyle/>
+          <a:p>
+            <a:pPr algn="ctr"/>
+            <a:r>
+              <a:rPr lang="en-US" sz="1050" dirty="0"/>
+              <a:t>repeat for certain steps</a:t>
+            </a:r>
+          </a:p>
+        </p:txBody>
+      </p:sp>
+      <p:cxnSp>
+        <p:nvCxnSpPr>
+          <p:cNvPr id="52" name="Straight Connector 51">
+            <a:extLst>
+              <a:ext uri="{FF2B5EF4-FFF2-40B4-BE49-F238E27FC236}">
+                <a16:creationId xmlns:a16="http://schemas.microsoft.com/office/drawing/2014/main" id="{AA4DFBA7-5B9E-3DCD-E6D2-B8DE6D825D6B}"/>
+              </a:ext>
+            </a:extLst>
+          </p:cNvPr>
+          <p:cNvCxnSpPr>
+            <a:cxnSpLocks/>
+          </p:cNvCxnSpPr>
+          <p:nvPr/>
+        </p:nvCxnSpPr>
+        <p:spPr>
+          <a:xfrm>
+            <a:off x="103855" y="1587525"/>
+            <a:ext cx="0" cy="3328005"/>
+          </a:xfrm>
+          <a:prstGeom prst="line">
+            <a:avLst/>
+          </a:prstGeom>
+          <a:ln w="28575"/>
+        </p:spPr>
+        <p:style>
+          <a:lnRef idx="1">
+            <a:schemeClr val="accent1"/>
+          </a:lnRef>
+          <a:fillRef idx="0">
+            <a:schemeClr val="accent1"/>
+          </a:fillRef>
+          <a:effectRef idx="0">
+            <a:schemeClr val="accent1"/>
+          </a:effectRef>
+          <a:fontRef idx="minor">
+            <a:schemeClr val="tx1"/>
+          </a:fontRef>
+        </p:style>
+      </p:cxnSp>
+      <p:sp>
+        <p:nvSpPr>
+          <p:cNvPr id="54" name="Diamond 53">
+            <a:extLst>
+              <a:ext uri="{FF2B5EF4-FFF2-40B4-BE49-F238E27FC236}">
+                <a16:creationId xmlns:a16="http://schemas.microsoft.com/office/drawing/2014/main" id="{E50EEAB2-8434-320E-198B-40F4B1C85C98}"/>
+              </a:ext>
+            </a:extLst>
+          </p:cNvPr>
+          <p:cNvSpPr/>
+          <p:nvPr/>
+        </p:nvSpPr>
+        <p:spPr>
+          <a:xfrm>
+            <a:off x="5303733" y="1298624"/>
+            <a:ext cx="1586518" cy="600600"/>
+          </a:xfrm>
+          <a:prstGeom prst="diamond">
+            <a:avLst/>
+          </a:prstGeom>
+        </p:spPr>
+        <p:style>
+          <a:lnRef idx="2">
+            <a:schemeClr val="accent1">
+              <a:shade val="50000"/>
+            </a:schemeClr>
+          </a:lnRef>
+          <a:fillRef idx="1">
+            <a:schemeClr val="accent1"/>
+          </a:fillRef>
+          <a:effectRef idx="0">
+            <a:schemeClr val="accent1"/>
+          </a:effectRef>
+          <a:fontRef idx="minor">
+            <a:schemeClr val="lt1"/>
+          </a:fontRef>
+        </p:style>
+        <p:txBody>
+          <a:bodyPr rtlCol="0" anchor="ctr"/>
+          <a:lstStyle/>
+          <a:p>
+            <a:pPr algn="ctr"/>
+            <a:r>
+              <a:rPr lang="en-US" sz="1050" dirty="0"/>
+              <a:t>start simulation step</a:t>
+            </a:r>
+          </a:p>
+        </p:txBody>
+      </p:sp>
+      <p:cxnSp>
+        <p:nvCxnSpPr>
+          <p:cNvPr id="56" name="Straight Connector 55">
+            <a:extLst>
+              <a:ext uri="{FF2B5EF4-FFF2-40B4-BE49-F238E27FC236}">
+                <a16:creationId xmlns:a16="http://schemas.microsoft.com/office/drawing/2014/main" id="{664FE50E-ADC7-0F61-0E7B-B6E102126AA8}"/>
+              </a:ext>
+            </a:extLst>
+          </p:cNvPr>
+          <p:cNvCxnSpPr>
+            <a:cxnSpLocks/>
+          </p:cNvCxnSpPr>
+          <p:nvPr/>
+        </p:nvCxnSpPr>
+        <p:spPr>
+          <a:xfrm flipH="1" flipV="1">
+            <a:off x="91440" y="1587525"/>
+            <a:ext cx="5143310" cy="9832"/>
+          </a:xfrm>
+          <a:prstGeom prst="line">
+            <a:avLst/>
+          </a:prstGeom>
+          <a:ln w="28575"/>
+        </p:spPr>
+        <p:style>
+          <a:lnRef idx="1">
+            <a:schemeClr val="accent1"/>
+          </a:lnRef>
+          <a:fillRef idx="0">
+            <a:schemeClr val="accent1"/>
+          </a:fillRef>
+          <a:effectRef idx="0">
+            <a:schemeClr val="accent1"/>
+          </a:effectRef>
+          <a:fontRef idx="minor">
+            <a:schemeClr val="tx1"/>
+          </a:fontRef>
+        </p:style>
+      </p:cxnSp>
+      <p:cxnSp>
+        <p:nvCxnSpPr>
+          <p:cNvPr id="60" name="Straight Arrow Connector 59">
+            <a:extLst>
+              <a:ext uri="{FF2B5EF4-FFF2-40B4-BE49-F238E27FC236}">
+                <a16:creationId xmlns:a16="http://schemas.microsoft.com/office/drawing/2014/main" id="{F269F86D-20DE-B768-6D56-D77692DE329C}"/>
+              </a:ext>
+            </a:extLst>
+          </p:cNvPr>
+          <p:cNvCxnSpPr>
+            <a:cxnSpLocks/>
+          </p:cNvCxnSpPr>
+          <p:nvPr/>
+        </p:nvCxnSpPr>
+        <p:spPr>
+          <a:xfrm>
+            <a:off x="5234750" y="1597357"/>
+            <a:ext cx="59306" cy="0"/>
+          </a:xfrm>
+          <a:prstGeom prst="straightConnector1">
+            <a:avLst/>
+          </a:prstGeom>
+          <a:ln w="12700">
+            <a:tailEnd type="triangle"/>
+          </a:ln>
+        </p:spPr>
+        <p:style>
+          <a:lnRef idx="1">
+            <a:schemeClr val="accent1"/>
+          </a:lnRef>
+          <a:fillRef idx="0">
+            <a:schemeClr val="accent1"/>
+          </a:fillRef>
+          <a:effectRef idx="0">
+            <a:schemeClr val="accent1"/>
+          </a:effectRef>
+          <a:fontRef idx="minor">
+            <a:schemeClr val="tx1"/>
+          </a:fontRef>
+        </p:style>
+      </p:cxnSp>
+      <p:sp>
+        <p:nvSpPr>
+          <p:cNvPr id="69" name="Left Brace 68">
+            <a:extLst>
+              <a:ext uri="{FF2B5EF4-FFF2-40B4-BE49-F238E27FC236}">
+                <a16:creationId xmlns:a16="http://schemas.microsoft.com/office/drawing/2014/main" id="{D860969B-2DA5-6AEB-6D56-28DCEF582186}"/>
+              </a:ext>
+            </a:extLst>
+          </p:cNvPr>
+          <p:cNvSpPr/>
+          <p:nvPr/>
+        </p:nvSpPr>
+        <p:spPr>
+          <a:xfrm rot="5400000">
+            <a:off x="6023785" y="-757376"/>
+            <a:ext cx="131731" cy="5466768"/>
+          </a:xfrm>
+          <a:prstGeom prst="leftBrace">
+            <a:avLst>
+              <a:gd name="adj1" fmla="val 67632"/>
+              <a:gd name="adj2" fmla="val 49916"/>
+            </a:avLst>
+          </a:prstGeom>
+          <a:ln w="19050"/>
+        </p:spPr>
+        <p:style>
+          <a:lnRef idx="1">
+            <a:schemeClr val="accent1"/>
+          </a:lnRef>
+          <a:fillRef idx="0">
+            <a:schemeClr val="accent1"/>
+          </a:fillRef>
+          <a:effectRef idx="0">
+            <a:schemeClr val="accent1"/>
+          </a:effectRef>
+          <a:fontRef idx="minor">
+            <a:schemeClr val="tx1"/>
+          </a:fontRef>
+        </p:style>
+        <p:txBody>
+          <a:bodyPr rtlCol="0" anchor="ctr"/>
+          <a:lstStyle/>
+          <a:p>
+            <a:pPr algn="ctr"/>
+            <a:endParaRPr lang="en-US"/>
+          </a:p>
+        </p:txBody>
+      </p:sp>
+      <p:cxnSp>
+        <p:nvCxnSpPr>
+          <p:cNvPr id="70" name="Straight Arrow Connector 69">
+            <a:extLst>
+              <a:ext uri="{FF2B5EF4-FFF2-40B4-BE49-F238E27FC236}">
+                <a16:creationId xmlns:a16="http://schemas.microsoft.com/office/drawing/2014/main" id="{C61C8137-22BB-91DD-4457-0ADA4ED08222}"/>
+              </a:ext>
+            </a:extLst>
+          </p:cNvPr>
+          <p:cNvCxnSpPr>
+            <a:cxnSpLocks/>
+            <a:stCxn id="35" idx="2"/>
+            <a:endCxn id="54" idx="0"/>
+          </p:cNvCxnSpPr>
+          <p:nvPr/>
+        </p:nvCxnSpPr>
+        <p:spPr>
+          <a:xfrm>
+            <a:off x="6092911" y="1163960"/>
+            <a:ext cx="4081" cy="134664"/>
+          </a:xfrm>
+          <a:prstGeom prst="straightConnector1">
+            <a:avLst/>
+          </a:prstGeom>
+          <a:ln w="19050">
+            <a:tailEnd type="triangle"/>
+          </a:ln>
+        </p:spPr>
+        <p:style>
+          <a:lnRef idx="1">
+            <a:schemeClr val="accent1"/>
+          </a:lnRef>
+          <a:fillRef idx="0">
+            <a:schemeClr val="accent1"/>
+          </a:fillRef>
+          <a:effectRef idx="0">
+            <a:schemeClr val="accent1"/>
+          </a:effectRef>
+          <a:fontRef idx="minor">
+            <a:schemeClr val="tx1"/>
+          </a:fontRef>
+        </p:style>
+      </p:cxnSp>
+      <mc:AlternateContent xmlns:mc="http://schemas.openxmlformats.org/markup-compatibility/2006" xmlns:a14="http://schemas.microsoft.com/office/drawing/2010/main">
+        <mc:Choice Requires="a14">
+          <p:sp>
+            <p:nvSpPr>
+              <p:cNvPr id="35" name="Rectangle 34">
+                <a:extLst>
+                  <a:ext uri="{FF2B5EF4-FFF2-40B4-BE49-F238E27FC236}">
+                    <a16:creationId xmlns:a16="http://schemas.microsoft.com/office/drawing/2014/main" id="{011E2AED-A7C3-CDCD-B3D7-D94397E9F3EC}"/>
+                  </a:ext>
+                </a:extLst>
+              </p:cNvPr>
+              <p:cNvSpPr/>
+              <p:nvPr/>
+            </p:nvSpPr>
+            <p:spPr>
+              <a:xfrm>
+                <a:off x="4716818" y="780441"/>
+                <a:ext cx="2752186" cy="383519"/>
+              </a:xfrm>
+              <a:prstGeom prst="rect">
+                <a:avLst/>
+              </a:prstGeom>
+            </p:spPr>
+            <p:style>
+              <a:lnRef idx="2">
+                <a:schemeClr val="accent1">
+                  <a:shade val="50000"/>
+                </a:schemeClr>
+              </a:lnRef>
+              <a:fillRef idx="1">
+                <a:schemeClr val="accent1"/>
+              </a:fillRef>
+              <a:effectRef idx="0">
+                <a:schemeClr val="accent1"/>
+              </a:effectRef>
+              <a:fontRef idx="minor">
+                <a:schemeClr val="lt1"/>
+              </a:fontRef>
+            </p:style>
+            <p:txBody>
+              <a:bodyPr rtlCol="0" anchor="ctr"/>
+              <a:lstStyle/>
+              <a:p>
+                <a:pPr algn="ctr"/>
+                <a:r>
+                  <a:rPr lang="en-US" sz="1100" dirty="0"/>
+                  <a:t>generate </a:t>
+                </a:r>
+                <a14:m>
+                  <m:oMath xmlns:m="http://schemas.openxmlformats.org/officeDocument/2006/math">
+                    <m:r>
+                      <a:rPr lang="en-US" sz="1100" i="1" dirty="0" smtClean="0">
+                        <a:latin typeface="Cambria Math" panose="02040503050406030204" pitchFamily="18" charset="0"/>
+                      </a:rPr>
+                      <m:t>𝑛</m:t>
+                    </m:r>
+                    <m:r>
+                      <a:rPr lang="en-US" sz="1100" i="1" dirty="0" smtClean="0">
+                        <a:latin typeface="Cambria Math" panose="02040503050406030204" pitchFamily="18" charset="0"/>
+                      </a:rPr>
+                      <m:t> </m:t>
+                    </m:r>
+                  </m:oMath>
+                </a14:m>
+                <a:r>
+                  <a:rPr lang="en-US" sz="1100" dirty="0"/>
+                  <a:t>agents and match their attributes with their socioeconomic statues</a:t>
+                </a:r>
+              </a:p>
+            </p:txBody>
+          </p:sp>
+        </mc:Choice>
+        <mc:Fallback xmlns="">
+          <p:sp>
+            <p:nvSpPr>
+              <p:cNvPr id="35" name="Rectangle 34">
+                <a:extLst>
+                  <a:ext uri="{FF2B5EF4-FFF2-40B4-BE49-F238E27FC236}">
+                    <a16:creationId xmlns:a16="http://schemas.microsoft.com/office/drawing/2014/main" id="{011E2AED-A7C3-CDCD-B3D7-D94397E9F3EC}"/>
+                  </a:ext>
+                </a:extLst>
+              </p:cNvPr>
+              <p:cNvSpPr>
+                <a:spLocks noRot="1" noChangeAspect="1" noMove="1" noResize="1" noEditPoints="1" noAdjustHandles="1" noChangeArrowheads="1" noChangeShapeType="1" noTextEdit="1"/>
+              </p:cNvSpPr>
+              <p:nvPr/>
+            </p:nvSpPr>
+            <p:spPr>
+              <a:xfrm>
+                <a:off x="4716818" y="780441"/>
+                <a:ext cx="2752186" cy="383519"/>
+              </a:xfrm>
+              <a:prstGeom prst="rect">
+                <a:avLst/>
+              </a:prstGeom>
+              <a:blipFill>
+                <a:blip r:embed="rId15"/>
+                <a:stretch>
+                  <a:fillRect r="-459" b="-9091"/>
+                </a:stretch>
+              </a:blipFill>
+            </p:spPr>
+            <p:txBody>
+              <a:bodyPr/>
+              <a:lstStyle/>
+              <a:p>
+                <a:r>
+                  <a:rPr lang="en-US">
+                    <a:noFill/>
+                  </a:rPr>
+                  <a:t> </a:t>
+                </a:r>
+              </a:p>
+            </p:txBody>
+          </p:sp>
+        </mc:Fallback>
+      </mc:AlternateContent>
+    </p:spTree>
+    <p:extLst>
+      <p:ext uri="{BB962C8B-B14F-4D97-AF65-F5344CB8AC3E}">
+        <p14:creationId xmlns:p14="http://schemas.microsoft.com/office/powerpoint/2010/main" val="900535682"/>
+      </p:ext>
+    </p:extLst>
+  </p:cSld>
+  <p:clrMapOvr>
+    <a:masterClrMapping/>
+  </p:clrMapOvr>
+</p:sld>
+</file>
+
+<file path=ppt/slides/slide3.xml><?xml version="1.0" encoding="utf-8"?>
+<p:sld xmlns:a="http://schemas.openxmlformats.org/drawingml/2006/main" xmlns:r="http://schemas.openxmlformats.org/officeDocument/2006/relationships" xmlns:p="http://schemas.openxmlformats.org/presentationml/2006/main">
+  <p:cSld>
+    <p:spTree>
+      <p:nvGrpSpPr>
+        <p:cNvPr id="1" name=""/>
+        <p:cNvGrpSpPr/>
+        <p:nvPr/>
+      </p:nvGrpSpPr>
+      <p:grpSpPr>
+        <a:xfrm>
+          <a:off x="0" y="0"/>
+          <a:ext cx="0" cy="0"/>
+          <a:chOff x="0" y="0"/>
+          <a:chExt cx="0" cy="0"/>
+        </a:xfrm>
+      </p:grpSpPr>
+      <p:cxnSp>
+        <p:nvCxnSpPr>
+          <p:cNvPr id="40" name="Straight Connector 39">
+            <a:extLst>
+              <a:ext uri="{FF2B5EF4-FFF2-40B4-BE49-F238E27FC236}">
+                <a16:creationId xmlns:a16="http://schemas.microsoft.com/office/drawing/2014/main" id="{9419FD4D-2714-EA11-97E6-CF6E33E98876}"/>
+              </a:ext>
+            </a:extLst>
+          </p:cNvPr>
+          <p:cNvCxnSpPr>
+            <a:cxnSpLocks/>
+          </p:cNvCxnSpPr>
+          <p:nvPr/>
+        </p:nvCxnSpPr>
+        <p:spPr>
+          <a:xfrm flipH="1">
+            <a:off x="91440" y="4915531"/>
+            <a:ext cx="5169859" cy="0"/>
+          </a:xfrm>
+          <a:prstGeom prst="line">
+            <a:avLst/>
+          </a:prstGeom>
+          <a:ln w="28575"/>
+        </p:spPr>
+        <p:style>
+          <a:lnRef idx="1">
+            <a:schemeClr val="accent1"/>
+          </a:lnRef>
+          <a:fillRef idx="0">
+            <a:schemeClr val="accent1"/>
+          </a:fillRef>
+          <a:effectRef idx="0">
+            <a:schemeClr val="accent1"/>
+          </a:effectRef>
+          <a:fontRef idx="minor">
+            <a:schemeClr val="tx1"/>
+          </a:fontRef>
+        </p:style>
+      </p:cxnSp>
+      <p:sp>
+        <p:nvSpPr>
+          <p:cNvPr id="79" name="TextBox 78">
+            <a:extLst>
+              <a:ext uri="{FF2B5EF4-FFF2-40B4-BE49-F238E27FC236}">
+                <a16:creationId xmlns:a16="http://schemas.microsoft.com/office/drawing/2014/main" id="{41825156-3741-57AB-8DE7-8A9C1EF98AB0}"/>
+              </a:ext>
+            </a:extLst>
+          </p:cNvPr>
+          <p:cNvSpPr txBox="1"/>
+          <p:nvPr/>
+        </p:nvSpPr>
+        <p:spPr>
+          <a:xfrm>
+            <a:off x="1855714" y="3766751"/>
+            <a:ext cx="1310359" cy="276999"/>
+          </a:xfrm>
+          <a:prstGeom prst="rect">
+            <a:avLst/>
+          </a:prstGeom>
+          <a:noFill/>
+        </p:spPr>
+        <p:txBody>
+          <a:bodyPr wrap="none" rtlCol="0">
+            <a:spAutoFit/>
+          </a:bodyPr>
+          <a:lstStyle/>
+          <a:p>
+            <a:r>
+              <a:rPr lang="en-US" sz="1200" dirty="0"/>
+              <a:t>network structure</a:t>
+            </a:r>
+          </a:p>
+        </p:txBody>
+      </p:sp>
+      <p:sp>
+        <p:nvSpPr>
+          <p:cNvPr id="80" name="TextBox 79">
+            <a:extLst>
+              <a:ext uri="{FF2B5EF4-FFF2-40B4-BE49-F238E27FC236}">
+                <a16:creationId xmlns:a16="http://schemas.microsoft.com/office/drawing/2014/main" id="{786B57FE-E603-A8A3-58E9-9F6F2270AD96}"/>
+              </a:ext>
+            </a:extLst>
+          </p:cNvPr>
+          <p:cNvSpPr txBox="1"/>
+          <p:nvPr/>
+        </p:nvSpPr>
+        <p:spPr>
+          <a:xfrm>
+            <a:off x="2019893" y="3290500"/>
+            <a:ext cx="1042914" cy="276999"/>
+          </a:xfrm>
+          <a:prstGeom prst="rect">
+            <a:avLst/>
+          </a:prstGeom>
+          <a:noFill/>
+        </p:spPr>
+        <p:txBody>
+          <a:bodyPr wrap="none" rtlCol="0">
+            <a:spAutoFit/>
+          </a:bodyPr>
+          <a:lstStyle/>
+          <a:p>
+            <a:r>
+              <a:rPr lang="en-US" sz="1200" dirty="0"/>
+              <a:t>market nodes</a:t>
+            </a:r>
+          </a:p>
+        </p:txBody>
+      </p:sp>
+      <p:sp>
+        <p:nvSpPr>
+          <p:cNvPr id="81" name="TextBox 80">
+            <a:extLst>
+              <a:ext uri="{FF2B5EF4-FFF2-40B4-BE49-F238E27FC236}">
+                <a16:creationId xmlns:a16="http://schemas.microsoft.com/office/drawing/2014/main" id="{D5E2B30A-41F3-C3F1-BE65-4C88A4140FCB}"/>
+              </a:ext>
+            </a:extLst>
+          </p:cNvPr>
+          <p:cNvSpPr txBox="1"/>
+          <p:nvPr/>
+        </p:nvSpPr>
+        <p:spPr>
+          <a:xfrm>
+            <a:off x="1855713" y="2846364"/>
+            <a:ext cx="1310359" cy="276999"/>
+          </a:xfrm>
+          <a:prstGeom prst="rect">
+            <a:avLst/>
+          </a:prstGeom>
+          <a:noFill/>
+        </p:spPr>
+        <p:txBody>
+          <a:bodyPr wrap="none" rtlCol="0">
+            <a:spAutoFit/>
+          </a:bodyPr>
+          <a:lstStyle/>
+          <a:p>
+            <a:r>
+              <a:rPr lang="en-US" sz="1200" dirty="0"/>
+              <a:t>network structure</a:t>
+            </a:r>
+          </a:p>
+        </p:txBody>
+      </p:sp>
+      <p:sp>
+        <p:nvSpPr>
+          <p:cNvPr id="82" name="TextBox 81">
+            <a:extLst>
+              <a:ext uri="{FF2B5EF4-FFF2-40B4-BE49-F238E27FC236}">
+                <a16:creationId xmlns:a16="http://schemas.microsoft.com/office/drawing/2014/main" id="{841827B2-9EFE-7DFB-39EF-2EBB91C8BEA8}"/>
+              </a:ext>
+            </a:extLst>
+          </p:cNvPr>
+          <p:cNvSpPr txBox="1"/>
+          <p:nvPr/>
+        </p:nvSpPr>
+        <p:spPr>
+          <a:xfrm>
+            <a:off x="1799066" y="2382626"/>
+            <a:ext cx="1469313" cy="276999"/>
+          </a:xfrm>
+          <a:prstGeom prst="rect">
+            <a:avLst/>
+          </a:prstGeom>
+          <a:noFill/>
+        </p:spPr>
+        <p:txBody>
+          <a:bodyPr wrap="none" rtlCol="0">
+            <a:spAutoFit/>
+          </a:bodyPr>
+          <a:lstStyle/>
+          <a:p>
+            <a:r>
+              <a:rPr lang="en-US" sz="1200" dirty="0"/>
+              <a:t>cost/benefit analysis</a:t>
+            </a:r>
+          </a:p>
+        </p:txBody>
+      </p:sp>
+      <p:sp>
+        <p:nvSpPr>
+          <p:cNvPr id="83" name="TextBox 82">
+            <a:extLst>
+              <a:ext uri="{FF2B5EF4-FFF2-40B4-BE49-F238E27FC236}">
+                <a16:creationId xmlns:a16="http://schemas.microsoft.com/office/drawing/2014/main" id="{40094AC8-F951-B771-6FCC-34E1F5843D94}"/>
+              </a:ext>
+            </a:extLst>
+          </p:cNvPr>
+          <p:cNvSpPr txBox="1"/>
+          <p:nvPr/>
+        </p:nvSpPr>
+        <p:spPr>
+          <a:xfrm>
+            <a:off x="8986399" y="4241904"/>
+            <a:ext cx="1310359" cy="276999"/>
+          </a:xfrm>
+          <a:prstGeom prst="rect">
+            <a:avLst/>
+          </a:prstGeom>
+          <a:noFill/>
+        </p:spPr>
+        <p:txBody>
+          <a:bodyPr wrap="none" rtlCol="0">
+            <a:spAutoFit/>
+          </a:bodyPr>
+          <a:lstStyle/>
+          <a:p>
+            <a:r>
+              <a:rPr lang="en-US" sz="1200" dirty="0"/>
+              <a:t>network structure</a:t>
+            </a:r>
+          </a:p>
+        </p:txBody>
+      </p:sp>
+      <p:sp>
+        <p:nvSpPr>
+          <p:cNvPr id="88" name="TextBox 87">
+            <a:extLst>
+              <a:ext uri="{FF2B5EF4-FFF2-40B4-BE49-F238E27FC236}">
+                <a16:creationId xmlns:a16="http://schemas.microsoft.com/office/drawing/2014/main" id="{21C80171-1731-D9BB-998E-25356C0144D9}"/>
+              </a:ext>
+            </a:extLst>
+          </p:cNvPr>
+          <p:cNvSpPr txBox="1"/>
+          <p:nvPr/>
+        </p:nvSpPr>
+        <p:spPr>
+          <a:xfrm>
+            <a:off x="9172143" y="3758134"/>
+            <a:ext cx="1033168" cy="276999"/>
+          </a:xfrm>
+          <a:prstGeom prst="rect">
+            <a:avLst/>
+          </a:prstGeom>
+          <a:noFill/>
+        </p:spPr>
+        <p:txBody>
+          <a:bodyPr wrap="none" rtlCol="0">
+            <a:spAutoFit/>
+          </a:bodyPr>
+          <a:lstStyle/>
+          <a:p>
+            <a:r>
+              <a:rPr lang="en-US" sz="1200" dirty="0"/>
+              <a:t>agents’ home</a:t>
+            </a:r>
+          </a:p>
+        </p:txBody>
+      </p:sp>
+      <p:sp>
+        <p:nvSpPr>
+          <p:cNvPr id="90" name="TextBox 89">
+            <a:extLst>
+              <a:ext uri="{FF2B5EF4-FFF2-40B4-BE49-F238E27FC236}">
+                <a16:creationId xmlns:a16="http://schemas.microsoft.com/office/drawing/2014/main" id="{9EA7C4F8-3A7E-3F10-3535-C9C90B032F23}"/>
+              </a:ext>
+            </a:extLst>
+          </p:cNvPr>
+          <p:cNvSpPr txBox="1"/>
+          <p:nvPr/>
+        </p:nvSpPr>
+        <p:spPr>
+          <a:xfrm>
+            <a:off x="9178784" y="3325748"/>
+            <a:ext cx="951414" cy="276999"/>
+          </a:xfrm>
+          <a:prstGeom prst="rect">
+            <a:avLst/>
+          </a:prstGeom>
+          <a:noFill/>
+        </p:spPr>
+        <p:txBody>
+          <a:bodyPr wrap="none" rtlCol="0">
+            <a:spAutoFit/>
+          </a:bodyPr>
+          <a:lstStyle/>
+          <a:p>
+            <a:r>
+              <a:rPr lang="en-US" sz="1200" dirty="0"/>
+              <a:t>agent nodes</a:t>
+            </a:r>
+          </a:p>
+        </p:txBody>
+      </p:sp>
+      <p:sp>
+        <p:nvSpPr>
+          <p:cNvPr id="92" name="TextBox 91">
+            <a:extLst>
+              <a:ext uri="{FF2B5EF4-FFF2-40B4-BE49-F238E27FC236}">
+                <a16:creationId xmlns:a16="http://schemas.microsoft.com/office/drawing/2014/main" id="{3C0F3EC9-08DE-CA45-DD7B-A383BBC9BA06}"/>
+              </a:ext>
+            </a:extLst>
+          </p:cNvPr>
+          <p:cNvSpPr txBox="1"/>
+          <p:nvPr/>
+        </p:nvSpPr>
+        <p:spPr>
+          <a:xfrm>
+            <a:off x="8931652" y="2382626"/>
+            <a:ext cx="1469313" cy="276999"/>
+          </a:xfrm>
+          <a:prstGeom prst="rect">
+            <a:avLst/>
+          </a:prstGeom>
+          <a:noFill/>
+        </p:spPr>
+        <p:txBody>
+          <a:bodyPr wrap="none" rtlCol="0">
+            <a:spAutoFit/>
+          </a:bodyPr>
+          <a:lstStyle/>
+          <a:p>
+            <a:r>
+              <a:rPr lang="en-US" sz="1200" dirty="0"/>
+              <a:t>cost/benefit analysis</a:t>
+            </a:r>
+          </a:p>
+        </p:txBody>
+      </p:sp>
+      <p:cxnSp>
+        <p:nvCxnSpPr>
+          <p:cNvPr id="95" name="Straight Arrow Connector 94">
+            <a:extLst>
+              <a:ext uri="{FF2B5EF4-FFF2-40B4-BE49-F238E27FC236}">
+                <a16:creationId xmlns:a16="http://schemas.microsoft.com/office/drawing/2014/main" id="{BE0C2CDD-188D-7A0E-ACB0-2A5A8B76270A}"/>
+              </a:ext>
+            </a:extLst>
+          </p:cNvPr>
+          <p:cNvCxnSpPr/>
+          <p:nvPr/>
+        </p:nvCxnSpPr>
+        <p:spPr>
+          <a:xfrm>
+            <a:off x="6095999" y="4544675"/>
+            <a:ext cx="0" cy="104433"/>
+          </a:xfrm>
+          <a:prstGeom prst="straightConnector1">
+            <a:avLst/>
+          </a:prstGeom>
+          <a:ln w="19050">
+            <a:tailEnd type="triangle"/>
+          </a:ln>
+        </p:spPr>
+        <p:style>
+          <a:lnRef idx="1">
+            <a:schemeClr val="accent1"/>
+          </a:lnRef>
+          <a:fillRef idx="0">
+            <a:schemeClr val="accent1"/>
+          </a:fillRef>
+          <a:effectRef idx="0">
+            <a:schemeClr val="accent1"/>
+          </a:effectRef>
+          <a:fontRef idx="minor">
+            <a:schemeClr val="tx1"/>
+          </a:fontRef>
+        </p:style>
+      </p:cxnSp>
+      <p:cxnSp>
+        <p:nvCxnSpPr>
+          <p:cNvPr id="26" name="Straight Arrow Connector 25">
+            <a:extLst>
+              <a:ext uri="{FF2B5EF4-FFF2-40B4-BE49-F238E27FC236}">
+                <a16:creationId xmlns:a16="http://schemas.microsoft.com/office/drawing/2014/main" id="{5F278E44-49D5-BACE-5071-1EA7045C0192}"/>
+              </a:ext>
+            </a:extLst>
+          </p:cNvPr>
+          <p:cNvCxnSpPr>
+            <a:stCxn id="5" idx="2"/>
+            <a:endCxn id="9" idx="0"/>
+          </p:cNvCxnSpPr>
+          <p:nvPr/>
+        </p:nvCxnSpPr>
+        <p:spPr>
+          <a:xfrm>
+            <a:off x="8160770" y="2727257"/>
+            <a:ext cx="0" cy="76081"/>
+          </a:xfrm>
+          <a:prstGeom prst="straightConnector1">
+            <a:avLst/>
+          </a:prstGeom>
+          <a:ln w="19050">
+            <a:tailEnd type="triangle"/>
+          </a:ln>
+        </p:spPr>
+        <p:style>
+          <a:lnRef idx="1">
+            <a:schemeClr val="accent1"/>
+          </a:lnRef>
+          <a:fillRef idx="0">
+            <a:schemeClr val="accent1"/>
+          </a:fillRef>
+          <a:effectRef idx="0">
+            <a:schemeClr val="accent1"/>
+          </a:effectRef>
+          <a:fontRef idx="minor">
+            <a:schemeClr val="tx1"/>
+          </a:fontRef>
+        </p:style>
+      </p:cxnSp>
+      <p:cxnSp>
+        <p:nvCxnSpPr>
+          <p:cNvPr id="34" name="Straight Arrow Connector 33">
+            <a:extLst>
+              <a:ext uri="{FF2B5EF4-FFF2-40B4-BE49-F238E27FC236}">
+                <a16:creationId xmlns:a16="http://schemas.microsoft.com/office/drawing/2014/main" id="{AB1AD351-153D-841E-185F-FF9A3FC08DC6}"/>
+              </a:ext>
+            </a:extLst>
+          </p:cNvPr>
+          <p:cNvCxnSpPr>
+            <a:stCxn id="3" idx="2"/>
+            <a:endCxn id="7" idx="0"/>
+          </p:cNvCxnSpPr>
+          <p:nvPr/>
+        </p:nvCxnSpPr>
+        <p:spPr>
+          <a:xfrm>
+            <a:off x="5486442" y="2727257"/>
+            <a:ext cx="0" cy="76081"/>
+          </a:xfrm>
+          <a:prstGeom prst="straightConnector1">
+            <a:avLst/>
+          </a:prstGeom>
+          <a:ln w="19050">
+            <a:tailEnd type="triangle"/>
+          </a:ln>
+        </p:spPr>
+        <p:style>
+          <a:lnRef idx="1">
+            <a:schemeClr val="accent1"/>
+          </a:lnRef>
+          <a:fillRef idx="0">
+            <a:schemeClr val="accent1"/>
+          </a:fillRef>
+          <a:effectRef idx="0">
+            <a:schemeClr val="accent1"/>
+          </a:effectRef>
+          <a:fontRef idx="minor">
+            <a:schemeClr val="tx1"/>
+          </a:fontRef>
+        </p:style>
+      </p:cxnSp>
+      <p:cxnSp>
+        <p:nvCxnSpPr>
+          <p:cNvPr id="36" name="Straight Arrow Connector 35">
+            <a:extLst>
+              <a:ext uri="{FF2B5EF4-FFF2-40B4-BE49-F238E27FC236}">
+                <a16:creationId xmlns:a16="http://schemas.microsoft.com/office/drawing/2014/main" id="{3A175623-7B4A-B2C2-0607-E4C9E633830C}"/>
+              </a:ext>
+            </a:extLst>
+          </p:cNvPr>
+          <p:cNvCxnSpPr>
+            <a:stCxn id="2" idx="2"/>
+            <a:endCxn id="6" idx="0"/>
+          </p:cNvCxnSpPr>
+          <p:nvPr/>
+        </p:nvCxnSpPr>
+        <p:spPr>
+          <a:xfrm>
+            <a:off x="4031231" y="2727257"/>
+            <a:ext cx="0" cy="76081"/>
+          </a:xfrm>
+          <a:prstGeom prst="straightConnector1">
+            <a:avLst/>
+          </a:prstGeom>
+          <a:ln w="19050">
+            <a:tailEnd type="triangle"/>
+          </a:ln>
+        </p:spPr>
+        <p:style>
+          <a:lnRef idx="1">
+            <a:schemeClr val="accent1"/>
+          </a:lnRef>
+          <a:fillRef idx="0">
+            <a:schemeClr val="accent1"/>
+          </a:fillRef>
+          <a:effectRef idx="0">
+            <a:schemeClr val="accent1"/>
+          </a:effectRef>
+          <a:fontRef idx="minor">
+            <a:schemeClr val="tx1"/>
+          </a:fontRef>
+        </p:style>
+      </p:cxnSp>
+      <p:cxnSp>
+        <p:nvCxnSpPr>
+          <p:cNvPr id="39" name="Straight Arrow Connector 38">
+            <a:extLst>
+              <a:ext uri="{FF2B5EF4-FFF2-40B4-BE49-F238E27FC236}">
+                <a16:creationId xmlns:a16="http://schemas.microsoft.com/office/drawing/2014/main" id="{B4E56C92-EC3E-E6ED-947B-C4F884E42EE6}"/>
+              </a:ext>
+            </a:extLst>
+          </p:cNvPr>
+          <p:cNvCxnSpPr/>
+          <p:nvPr/>
+        </p:nvCxnSpPr>
+        <p:spPr>
+          <a:xfrm>
+            <a:off x="8157226" y="3162096"/>
+            <a:ext cx="0" cy="104433"/>
+          </a:xfrm>
+          <a:prstGeom prst="straightConnector1">
+            <a:avLst/>
+          </a:prstGeom>
+          <a:ln w="19050">
+            <a:tailEnd type="triangle"/>
+          </a:ln>
+        </p:spPr>
+        <p:style>
+          <a:lnRef idx="1">
+            <a:schemeClr val="accent1"/>
+          </a:lnRef>
+          <a:fillRef idx="0">
+            <a:schemeClr val="accent1"/>
+          </a:fillRef>
+          <a:effectRef idx="0">
+            <a:schemeClr val="accent1"/>
+          </a:effectRef>
+          <a:fontRef idx="minor">
+            <a:schemeClr val="tx1"/>
+          </a:fontRef>
+        </p:style>
+      </p:cxnSp>
+      <p:cxnSp>
+        <p:nvCxnSpPr>
+          <p:cNvPr id="41" name="Straight Arrow Connector 40">
+            <a:extLst>
+              <a:ext uri="{FF2B5EF4-FFF2-40B4-BE49-F238E27FC236}">
+                <a16:creationId xmlns:a16="http://schemas.microsoft.com/office/drawing/2014/main" id="{E6C2A6B7-6624-AE39-D836-5C79C78E8813}"/>
+              </a:ext>
+            </a:extLst>
+          </p:cNvPr>
+          <p:cNvCxnSpPr/>
+          <p:nvPr/>
+        </p:nvCxnSpPr>
+        <p:spPr>
+          <a:xfrm>
+            <a:off x="5482898" y="3162096"/>
+            <a:ext cx="0" cy="104433"/>
+          </a:xfrm>
+          <a:prstGeom prst="straightConnector1">
+            <a:avLst/>
+          </a:prstGeom>
+          <a:ln w="19050">
+            <a:tailEnd type="triangle"/>
+          </a:ln>
+        </p:spPr>
+        <p:style>
+          <a:lnRef idx="1">
+            <a:schemeClr val="accent1"/>
+          </a:lnRef>
+          <a:fillRef idx="0">
+            <a:schemeClr val="accent1"/>
+          </a:fillRef>
+          <a:effectRef idx="0">
+            <a:schemeClr val="accent1"/>
+          </a:effectRef>
+          <a:fontRef idx="minor">
+            <a:schemeClr val="tx1"/>
+          </a:fontRef>
+        </p:style>
+      </p:cxnSp>
+      <p:cxnSp>
+        <p:nvCxnSpPr>
+          <p:cNvPr id="42" name="Straight Arrow Connector 41">
+            <a:extLst>
+              <a:ext uri="{FF2B5EF4-FFF2-40B4-BE49-F238E27FC236}">
+                <a16:creationId xmlns:a16="http://schemas.microsoft.com/office/drawing/2014/main" id="{236CD8AA-5ECE-1A6F-1C28-C5053E30D663}"/>
+              </a:ext>
+            </a:extLst>
+          </p:cNvPr>
+          <p:cNvCxnSpPr/>
+          <p:nvPr/>
+        </p:nvCxnSpPr>
+        <p:spPr>
+          <a:xfrm>
+            <a:off x="4027687" y="3162096"/>
+            <a:ext cx="0" cy="104433"/>
+          </a:xfrm>
+          <a:prstGeom prst="straightConnector1">
+            <a:avLst/>
+          </a:prstGeom>
+          <a:ln w="19050">
+            <a:tailEnd type="triangle"/>
+          </a:ln>
+        </p:spPr>
+        <p:style>
+          <a:lnRef idx="1">
+            <a:schemeClr val="accent1"/>
+          </a:lnRef>
+          <a:fillRef idx="0">
+            <a:schemeClr val="accent1"/>
+          </a:fillRef>
+          <a:effectRef idx="0">
+            <a:schemeClr val="accent1"/>
+          </a:effectRef>
+          <a:fontRef idx="minor">
+            <a:schemeClr val="tx1"/>
+          </a:fontRef>
+        </p:style>
+      </p:cxnSp>
+      <p:cxnSp>
+        <p:nvCxnSpPr>
+          <p:cNvPr id="43" name="Straight Arrow Connector 42">
+            <a:extLst>
+              <a:ext uri="{FF2B5EF4-FFF2-40B4-BE49-F238E27FC236}">
+                <a16:creationId xmlns:a16="http://schemas.microsoft.com/office/drawing/2014/main" id="{EC60CD81-0099-0C6D-45F9-CDB4BFBFBB1C}"/>
+              </a:ext>
+            </a:extLst>
+          </p:cNvPr>
+          <p:cNvCxnSpPr/>
+          <p:nvPr/>
+        </p:nvCxnSpPr>
+        <p:spPr>
+          <a:xfrm>
+            <a:off x="8154673" y="3621696"/>
+            <a:ext cx="0" cy="104433"/>
+          </a:xfrm>
+          <a:prstGeom prst="straightConnector1">
+            <a:avLst/>
+          </a:prstGeom>
+          <a:ln w="19050">
+            <a:tailEnd type="triangle"/>
+          </a:ln>
+        </p:spPr>
+        <p:style>
+          <a:lnRef idx="1">
+            <a:schemeClr val="accent1"/>
+          </a:lnRef>
+          <a:fillRef idx="0">
+            <a:schemeClr val="accent1"/>
+          </a:fillRef>
+          <a:effectRef idx="0">
+            <a:schemeClr val="accent1"/>
+          </a:effectRef>
+          <a:fontRef idx="minor">
+            <a:schemeClr val="tx1"/>
+          </a:fontRef>
+        </p:style>
+      </p:cxnSp>
+      <p:cxnSp>
+        <p:nvCxnSpPr>
+          <p:cNvPr id="45" name="Straight Arrow Connector 44">
+            <a:extLst>
+              <a:ext uri="{FF2B5EF4-FFF2-40B4-BE49-F238E27FC236}">
+                <a16:creationId xmlns:a16="http://schemas.microsoft.com/office/drawing/2014/main" id="{09E1B355-570E-7D94-6E78-5EA9FE6B1353}"/>
+              </a:ext>
+            </a:extLst>
+          </p:cNvPr>
+          <p:cNvCxnSpPr/>
+          <p:nvPr/>
+        </p:nvCxnSpPr>
+        <p:spPr>
+          <a:xfrm>
+            <a:off x="5480345" y="3621696"/>
+            <a:ext cx="0" cy="104433"/>
+          </a:xfrm>
+          <a:prstGeom prst="straightConnector1">
+            <a:avLst/>
+          </a:prstGeom>
+          <a:ln w="19050">
+            <a:tailEnd type="triangle"/>
+          </a:ln>
+        </p:spPr>
+        <p:style>
+          <a:lnRef idx="1">
+            <a:schemeClr val="accent1"/>
+          </a:lnRef>
+          <a:fillRef idx="0">
+            <a:schemeClr val="accent1"/>
+          </a:fillRef>
+          <a:effectRef idx="0">
+            <a:schemeClr val="accent1"/>
+          </a:effectRef>
+          <a:fontRef idx="minor">
+            <a:schemeClr val="tx1"/>
+          </a:fontRef>
+        </p:style>
+      </p:cxnSp>
+      <p:cxnSp>
+        <p:nvCxnSpPr>
+          <p:cNvPr id="46" name="Straight Arrow Connector 45">
+            <a:extLst>
+              <a:ext uri="{FF2B5EF4-FFF2-40B4-BE49-F238E27FC236}">
+                <a16:creationId xmlns:a16="http://schemas.microsoft.com/office/drawing/2014/main" id="{8CEE2D60-94A9-C8C6-3F90-474DBA157876}"/>
+              </a:ext>
+            </a:extLst>
+          </p:cNvPr>
+          <p:cNvCxnSpPr/>
+          <p:nvPr/>
+        </p:nvCxnSpPr>
+        <p:spPr>
+          <a:xfrm>
+            <a:off x="4025134" y="3621696"/>
+            <a:ext cx="0" cy="104433"/>
+          </a:xfrm>
+          <a:prstGeom prst="straightConnector1">
+            <a:avLst/>
+          </a:prstGeom>
+          <a:ln w="19050">
+            <a:tailEnd type="triangle"/>
+          </a:ln>
+        </p:spPr>
+        <p:style>
+          <a:lnRef idx="1">
+            <a:schemeClr val="accent1"/>
+          </a:lnRef>
+          <a:fillRef idx="0">
+            <a:schemeClr val="accent1"/>
+          </a:fillRef>
+          <a:effectRef idx="0">
+            <a:schemeClr val="accent1"/>
+          </a:effectRef>
+          <a:fontRef idx="minor">
+            <a:schemeClr val="tx1"/>
+          </a:fontRef>
+        </p:style>
+      </p:cxnSp>
+      <p:cxnSp>
+        <p:nvCxnSpPr>
+          <p:cNvPr id="47" name="Straight Arrow Connector 46">
+            <a:extLst>
+              <a:ext uri="{FF2B5EF4-FFF2-40B4-BE49-F238E27FC236}">
+                <a16:creationId xmlns:a16="http://schemas.microsoft.com/office/drawing/2014/main" id="{13F3A1CA-79F1-554C-571A-6D6573C8A388}"/>
+              </a:ext>
+            </a:extLst>
+          </p:cNvPr>
+          <p:cNvCxnSpPr/>
+          <p:nvPr/>
+        </p:nvCxnSpPr>
+        <p:spPr>
+          <a:xfrm>
+            <a:off x="8154673" y="4083855"/>
+            <a:ext cx="0" cy="104433"/>
+          </a:xfrm>
+          <a:prstGeom prst="straightConnector1">
+            <a:avLst/>
+          </a:prstGeom>
+          <a:ln w="19050">
+            <a:tailEnd type="triangle"/>
+          </a:ln>
+        </p:spPr>
+        <p:style>
+          <a:lnRef idx="1">
+            <a:schemeClr val="accent1"/>
+          </a:lnRef>
+          <a:fillRef idx="0">
+            <a:schemeClr val="accent1"/>
+          </a:fillRef>
+          <a:effectRef idx="0">
+            <a:schemeClr val="accent1"/>
+          </a:effectRef>
+          <a:fontRef idx="minor">
+            <a:schemeClr val="tx1"/>
+          </a:fontRef>
+        </p:style>
+      </p:cxnSp>
+      <p:cxnSp>
+        <p:nvCxnSpPr>
+          <p:cNvPr id="49" name="Straight Arrow Connector 48">
+            <a:extLst>
+              <a:ext uri="{FF2B5EF4-FFF2-40B4-BE49-F238E27FC236}">
+                <a16:creationId xmlns:a16="http://schemas.microsoft.com/office/drawing/2014/main" id="{885005B5-57F3-A83F-FEE0-0A90962A2C7F}"/>
+              </a:ext>
+            </a:extLst>
+          </p:cNvPr>
+          <p:cNvCxnSpPr/>
+          <p:nvPr/>
+        </p:nvCxnSpPr>
+        <p:spPr>
+          <a:xfrm>
+            <a:off x="5480345" y="4083855"/>
+            <a:ext cx="0" cy="104433"/>
+          </a:xfrm>
+          <a:prstGeom prst="straightConnector1">
+            <a:avLst/>
+          </a:prstGeom>
+          <a:ln w="19050">
+            <a:tailEnd type="triangle"/>
+          </a:ln>
+        </p:spPr>
+        <p:style>
+          <a:lnRef idx="1">
+            <a:schemeClr val="accent1"/>
+          </a:lnRef>
+          <a:fillRef idx="0">
+            <a:schemeClr val="accent1"/>
+          </a:fillRef>
+          <a:effectRef idx="0">
+            <a:schemeClr val="accent1"/>
+          </a:effectRef>
+          <a:fontRef idx="minor">
+            <a:schemeClr val="tx1"/>
+          </a:fontRef>
+        </p:style>
+      </p:cxnSp>
+      <p:cxnSp>
+        <p:nvCxnSpPr>
+          <p:cNvPr id="50" name="Straight Arrow Connector 49">
+            <a:extLst>
+              <a:ext uri="{FF2B5EF4-FFF2-40B4-BE49-F238E27FC236}">
+                <a16:creationId xmlns:a16="http://schemas.microsoft.com/office/drawing/2014/main" id="{49AD2552-049E-D65B-2B10-F846CBF1160B}"/>
+              </a:ext>
+            </a:extLst>
+          </p:cNvPr>
+          <p:cNvCxnSpPr/>
+          <p:nvPr/>
+        </p:nvCxnSpPr>
+        <p:spPr>
+          <a:xfrm>
+            <a:off x="4025134" y="4083855"/>
+            <a:ext cx="0" cy="104433"/>
+          </a:xfrm>
+          <a:prstGeom prst="straightConnector1">
+            <a:avLst/>
+          </a:prstGeom>
+          <a:ln w="19050">
+            <a:tailEnd type="triangle"/>
+          </a:ln>
+        </p:spPr>
+        <p:style>
+          <a:lnRef idx="1">
+            <a:schemeClr val="accent1"/>
+          </a:lnRef>
+          <a:fillRef idx="0">
+            <a:schemeClr val="accent1"/>
+          </a:fillRef>
+          <a:effectRef idx="0">
+            <a:schemeClr val="accent1"/>
+          </a:effectRef>
+          <a:fontRef idx="minor">
+            <a:schemeClr val="tx1"/>
+          </a:fontRef>
+        </p:style>
+      </p:cxnSp>
+      <p:sp>
+        <p:nvSpPr>
+          <p:cNvPr id="17" name="TextBox 16">
+            <a:extLst>
+              <a:ext uri="{FF2B5EF4-FFF2-40B4-BE49-F238E27FC236}">
+                <a16:creationId xmlns:a16="http://schemas.microsoft.com/office/drawing/2014/main" id="{EAF8F8B5-138E-0FB6-6F8F-AEC89676C2EF}"/>
+              </a:ext>
+            </a:extLst>
+          </p:cNvPr>
+          <p:cNvSpPr txBox="1"/>
+          <p:nvPr/>
+        </p:nvSpPr>
+        <p:spPr>
+          <a:xfrm>
+            <a:off x="3706204" y="2023415"/>
+            <a:ext cx="650050" cy="276999"/>
+          </a:xfrm>
+          <a:prstGeom prst="rect">
+            <a:avLst/>
+          </a:prstGeom>
+          <a:noFill/>
+        </p:spPr>
+        <p:txBody>
+          <a:bodyPr wrap="none" rtlCol="0">
+            <a:spAutoFit/>
+          </a:bodyPr>
+          <a:lstStyle/>
+          <a:p>
+            <a:r>
+              <a:rPr lang="en-US" sz="1200" dirty="0"/>
+              <a:t>agent 1</a:t>
+            </a:r>
+          </a:p>
+        </p:txBody>
+      </p:sp>
+      <p:sp>
+        <p:nvSpPr>
+          <p:cNvPr id="20" name="TextBox 19">
+            <a:extLst>
+              <a:ext uri="{FF2B5EF4-FFF2-40B4-BE49-F238E27FC236}">
+                <a16:creationId xmlns:a16="http://schemas.microsoft.com/office/drawing/2014/main" id="{B0B572F4-4C7E-C737-9CE2-3D575AAF8A48}"/>
+              </a:ext>
+            </a:extLst>
+          </p:cNvPr>
+          <p:cNvSpPr txBox="1"/>
+          <p:nvPr/>
+        </p:nvSpPr>
+        <p:spPr>
+          <a:xfrm>
+            <a:off x="5161415" y="2023415"/>
+            <a:ext cx="650050" cy="276999"/>
+          </a:xfrm>
+          <a:prstGeom prst="rect">
+            <a:avLst/>
+          </a:prstGeom>
+          <a:noFill/>
+        </p:spPr>
+        <p:txBody>
+          <a:bodyPr wrap="none" rtlCol="0">
+            <a:spAutoFit/>
+          </a:bodyPr>
+          <a:lstStyle/>
+          <a:p>
+            <a:r>
+              <a:rPr lang="en-US" sz="1200" dirty="0"/>
+              <a:t>agent 2</a:t>
+            </a:r>
+          </a:p>
+        </p:txBody>
+      </p:sp>
+      <p:sp>
+        <p:nvSpPr>
+          <p:cNvPr id="21" name="TextBox 20">
+            <a:extLst>
+              <a:ext uri="{FF2B5EF4-FFF2-40B4-BE49-F238E27FC236}">
+                <a16:creationId xmlns:a16="http://schemas.microsoft.com/office/drawing/2014/main" id="{C2C2C499-4F82-54EC-A08F-4A080D6BC406}"/>
+              </a:ext>
+            </a:extLst>
+          </p:cNvPr>
+          <p:cNvSpPr txBox="1"/>
+          <p:nvPr/>
+        </p:nvSpPr>
+        <p:spPr>
+          <a:xfrm>
+            <a:off x="6591312" y="2023415"/>
+            <a:ext cx="450764" cy="276999"/>
+          </a:xfrm>
+          <a:prstGeom prst="rect">
+            <a:avLst/>
+          </a:prstGeom>
+          <a:noFill/>
+        </p:spPr>
+        <p:txBody>
+          <a:bodyPr wrap="none" rtlCol="0">
+            <a:spAutoFit/>
+          </a:bodyPr>
+          <a:lstStyle/>
+          <a:p>
+            <a:r>
+              <a:rPr lang="en-US" sz="1200" b="1" dirty="0"/>
+              <a:t>.  .  .</a:t>
+            </a:r>
+          </a:p>
+        </p:txBody>
+      </p:sp>
+      <mc:AlternateContent xmlns:mc="http://schemas.openxmlformats.org/markup-compatibility/2006" xmlns:a14="http://schemas.microsoft.com/office/drawing/2010/main">
+        <mc:Choice Requires="a14">
+          <p:sp>
+            <p:nvSpPr>
+              <p:cNvPr id="25" name="TextBox 24">
+                <a:extLst>
+                  <a:ext uri="{FF2B5EF4-FFF2-40B4-BE49-F238E27FC236}">
+                    <a16:creationId xmlns:a16="http://schemas.microsoft.com/office/drawing/2014/main" id="{BDADF5CA-203F-6F69-B2C8-CC32BCC97F30}"/>
+                  </a:ext>
+                </a:extLst>
+              </p:cNvPr>
+              <p:cNvSpPr txBox="1"/>
+              <p:nvPr/>
+            </p:nvSpPr>
+            <p:spPr>
+              <a:xfrm>
+                <a:off x="7829619" y="2023415"/>
+                <a:ext cx="662297" cy="276999"/>
+              </a:xfrm>
+              <a:prstGeom prst="rect">
+                <a:avLst/>
+              </a:prstGeom>
+              <a:noFill/>
+            </p:spPr>
+            <p:txBody>
+              <a:bodyPr wrap="none" rtlCol="0">
+                <a:spAutoFit/>
+              </a:bodyPr>
+              <a:lstStyle/>
+              <a:p>
+                <a:r>
+                  <a:rPr lang="en-US" sz="1200" dirty="0"/>
+                  <a:t>agent </a:t>
+                </a:r>
+                <a14:m>
+                  <m:oMath xmlns:m="http://schemas.openxmlformats.org/officeDocument/2006/math">
+                    <m:r>
+                      <a:rPr lang="en-US" sz="1200" i="1" dirty="0" smtClean="0">
+                        <a:latin typeface="Cambria Math" panose="02040503050406030204" pitchFamily="18" charset="0"/>
+                      </a:rPr>
+                      <m:t>𝑛</m:t>
+                    </m:r>
+                  </m:oMath>
+                </a14:m>
+                <a:endParaRPr lang="en-US" sz="1200" dirty="0"/>
+              </a:p>
+            </p:txBody>
+          </p:sp>
+        </mc:Choice>
+        <mc:Fallback xmlns="">
+          <p:sp>
+            <p:nvSpPr>
+              <p:cNvPr id="25" name="TextBox 24">
+                <a:extLst>
+                  <a:ext uri="{FF2B5EF4-FFF2-40B4-BE49-F238E27FC236}">
+                    <a16:creationId xmlns:a16="http://schemas.microsoft.com/office/drawing/2014/main" id="{BDADF5CA-203F-6F69-B2C8-CC32BCC97F30}"/>
+                  </a:ext>
+                </a:extLst>
+              </p:cNvPr>
+              <p:cNvSpPr txBox="1">
+                <a:spLocks noRot="1" noChangeAspect="1" noMove="1" noResize="1" noEditPoints="1" noAdjustHandles="1" noChangeArrowheads="1" noChangeShapeType="1" noTextEdit="1"/>
+              </p:cNvSpPr>
+              <p:nvPr/>
+            </p:nvSpPr>
+            <p:spPr>
+              <a:xfrm>
+                <a:off x="7829619" y="2023415"/>
+                <a:ext cx="662297" cy="276999"/>
+              </a:xfrm>
+              <a:prstGeom prst="rect">
+                <a:avLst/>
+              </a:prstGeom>
+              <a:blipFill>
+                <a:blip r:embed="rId2"/>
+                <a:stretch>
+                  <a:fillRect b="-18182"/>
+                </a:stretch>
+              </a:blipFill>
+            </p:spPr>
+            <p:txBody>
+              <a:bodyPr/>
+              <a:lstStyle/>
+              <a:p>
+                <a:r>
+                  <a:rPr lang="en-US">
+                    <a:noFill/>
+                  </a:rPr>
+                  <a:t> </a:t>
+                </a:r>
+              </a:p>
+            </p:txBody>
+          </p:sp>
+        </mc:Fallback>
+      </mc:AlternateContent>
+      <p:sp>
+        <p:nvSpPr>
+          <p:cNvPr id="2" name="Rectangle 1">
+            <a:extLst>
+              <a:ext uri="{FF2B5EF4-FFF2-40B4-BE49-F238E27FC236}">
+                <a16:creationId xmlns:a16="http://schemas.microsoft.com/office/drawing/2014/main" id="{281AA66C-C1B9-82FB-0144-BCCCDD6A78C3}"/>
+              </a:ext>
+            </a:extLst>
+          </p:cNvPr>
+          <p:cNvSpPr/>
+          <p:nvPr/>
+        </p:nvSpPr>
+        <p:spPr>
+          <a:xfrm>
+            <a:off x="3362616" y="2343738"/>
+            <a:ext cx="1337229" cy="383519"/>
+          </a:xfrm>
+          <a:prstGeom prst="rect">
+            <a:avLst/>
+          </a:prstGeom>
+        </p:spPr>
+        <p:style>
+          <a:lnRef idx="2">
+            <a:schemeClr val="accent1">
+              <a:shade val="50000"/>
+            </a:schemeClr>
+          </a:lnRef>
+          <a:fillRef idx="1">
+            <a:schemeClr val="accent1"/>
+          </a:fillRef>
+          <a:effectRef idx="0">
+            <a:schemeClr val="accent1"/>
+          </a:effectRef>
+          <a:fontRef idx="minor">
+            <a:schemeClr val="lt1"/>
+          </a:fontRef>
+        </p:style>
+        <p:txBody>
+          <a:bodyPr rtlCol="0" anchor="ctr"/>
+          <a:lstStyle/>
+          <a:p>
+            <a:pPr algn="ctr"/>
+            <a:r>
+              <a:rPr lang="en-US" sz="1100" dirty="0"/>
+              <a:t>choose destination</a:t>
+            </a:r>
+          </a:p>
+        </p:txBody>
+      </p:sp>
+      <p:sp>
+        <p:nvSpPr>
+          <p:cNvPr id="3" name="Rectangle 2">
+            <a:extLst>
+              <a:ext uri="{FF2B5EF4-FFF2-40B4-BE49-F238E27FC236}">
+                <a16:creationId xmlns:a16="http://schemas.microsoft.com/office/drawing/2014/main" id="{D550BDAB-829E-BEC8-DC3F-85438E454781}"/>
+              </a:ext>
+            </a:extLst>
+          </p:cNvPr>
+          <p:cNvSpPr/>
+          <p:nvPr/>
+        </p:nvSpPr>
+        <p:spPr>
+          <a:xfrm>
+            <a:off x="4817827" y="2343738"/>
+            <a:ext cx="1337229" cy="383519"/>
+          </a:xfrm>
+          <a:prstGeom prst="rect">
+            <a:avLst/>
+          </a:prstGeom>
+        </p:spPr>
+        <p:style>
+          <a:lnRef idx="2">
+            <a:schemeClr val="accent1">
+              <a:shade val="50000"/>
+            </a:schemeClr>
+          </a:lnRef>
+          <a:fillRef idx="1">
+            <a:schemeClr val="accent1"/>
+          </a:fillRef>
+          <a:effectRef idx="0">
+            <a:schemeClr val="accent1"/>
+          </a:effectRef>
+          <a:fontRef idx="minor">
+            <a:schemeClr val="lt1"/>
+          </a:fontRef>
+        </p:style>
+        <p:txBody>
+          <a:bodyPr rtlCol="0" anchor="ctr"/>
+          <a:lstStyle/>
+          <a:p>
+            <a:pPr algn="ctr"/>
+            <a:r>
+              <a:rPr lang="en-US" sz="1100" dirty="0"/>
+              <a:t>choose destination</a:t>
+            </a:r>
+          </a:p>
+        </p:txBody>
+      </p:sp>
+      <p:sp>
+        <p:nvSpPr>
+          <p:cNvPr id="5" name="Rectangle 4">
+            <a:extLst>
+              <a:ext uri="{FF2B5EF4-FFF2-40B4-BE49-F238E27FC236}">
+                <a16:creationId xmlns:a16="http://schemas.microsoft.com/office/drawing/2014/main" id="{B008BF58-3878-3718-ACBE-88D4D2FFA47E}"/>
+              </a:ext>
+            </a:extLst>
+          </p:cNvPr>
+          <p:cNvSpPr/>
+          <p:nvPr/>
+        </p:nvSpPr>
+        <p:spPr>
+          <a:xfrm>
+            <a:off x="7492155" y="2343738"/>
+            <a:ext cx="1337229" cy="383519"/>
+          </a:xfrm>
+          <a:prstGeom prst="rect">
+            <a:avLst/>
+          </a:prstGeom>
+        </p:spPr>
+        <p:style>
+          <a:lnRef idx="2">
+            <a:schemeClr val="accent1">
+              <a:shade val="50000"/>
+            </a:schemeClr>
+          </a:lnRef>
+          <a:fillRef idx="1">
+            <a:schemeClr val="accent1"/>
+          </a:fillRef>
+          <a:effectRef idx="0">
+            <a:schemeClr val="accent1"/>
+          </a:effectRef>
+          <a:fontRef idx="minor">
+            <a:schemeClr val="lt1"/>
+          </a:fontRef>
+        </p:style>
+        <p:txBody>
+          <a:bodyPr rtlCol="0" anchor="ctr"/>
+          <a:lstStyle/>
+          <a:p>
+            <a:pPr algn="ctr"/>
+            <a:r>
+              <a:rPr lang="en-US" sz="1100" dirty="0"/>
+              <a:t>choose destination</a:t>
+            </a:r>
+          </a:p>
+        </p:txBody>
+      </p:sp>
+      <p:sp>
+        <p:nvSpPr>
+          <p:cNvPr id="6" name="Rectangle 5">
+            <a:extLst>
+              <a:ext uri="{FF2B5EF4-FFF2-40B4-BE49-F238E27FC236}">
+                <a16:creationId xmlns:a16="http://schemas.microsoft.com/office/drawing/2014/main" id="{621A88FD-360E-E002-94F7-5B1DCD8EA822}"/>
+              </a:ext>
+            </a:extLst>
+          </p:cNvPr>
+          <p:cNvSpPr/>
+          <p:nvPr/>
+        </p:nvSpPr>
+        <p:spPr>
+          <a:xfrm>
+            <a:off x="3362616" y="2803338"/>
+            <a:ext cx="1337229" cy="383519"/>
+          </a:xfrm>
+          <a:prstGeom prst="rect">
+            <a:avLst/>
+          </a:prstGeom>
+        </p:spPr>
+        <p:style>
+          <a:lnRef idx="2">
+            <a:schemeClr val="accent1">
+              <a:shade val="50000"/>
+            </a:schemeClr>
+          </a:lnRef>
+          <a:fillRef idx="1">
+            <a:schemeClr val="accent1"/>
+          </a:fillRef>
+          <a:effectRef idx="0">
+            <a:schemeClr val="accent1"/>
+          </a:effectRef>
+          <a:fontRef idx="minor">
+            <a:schemeClr val="lt1"/>
+          </a:fontRef>
+        </p:style>
+        <p:txBody>
+          <a:bodyPr rtlCol="0" anchor="ctr"/>
+          <a:lstStyle/>
+          <a:p>
+            <a:pPr algn="ctr"/>
+            <a:r>
+              <a:rPr lang="en-US" sz="1100" dirty="0"/>
+              <a:t>moving toward the destination</a:t>
+            </a:r>
+          </a:p>
+        </p:txBody>
+      </p:sp>
+      <p:sp>
+        <p:nvSpPr>
+          <p:cNvPr id="7" name="Rectangle 6">
+            <a:extLst>
+              <a:ext uri="{FF2B5EF4-FFF2-40B4-BE49-F238E27FC236}">
+                <a16:creationId xmlns:a16="http://schemas.microsoft.com/office/drawing/2014/main" id="{680A0A0C-BA92-F485-FFED-6615E29819E6}"/>
+              </a:ext>
+            </a:extLst>
+          </p:cNvPr>
+          <p:cNvSpPr/>
+          <p:nvPr/>
+        </p:nvSpPr>
+        <p:spPr>
+          <a:xfrm>
+            <a:off x="4817827" y="2803338"/>
+            <a:ext cx="1337229" cy="383519"/>
+          </a:xfrm>
+          <a:prstGeom prst="rect">
+            <a:avLst/>
+          </a:prstGeom>
+        </p:spPr>
+        <p:style>
+          <a:lnRef idx="2">
+            <a:schemeClr val="accent1">
+              <a:shade val="50000"/>
+            </a:schemeClr>
+          </a:lnRef>
+          <a:fillRef idx="1">
+            <a:schemeClr val="accent1"/>
+          </a:fillRef>
+          <a:effectRef idx="0">
+            <a:schemeClr val="accent1"/>
+          </a:effectRef>
+          <a:fontRef idx="minor">
+            <a:schemeClr val="lt1"/>
+          </a:fontRef>
+        </p:style>
+        <p:txBody>
+          <a:bodyPr rtlCol="0" anchor="ctr"/>
+          <a:lstStyle/>
+          <a:p>
+            <a:pPr algn="ctr"/>
+            <a:r>
+              <a:rPr lang="en-US" sz="1100" dirty="0"/>
+              <a:t>moving toward the destination</a:t>
+            </a:r>
+          </a:p>
+        </p:txBody>
+      </p:sp>
+      <p:sp>
+        <p:nvSpPr>
+          <p:cNvPr id="9" name="Rectangle 8">
+            <a:extLst>
+              <a:ext uri="{FF2B5EF4-FFF2-40B4-BE49-F238E27FC236}">
+                <a16:creationId xmlns:a16="http://schemas.microsoft.com/office/drawing/2014/main" id="{944B7ABC-1577-4111-758F-7F1957A8E124}"/>
+              </a:ext>
+            </a:extLst>
+          </p:cNvPr>
+          <p:cNvSpPr/>
+          <p:nvPr/>
+        </p:nvSpPr>
+        <p:spPr>
+          <a:xfrm>
+            <a:off x="7492155" y="2803338"/>
+            <a:ext cx="1337229" cy="383519"/>
+          </a:xfrm>
+          <a:prstGeom prst="rect">
+            <a:avLst/>
+          </a:prstGeom>
+        </p:spPr>
+        <p:style>
+          <a:lnRef idx="2">
+            <a:schemeClr val="accent1">
+              <a:shade val="50000"/>
+            </a:schemeClr>
+          </a:lnRef>
+          <a:fillRef idx="1">
+            <a:schemeClr val="accent1"/>
+          </a:fillRef>
+          <a:effectRef idx="0">
+            <a:schemeClr val="accent1"/>
+          </a:effectRef>
+          <a:fontRef idx="minor">
+            <a:schemeClr val="lt1"/>
+          </a:fontRef>
+        </p:style>
+        <p:txBody>
+          <a:bodyPr rtlCol="0" anchor="ctr"/>
+          <a:lstStyle/>
+          <a:p>
+            <a:pPr algn="ctr"/>
+            <a:r>
+              <a:rPr lang="en-US" sz="1100" dirty="0"/>
+              <a:t>moving toward the destination</a:t>
+            </a:r>
+          </a:p>
+        </p:txBody>
+      </p:sp>
+      <p:sp>
+        <p:nvSpPr>
+          <p:cNvPr id="11" name="Rectangle 10">
+            <a:extLst>
+              <a:ext uri="{FF2B5EF4-FFF2-40B4-BE49-F238E27FC236}">
+                <a16:creationId xmlns:a16="http://schemas.microsoft.com/office/drawing/2014/main" id="{0A026E50-202D-8ECD-4491-0319AFA3C416}"/>
+              </a:ext>
+            </a:extLst>
+          </p:cNvPr>
+          <p:cNvSpPr/>
+          <p:nvPr/>
+        </p:nvSpPr>
+        <p:spPr>
+          <a:xfrm>
+            <a:off x="3362616" y="3266529"/>
+            <a:ext cx="5466768" cy="383519"/>
+          </a:xfrm>
+          <a:prstGeom prst="rect">
+            <a:avLst/>
+          </a:prstGeom>
+          <a:solidFill>
+            <a:schemeClr val="accent6">
+              <a:lumMod val="75000"/>
+            </a:schemeClr>
+          </a:solidFill>
+          <a:ln>
+            <a:solidFill>
+              <a:schemeClr val="accent6">
+                <a:lumMod val="50000"/>
+              </a:schemeClr>
+            </a:solidFill>
+          </a:ln>
+        </p:spPr>
+        <p:style>
+          <a:lnRef idx="2">
+            <a:schemeClr val="accent1">
+              <a:shade val="50000"/>
+            </a:schemeClr>
+          </a:lnRef>
+          <a:fillRef idx="1">
+            <a:schemeClr val="accent1"/>
+          </a:fillRef>
+          <a:effectRef idx="0">
+            <a:schemeClr val="accent1"/>
+          </a:effectRef>
+          <a:fontRef idx="minor">
+            <a:schemeClr val="lt1"/>
+          </a:fontRef>
+        </p:style>
+        <p:txBody>
+          <a:bodyPr rtlCol="0" anchor="ctr"/>
+          <a:lstStyle/>
+          <a:p>
+            <a:pPr algn="ctr"/>
+            <a:r>
+              <a:rPr lang="en-US" sz="1100" dirty="0"/>
+              <a:t>trade resources (food, water, and energy) with market or other agents</a:t>
+            </a:r>
+          </a:p>
+        </p:txBody>
+      </p:sp>
+      <p:sp>
+        <p:nvSpPr>
+          <p:cNvPr id="12" name="Rectangle 11">
+            <a:extLst>
+              <a:ext uri="{FF2B5EF4-FFF2-40B4-BE49-F238E27FC236}">
+                <a16:creationId xmlns:a16="http://schemas.microsoft.com/office/drawing/2014/main" id="{FCB89C08-F9DF-FDBE-DA76-C5F083CF1535}"/>
+              </a:ext>
+            </a:extLst>
+          </p:cNvPr>
+          <p:cNvSpPr/>
+          <p:nvPr/>
+        </p:nvSpPr>
+        <p:spPr>
+          <a:xfrm>
+            <a:off x="3362615" y="3729720"/>
+            <a:ext cx="1337229" cy="383519"/>
+          </a:xfrm>
+          <a:prstGeom prst="rect">
+            <a:avLst/>
+          </a:prstGeom>
+        </p:spPr>
+        <p:style>
+          <a:lnRef idx="2">
+            <a:schemeClr val="accent1">
+              <a:shade val="50000"/>
+            </a:schemeClr>
+          </a:lnRef>
+          <a:fillRef idx="1">
+            <a:schemeClr val="accent1"/>
+          </a:fillRef>
+          <a:effectRef idx="0">
+            <a:schemeClr val="accent1"/>
+          </a:effectRef>
+          <a:fontRef idx="minor">
+            <a:schemeClr val="lt1"/>
+          </a:fontRef>
+        </p:style>
+        <p:txBody>
+          <a:bodyPr rtlCol="0" anchor="ctr"/>
+          <a:lstStyle/>
+          <a:p>
+            <a:pPr algn="ctr"/>
+            <a:r>
+              <a:rPr lang="en-US" sz="1100" dirty="0"/>
+              <a:t>return home</a:t>
+            </a:r>
+          </a:p>
+        </p:txBody>
+      </p:sp>
+      <p:sp>
+        <p:nvSpPr>
+          <p:cNvPr id="13" name="Rectangle 12">
+            <a:extLst>
+              <a:ext uri="{FF2B5EF4-FFF2-40B4-BE49-F238E27FC236}">
+                <a16:creationId xmlns:a16="http://schemas.microsoft.com/office/drawing/2014/main" id="{1A9A0444-B52C-8B8F-C7B4-0F94F149755C}"/>
+              </a:ext>
+            </a:extLst>
+          </p:cNvPr>
+          <p:cNvSpPr/>
+          <p:nvPr/>
+        </p:nvSpPr>
+        <p:spPr>
+          <a:xfrm>
+            <a:off x="4817826" y="3729720"/>
+            <a:ext cx="1337229" cy="383519"/>
+          </a:xfrm>
+          <a:prstGeom prst="rect">
+            <a:avLst/>
+          </a:prstGeom>
+        </p:spPr>
+        <p:style>
+          <a:lnRef idx="2">
+            <a:schemeClr val="accent1">
+              <a:shade val="50000"/>
+            </a:schemeClr>
+          </a:lnRef>
+          <a:fillRef idx="1">
+            <a:schemeClr val="accent1"/>
+          </a:fillRef>
+          <a:effectRef idx="0">
+            <a:schemeClr val="accent1"/>
+          </a:effectRef>
+          <a:fontRef idx="minor">
+            <a:schemeClr val="lt1"/>
+          </a:fontRef>
+        </p:style>
+        <p:txBody>
+          <a:bodyPr rtlCol="0" anchor="ctr"/>
+          <a:lstStyle/>
+          <a:p>
+            <a:pPr algn="ctr"/>
+            <a:r>
+              <a:rPr lang="en-US" sz="1100" dirty="0"/>
+              <a:t>return home</a:t>
+            </a:r>
+          </a:p>
+        </p:txBody>
+      </p:sp>
+      <p:sp>
+        <p:nvSpPr>
+          <p:cNvPr id="15" name="Rectangle 14">
+            <a:extLst>
+              <a:ext uri="{FF2B5EF4-FFF2-40B4-BE49-F238E27FC236}">
+                <a16:creationId xmlns:a16="http://schemas.microsoft.com/office/drawing/2014/main" id="{56E3E723-5D1B-A0F2-53EB-329238AC79A1}"/>
+              </a:ext>
+            </a:extLst>
+          </p:cNvPr>
+          <p:cNvSpPr/>
+          <p:nvPr/>
+        </p:nvSpPr>
+        <p:spPr>
+          <a:xfrm>
+            <a:off x="7492154" y="3729720"/>
+            <a:ext cx="1337229" cy="383519"/>
+          </a:xfrm>
+          <a:prstGeom prst="rect">
+            <a:avLst/>
+          </a:prstGeom>
+        </p:spPr>
+        <p:style>
+          <a:lnRef idx="2">
+            <a:schemeClr val="accent1">
+              <a:shade val="50000"/>
+            </a:schemeClr>
+          </a:lnRef>
+          <a:fillRef idx="1">
+            <a:schemeClr val="accent1"/>
+          </a:fillRef>
+          <a:effectRef idx="0">
+            <a:schemeClr val="accent1"/>
+          </a:effectRef>
+          <a:fontRef idx="minor">
+            <a:schemeClr val="lt1"/>
+          </a:fontRef>
+        </p:style>
+        <p:txBody>
+          <a:bodyPr rtlCol="0" anchor="ctr"/>
+          <a:lstStyle/>
+          <a:p>
+            <a:pPr algn="ctr"/>
+            <a:r>
+              <a:rPr lang="en-US" sz="1100" dirty="0"/>
+              <a:t>return home</a:t>
+            </a:r>
+          </a:p>
+        </p:txBody>
+      </p:sp>
+      <p:sp>
+        <p:nvSpPr>
+          <p:cNvPr id="31" name="Rectangle 30">
+            <a:extLst>
+              <a:ext uri="{FF2B5EF4-FFF2-40B4-BE49-F238E27FC236}">
+                <a16:creationId xmlns:a16="http://schemas.microsoft.com/office/drawing/2014/main" id="{4871E5B3-2E10-3E1E-D51F-0F13942715CB}"/>
+              </a:ext>
+            </a:extLst>
+          </p:cNvPr>
+          <p:cNvSpPr/>
+          <p:nvPr/>
+        </p:nvSpPr>
+        <p:spPr>
+          <a:xfrm>
+            <a:off x="3362616" y="4189414"/>
+            <a:ext cx="5466768" cy="383519"/>
+          </a:xfrm>
+          <a:prstGeom prst="rect">
+            <a:avLst/>
+          </a:prstGeom>
+          <a:solidFill>
+            <a:schemeClr val="accent6">
+              <a:lumMod val="75000"/>
+            </a:schemeClr>
+          </a:solidFill>
+          <a:ln>
+            <a:solidFill>
+              <a:schemeClr val="accent6">
+                <a:lumMod val="50000"/>
+              </a:schemeClr>
+            </a:solidFill>
+          </a:ln>
+        </p:spPr>
+        <p:style>
+          <a:lnRef idx="2">
+            <a:schemeClr val="accent1">
+              <a:shade val="50000"/>
+            </a:schemeClr>
+          </a:lnRef>
+          <a:fillRef idx="1">
+            <a:schemeClr val="accent1"/>
+          </a:fillRef>
+          <a:effectRef idx="0">
+            <a:schemeClr val="accent1"/>
+          </a:effectRef>
+          <a:fontRef idx="minor">
+            <a:schemeClr val="lt1"/>
+          </a:fontRef>
+        </p:style>
+        <p:txBody>
+          <a:bodyPr rtlCol="0" anchor="ctr"/>
+          <a:lstStyle/>
+          <a:p>
+            <a:pPr algn="ctr"/>
+            <a:r>
+              <a:rPr lang="en-US" sz="1100" dirty="0"/>
+              <a:t>exchange resources (food, water, and energy) with family</a:t>
+            </a:r>
+          </a:p>
+        </p:txBody>
+      </p:sp>
+      <p:sp>
+        <p:nvSpPr>
+          <p:cNvPr id="10" name="TextBox 9">
+            <a:extLst>
+              <a:ext uri="{FF2B5EF4-FFF2-40B4-BE49-F238E27FC236}">
+                <a16:creationId xmlns:a16="http://schemas.microsoft.com/office/drawing/2014/main" id="{7A17EBAA-2B70-EEC2-73E3-9102453E69A9}"/>
+              </a:ext>
+            </a:extLst>
+          </p:cNvPr>
+          <p:cNvSpPr txBox="1"/>
+          <p:nvPr/>
+        </p:nvSpPr>
+        <p:spPr>
+          <a:xfrm>
+            <a:off x="10354232" y="4164908"/>
+            <a:ext cx="1557337" cy="369332"/>
+          </a:xfrm>
+          <a:prstGeom prst="rect">
+            <a:avLst/>
+          </a:prstGeom>
+          <a:noFill/>
+        </p:spPr>
+        <p:txBody>
+          <a:bodyPr wrap="square" rtlCol="0">
+            <a:spAutoFit/>
+          </a:bodyPr>
+          <a:lstStyle/>
+          <a:p>
+            <a:pPr algn="ctr"/>
+            <a:r>
+              <a:rPr lang="en-US" sz="1800" b="1" dirty="0">
+                <a:latin typeface="Calibri" panose="020F0502020204030204" pitchFamily="34" charset="0"/>
+                <a:cs typeface="Calibri" panose="020F0502020204030204" pitchFamily="34" charset="0"/>
+              </a:rPr>
+              <a:t>Society</a:t>
+            </a:r>
+          </a:p>
+        </p:txBody>
+      </p:sp>
+      <p:sp>
+        <p:nvSpPr>
+          <p:cNvPr id="16" name="TextBox 15">
+            <a:extLst>
+              <a:ext uri="{FF2B5EF4-FFF2-40B4-BE49-F238E27FC236}">
+                <a16:creationId xmlns:a16="http://schemas.microsoft.com/office/drawing/2014/main" id="{53E263E0-2F71-66B3-14C6-EFECFA8D0836}"/>
+              </a:ext>
+            </a:extLst>
+          </p:cNvPr>
+          <p:cNvSpPr txBox="1"/>
+          <p:nvPr/>
+        </p:nvSpPr>
+        <p:spPr>
+          <a:xfrm>
+            <a:off x="199405" y="4160851"/>
+            <a:ext cx="1557337" cy="369332"/>
+          </a:xfrm>
+          <a:prstGeom prst="rect">
+            <a:avLst/>
+          </a:prstGeom>
+          <a:noFill/>
+        </p:spPr>
+        <p:txBody>
+          <a:bodyPr wrap="square" rtlCol="0">
+            <a:spAutoFit/>
+          </a:bodyPr>
+          <a:lstStyle/>
+          <a:p>
+            <a:pPr algn="ctr"/>
+            <a:r>
+              <a:rPr lang="en-US" sz="1800" b="1" dirty="0">
+                <a:latin typeface="Calibri" panose="020F0502020204030204" pitchFamily="34" charset="0"/>
+                <a:cs typeface="Calibri" panose="020F0502020204030204" pitchFamily="34" charset="0"/>
+              </a:rPr>
+              <a:t>Infrastructure</a:t>
+            </a:r>
+          </a:p>
+        </p:txBody>
+      </p:sp>
+      <p:cxnSp>
+        <p:nvCxnSpPr>
+          <p:cNvPr id="61" name="Straight Arrow Connector 60">
+            <a:extLst>
+              <a:ext uri="{FF2B5EF4-FFF2-40B4-BE49-F238E27FC236}">
+                <a16:creationId xmlns:a16="http://schemas.microsoft.com/office/drawing/2014/main" id="{9576B998-398B-023E-631B-4B374ABD2EC7}"/>
+              </a:ext>
+            </a:extLst>
+          </p:cNvPr>
+          <p:cNvCxnSpPr>
+            <a:cxnSpLocks/>
+          </p:cNvCxnSpPr>
+          <p:nvPr/>
+        </p:nvCxnSpPr>
+        <p:spPr>
+          <a:xfrm>
+            <a:off x="1835004" y="4003778"/>
+            <a:ext cx="1397439" cy="0"/>
+          </a:xfrm>
+          <a:prstGeom prst="straightConnector1">
+            <a:avLst/>
+          </a:prstGeom>
+          <a:ln w="19050">
+            <a:tailEnd type="triangle"/>
+          </a:ln>
+        </p:spPr>
+        <p:style>
+          <a:lnRef idx="1">
+            <a:schemeClr val="accent1"/>
+          </a:lnRef>
+          <a:fillRef idx="0">
+            <a:schemeClr val="accent1"/>
+          </a:fillRef>
+          <a:effectRef idx="0">
+            <a:schemeClr val="accent1"/>
+          </a:effectRef>
+          <a:fontRef idx="minor">
+            <a:schemeClr val="tx1"/>
+          </a:fontRef>
+        </p:style>
+      </p:cxnSp>
+      <p:cxnSp>
+        <p:nvCxnSpPr>
+          <p:cNvPr id="65" name="Straight Arrow Connector 64">
+            <a:extLst>
+              <a:ext uri="{FF2B5EF4-FFF2-40B4-BE49-F238E27FC236}">
+                <a16:creationId xmlns:a16="http://schemas.microsoft.com/office/drawing/2014/main" id="{D6ACC988-5A35-30EE-F927-0364523D0FD0}"/>
+              </a:ext>
+            </a:extLst>
+          </p:cNvPr>
+          <p:cNvCxnSpPr>
+            <a:cxnSpLocks/>
+          </p:cNvCxnSpPr>
+          <p:nvPr/>
+        </p:nvCxnSpPr>
+        <p:spPr>
+          <a:xfrm>
+            <a:off x="1835004" y="3529015"/>
+            <a:ext cx="1397439" cy="0"/>
+          </a:xfrm>
+          <a:prstGeom prst="straightConnector1">
+            <a:avLst/>
+          </a:prstGeom>
+          <a:ln w="19050">
+            <a:tailEnd type="triangle"/>
+          </a:ln>
+        </p:spPr>
+        <p:style>
+          <a:lnRef idx="1">
+            <a:schemeClr val="accent1"/>
+          </a:lnRef>
+          <a:fillRef idx="0">
+            <a:schemeClr val="accent1"/>
+          </a:fillRef>
+          <a:effectRef idx="0">
+            <a:schemeClr val="accent1"/>
+          </a:effectRef>
+          <a:fontRef idx="minor">
+            <a:schemeClr val="tx1"/>
+          </a:fontRef>
+        </p:style>
+      </p:cxnSp>
+      <p:cxnSp>
+        <p:nvCxnSpPr>
+          <p:cNvPr id="66" name="Straight Arrow Connector 65">
+            <a:extLst>
+              <a:ext uri="{FF2B5EF4-FFF2-40B4-BE49-F238E27FC236}">
+                <a16:creationId xmlns:a16="http://schemas.microsoft.com/office/drawing/2014/main" id="{74BFB981-DC91-78FA-F8FA-792FDFF8622B}"/>
+              </a:ext>
+            </a:extLst>
+          </p:cNvPr>
+          <p:cNvCxnSpPr>
+            <a:cxnSpLocks/>
+          </p:cNvCxnSpPr>
+          <p:nvPr/>
+        </p:nvCxnSpPr>
+        <p:spPr>
+          <a:xfrm>
+            <a:off x="1835004" y="3081339"/>
+            <a:ext cx="1397439" cy="0"/>
+          </a:xfrm>
+          <a:prstGeom prst="straightConnector1">
+            <a:avLst/>
+          </a:prstGeom>
+          <a:ln w="19050">
+            <a:tailEnd type="triangle"/>
+          </a:ln>
+        </p:spPr>
+        <p:style>
+          <a:lnRef idx="1">
+            <a:schemeClr val="accent1"/>
+          </a:lnRef>
+          <a:fillRef idx="0">
+            <a:schemeClr val="accent1"/>
+          </a:fillRef>
+          <a:effectRef idx="0">
+            <a:schemeClr val="accent1"/>
+          </a:effectRef>
+          <a:fontRef idx="minor">
+            <a:schemeClr val="tx1"/>
+          </a:fontRef>
+        </p:style>
+      </p:cxnSp>
+      <p:cxnSp>
+        <p:nvCxnSpPr>
+          <p:cNvPr id="67" name="Straight Arrow Connector 66">
+            <a:extLst>
+              <a:ext uri="{FF2B5EF4-FFF2-40B4-BE49-F238E27FC236}">
+                <a16:creationId xmlns:a16="http://schemas.microsoft.com/office/drawing/2014/main" id="{244E157C-573D-735C-4A73-88EF446B711E}"/>
+              </a:ext>
+            </a:extLst>
+          </p:cNvPr>
+          <p:cNvCxnSpPr>
+            <a:cxnSpLocks/>
+          </p:cNvCxnSpPr>
+          <p:nvPr/>
+        </p:nvCxnSpPr>
+        <p:spPr>
+          <a:xfrm>
+            <a:off x="1835004" y="2625987"/>
+            <a:ext cx="1397439" cy="0"/>
+          </a:xfrm>
+          <a:prstGeom prst="straightConnector1">
+            <a:avLst/>
+          </a:prstGeom>
+          <a:ln w="19050">
+            <a:tailEnd type="triangle"/>
+          </a:ln>
+        </p:spPr>
+        <p:style>
+          <a:lnRef idx="1">
+            <a:schemeClr val="accent1"/>
+          </a:lnRef>
+          <a:fillRef idx="0">
+            <a:schemeClr val="accent1"/>
+          </a:fillRef>
+          <a:effectRef idx="0">
+            <a:schemeClr val="accent1"/>
+          </a:effectRef>
+          <a:fontRef idx="minor">
+            <a:schemeClr val="tx1"/>
+          </a:fontRef>
+        </p:style>
+      </p:cxnSp>
+      <p:cxnSp>
+        <p:nvCxnSpPr>
+          <p:cNvPr id="84" name="Straight Arrow Connector 83">
+            <a:extLst>
+              <a:ext uri="{FF2B5EF4-FFF2-40B4-BE49-F238E27FC236}">
+                <a16:creationId xmlns:a16="http://schemas.microsoft.com/office/drawing/2014/main" id="{8B2F1C26-B43D-1E3F-C155-6E8F8701224F}"/>
+              </a:ext>
+            </a:extLst>
+          </p:cNvPr>
+          <p:cNvCxnSpPr>
+            <a:cxnSpLocks/>
+          </p:cNvCxnSpPr>
+          <p:nvPr/>
+        </p:nvCxnSpPr>
+        <p:spPr>
+          <a:xfrm flipH="1">
+            <a:off x="8957823" y="4481189"/>
+            <a:ext cx="1338935" cy="0"/>
+          </a:xfrm>
+          <a:prstGeom prst="straightConnector1">
+            <a:avLst/>
+          </a:prstGeom>
+          <a:ln w="19050">
+            <a:tailEnd type="triangle"/>
+          </a:ln>
+        </p:spPr>
+        <p:style>
+          <a:lnRef idx="1">
+            <a:schemeClr val="accent1"/>
+          </a:lnRef>
+          <a:fillRef idx="0">
+            <a:schemeClr val="accent1"/>
+          </a:fillRef>
+          <a:effectRef idx="0">
+            <a:schemeClr val="accent1"/>
+          </a:effectRef>
+          <a:fontRef idx="minor">
+            <a:schemeClr val="tx1"/>
+          </a:fontRef>
+        </p:style>
+      </p:cxnSp>
+      <p:cxnSp>
+        <p:nvCxnSpPr>
+          <p:cNvPr id="89" name="Straight Arrow Connector 88">
+            <a:extLst>
+              <a:ext uri="{FF2B5EF4-FFF2-40B4-BE49-F238E27FC236}">
+                <a16:creationId xmlns:a16="http://schemas.microsoft.com/office/drawing/2014/main" id="{B0F187CE-DE56-1CCF-01C9-7D30C41C4AEE}"/>
+              </a:ext>
+            </a:extLst>
+          </p:cNvPr>
+          <p:cNvCxnSpPr>
+            <a:cxnSpLocks/>
+          </p:cNvCxnSpPr>
+          <p:nvPr/>
+        </p:nvCxnSpPr>
+        <p:spPr>
+          <a:xfrm flipH="1">
+            <a:off x="8957823" y="3997419"/>
+            <a:ext cx="1338935" cy="0"/>
+          </a:xfrm>
+          <a:prstGeom prst="straightConnector1">
+            <a:avLst/>
+          </a:prstGeom>
+          <a:ln w="19050">
+            <a:tailEnd type="triangle"/>
+          </a:ln>
+        </p:spPr>
+        <p:style>
+          <a:lnRef idx="1">
+            <a:schemeClr val="accent1"/>
+          </a:lnRef>
+          <a:fillRef idx="0">
+            <a:schemeClr val="accent1"/>
+          </a:fillRef>
+          <a:effectRef idx="0">
+            <a:schemeClr val="accent1"/>
+          </a:effectRef>
+          <a:fontRef idx="minor">
+            <a:schemeClr val="tx1"/>
+          </a:fontRef>
+        </p:style>
+      </p:cxnSp>
+      <p:cxnSp>
+        <p:nvCxnSpPr>
+          <p:cNvPr id="91" name="Straight Arrow Connector 90">
+            <a:extLst>
+              <a:ext uri="{FF2B5EF4-FFF2-40B4-BE49-F238E27FC236}">
+                <a16:creationId xmlns:a16="http://schemas.microsoft.com/office/drawing/2014/main" id="{6C7FAEED-74B9-FCCD-32FE-59F166A65603}"/>
+              </a:ext>
+            </a:extLst>
+          </p:cNvPr>
+          <p:cNvCxnSpPr>
+            <a:cxnSpLocks/>
+          </p:cNvCxnSpPr>
+          <p:nvPr/>
+        </p:nvCxnSpPr>
+        <p:spPr>
+          <a:xfrm flipH="1">
+            <a:off x="8964464" y="3565033"/>
+            <a:ext cx="1338935" cy="0"/>
+          </a:xfrm>
+          <a:prstGeom prst="straightConnector1">
+            <a:avLst/>
+          </a:prstGeom>
+          <a:ln w="19050">
+            <a:tailEnd type="triangle"/>
+          </a:ln>
+        </p:spPr>
+        <p:style>
+          <a:lnRef idx="1">
+            <a:schemeClr val="accent1"/>
+          </a:lnRef>
+          <a:fillRef idx="0">
+            <a:schemeClr val="accent1"/>
+          </a:fillRef>
+          <a:effectRef idx="0">
+            <a:schemeClr val="accent1"/>
+          </a:effectRef>
+          <a:fontRef idx="minor">
+            <a:schemeClr val="tx1"/>
+          </a:fontRef>
+        </p:style>
+      </p:cxnSp>
+      <p:cxnSp>
+        <p:nvCxnSpPr>
+          <p:cNvPr id="93" name="Straight Arrow Connector 92">
+            <a:extLst>
+              <a:ext uri="{FF2B5EF4-FFF2-40B4-BE49-F238E27FC236}">
+                <a16:creationId xmlns:a16="http://schemas.microsoft.com/office/drawing/2014/main" id="{E82029BC-FDAC-C605-5734-206C68A38804}"/>
+              </a:ext>
+            </a:extLst>
+          </p:cNvPr>
+          <p:cNvCxnSpPr>
+            <a:cxnSpLocks/>
+          </p:cNvCxnSpPr>
+          <p:nvPr/>
+        </p:nvCxnSpPr>
+        <p:spPr>
+          <a:xfrm flipH="1">
+            <a:off x="8957823" y="2624218"/>
+            <a:ext cx="1338935" cy="0"/>
+          </a:xfrm>
+          <a:prstGeom prst="straightConnector1">
+            <a:avLst/>
+          </a:prstGeom>
+          <a:ln w="19050">
+            <a:tailEnd type="triangle"/>
+          </a:ln>
+        </p:spPr>
+        <p:style>
+          <a:lnRef idx="1">
+            <a:schemeClr val="accent1"/>
+          </a:lnRef>
+          <a:fillRef idx="0">
+            <a:schemeClr val="accent1"/>
+          </a:fillRef>
+          <a:effectRef idx="0">
+            <a:schemeClr val="accent1"/>
+          </a:effectRef>
+          <a:fontRef idx="minor">
+            <a:schemeClr val="tx1"/>
+          </a:fontRef>
+        </p:style>
+      </p:cxnSp>
+      <p:pic>
+        <p:nvPicPr>
+          <p:cNvPr id="8" name="Graphic 7">
+            <a:extLst>
+              <a:ext uri="{FF2B5EF4-FFF2-40B4-BE49-F238E27FC236}">
+                <a16:creationId xmlns:a16="http://schemas.microsoft.com/office/drawing/2014/main" id="{1A17D208-E8FC-75CA-4739-9C1AFA3736A9}"/>
+              </a:ext>
+            </a:extLst>
+          </p:cNvPr>
+          <p:cNvPicPr>
+            <a:picLocks noChangeAspect="1"/>
+          </p:cNvPicPr>
+          <p:nvPr/>
+        </p:nvPicPr>
+        <p:blipFill>
+          <a:blip r:embed="rId3">
+            <a:extLst>
+              <a:ext uri="{96DAC541-7B7A-43D3-8B79-37D633B846F1}">
+                <asvg:svgBlip xmlns:asvg="http://schemas.microsoft.com/office/drawing/2016/SVG/main" r:embed="rId4"/>
+              </a:ext>
+            </a:extLst>
+          </a:blip>
+          <a:stretch>
+            <a:fillRect/>
+          </a:stretch>
+        </p:blipFill>
+        <p:spPr>
+          <a:xfrm>
+            <a:off x="796834" y="2992953"/>
+            <a:ext cx="301625" cy="301625"/>
+          </a:xfrm>
+          <a:prstGeom prst="rect">
+            <a:avLst/>
+          </a:prstGeom>
+        </p:spPr>
+      </p:pic>
+      <p:pic>
+        <p:nvPicPr>
+          <p:cNvPr id="23" name="Graphic 22">
+            <a:extLst>
+              <a:ext uri="{FF2B5EF4-FFF2-40B4-BE49-F238E27FC236}">
+                <a16:creationId xmlns:a16="http://schemas.microsoft.com/office/drawing/2014/main" id="{ED0A7276-9316-6CC9-1153-6EFC7035656E}"/>
+              </a:ext>
+            </a:extLst>
+          </p:cNvPr>
+          <p:cNvPicPr>
+            <a:picLocks noChangeAspect="1"/>
+          </p:cNvPicPr>
+          <p:nvPr/>
+        </p:nvPicPr>
+        <p:blipFill>
+          <a:blip r:embed="rId5">
+            <a:extLst>
+              <a:ext uri="{96DAC541-7B7A-43D3-8B79-37D633B846F1}">
+                <asvg:svgBlip xmlns:asvg="http://schemas.microsoft.com/office/drawing/2016/SVG/main" r:embed="rId6"/>
+              </a:ext>
+            </a:extLst>
+          </a:blip>
+          <a:stretch>
+            <a:fillRect/>
+          </a:stretch>
+        </p:blipFill>
+        <p:spPr>
+          <a:xfrm>
+            <a:off x="1363262" y="3476518"/>
+            <a:ext cx="194793" cy="194793"/>
+          </a:xfrm>
+          <a:prstGeom prst="rect">
+            <a:avLst/>
+          </a:prstGeom>
+        </p:spPr>
+      </p:pic>
+      <p:pic>
+        <p:nvPicPr>
+          <p:cNvPr id="24" name="Graphic 23">
+            <a:extLst>
+              <a:ext uri="{FF2B5EF4-FFF2-40B4-BE49-F238E27FC236}">
+                <a16:creationId xmlns:a16="http://schemas.microsoft.com/office/drawing/2014/main" id="{A33E3314-A220-D3E1-3757-CE4F0CD816D4}"/>
+              </a:ext>
+            </a:extLst>
+          </p:cNvPr>
+          <p:cNvPicPr>
+            <a:picLocks noChangeAspect="1"/>
+          </p:cNvPicPr>
+          <p:nvPr/>
+        </p:nvPicPr>
+        <p:blipFill>
+          <a:blip r:embed="rId5">
+            <a:extLst>
+              <a:ext uri="{96DAC541-7B7A-43D3-8B79-37D633B846F1}">
+                <asvg:svgBlip xmlns:asvg="http://schemas.microsoft.com/office/drawing/2016/SVG/main" r:embed="rId6"/>
+              </a:ext>
+            </a:extLst>
+          </a:blip>
+          <a:stretch>
+            <a:fillRect/>
+          </a:stretch>
+        </p:blipFill>
+        <p:spPr>
+          <a:xfrm>
+            <a:off x="423538" y="3421261"/>
+            <a:ext cx="194793" cy="194793"/>
+          </a:xfrm>
+          <a:prstGeom prst="rect">
+            <a:avLst/>
+          </a:prstGeom>
+        </p:spPr>
+      </p:pic>
+      <p:cxnSp>
+        <p:nvCxnSpPr>
+          <p:cNvPr id="38" name="Straight Connector 37">
+            <a:extLst>
+              <a:ext uri="{FF2B5EF4-FFF2-40B4-BE49-F238E27FC236}">
+                <a16:creationId xmlns:a16="http://schemas.microsoft.com/office/drawing/2014/main" id="{FDEB739B-7731-E943-AA2B-ACDD8D48E553}"/>
+              </a:ext>
+            </a:extLst>
+          </p:cNvPr>
+          <p:cNvCxnSpPr>
+            <a:cxnSpLocks/>
+          </p:cNvCxnSpPr>
+          <p:nvPr/>
+        </p:nvCxnSpPr>
+        <p:spPr>
+          <a:xfrm>
+            <a:off x="262451" y="3689816"/>
+            <a:ext cx="1408855" cy="0"/>
+          </a:xfrm>
+          <a:prstGeom prst="line">
+            <a:avLst/>
+          </a:prstGeom>
+          <a:ln w="76200">
+            <a:solidFill>
+              <a:schemeClr val="accent3">
+                <a:lumMod val="50000"/>
+              </a:schemeClr>
+            </a:solidFill>
+          </a:ln>
+        </p:spPr>
+        <p:style>
+          <a:lnRef idx="1">
+            <a:schemeClr val="accent1"/>
+          </a:lnRef>
+          <a:fillRef idx="0">
+            <a:schemeClr val="accent1"/>
+          </a:fillRef>
+          <a:effectRef idx="0">
+            <a:schemeClr val="accent1"/>
+          </a:effectRef>
+          <a:fontRef idx="minor">
+            <a:schemeClr val="tx1"/>
+          </a:fontRef>
+        </p:style>
+      </p:cxnSp>
+      <p:cxnSp>
+        <p:nvCxnSpPr>
+          <p:cNvPr id="48" name="Straight Connector 47">
+            <a:extLst>
+              <a:ext uri="{FF2B5EF4-FFF2-40B4-BE49-F238E27FC236}">
+                <a16:creationId xmlns:a16="http://schemas.microsoft.com/office/drawing/2014/main" id="{D2C76EBE-BD75-F0A9-D91F-520188CEF5F5}"/>
+              </a:ext>
+            </a:extLst>
+          </p:cNvPr>
+          <p:cNvCxnSpPr>
+            <a:cxnSpLocks/>
+          </p:cNvCxnSpPr>
+          <p:nvPr/>
+        </p:nvCxnSpPr>
+        <p:spPr>
+          <a:xfrm flipV="1">
+            <a:off x="412754" y="2560819"/>
+            <a:ext cx="0" cy="1292569"/>
+          </a:xfrm>
+          <a:prstGeom prst="line">
+            <a:avLst/>
+          </a:prstGeom>
+          <a:ln w="76200">
+            <a:solidFill>
+              <a:schemeClr val="accent3">
+                <a:lumMod val="50000"/>
+              </a:schemeClr>
+            </a:solidFill>
+          </a:ln>
+        </p:spPr>
+        <p:style>
+          <a:lnRef idx="1">
+            <a:schemeClr val="accent1"/>
+          </a:lnRef>
+          <a:fillRef idx="0">
+            <a:schemeClr val="accent1"/>
+          </a:fillRef>
+          <a:effectRef idx="0">
+            <a:schemeClr val="accent1"/>
+          </a:effectRef>
+          <a:fontRef idx="minor">
+            <a:schemeClr val="tx1"/>
+          </a:fontRef>
+        </p:style>
+      </p:cxnSp>
+      <p:cxnSp>
+        <p:nvCxnSpPr>
+          <p:cNvPr id="53" name="Straight Connector 52">
+            <a:extLst>
+              <a:ext uri="{FF2B5EF4-FFF2-40B4-BE49-F238E27FC236}">
+                <a16:creationId xmlns:a16="http://schemas.microsoft.com/office/drawing/2014/main" id="{5C554C15-E115-433D-2D92-1AB02DC725E6}"/>
+              </a:ext>
+            </a:extLst>
+          </p:cNvPr>
+          <p:cNvCxnSpPr>
+            <a:cxnSpLocks/>
+          </p:cNvCxnSpPr>
+          <p:nvPr/>
+        </p:nvCxnSpPr>
+        <p:spPr>
+          <a:xfrm>
+            <a:off x="262451" y="3298417"/>
+            <a:ext cx="1408855" cy="0"/>
+          </a:xfrm>
+          <a:prstGeom prst="line">
+            <a:avLst/>
+          </a:prstGeom>
+          <a:ln w="76200">
+            <a:solidFill>
+              <a:schemeClr val="accent3">
+                <a:lumMod val="50000"/>
+              </a:schemeClr>
+            </a:solidFill>
+          </a:ln>
+        </p:spPr>
+        <p:style>
+          <a:lnRef idx="1">
+            <a:schemeClr val="accent1"/>
+          </a:lnRef>
+          <a:fillRef idx="0">
+            <a:schemeClr val="accent1"/>
+          </a:fillRef>
+          <a:effectRef idx="0">
+            <a:schemeClr val="accent1"/>
+          </a:effectRef>
+          <a:fontRef idx="minor">
+            <a:schemeClr val="tx1"/>
+          </a:fontRef>
+        </p:style>
+      </p:cxnSp>
+      <p:cxnSp>
+        <p:nvCxnSpPr>
+          <p:cNvPr id="62" name="Straight Connector 61">
+            <a:extLst>
+              <a:ext uri="{FF2B5EF4-FFF2-40B4-BE49-F238E27FC236}">
+                <a16:creationId xmlns:a16="http://schemas.microsoft.com/office/drawing/2014/main" id="{4D1EB962-32D9-51FF-3F4D-4122468C431D}"/>
+              </a:ext>
+            </a:extLst>
+          </p:cNvPr>
+          <p:cNvCxnSpPr>
+            <a:cxnSpLocks/>
+          </p:cNvCxnSpPr>
+          <p:nvPr/>
+        </p:nvCxnSpPr>
+        <p:spPr>
+          <a:xfrm>
+            <a:off x="262451" y="2919190"/>
+            <a:ext cx="1408855" cy="0"/>
+          </a:xfrm>
+          <a:prstGeom prst="line">
+            <a:avLst/>
+          </a:prstGeom>
+          <a:ln w="76200">
+            <a:solidFill>
+              <a:schemeClr val="accent3">
+                <a:lumMod val="50000"/>
+              </a:schemeClr>
+            </a:solidFill>
+          </a:ln>
+        </p:spPr>
+        <p:style>
+          <a:lnRef idx="1">
+            <a:schemeClr val="accent1"/>
+          </a:lnRef>
+          <a:fillRef idx="0">
+            <a:schemeClr val="accent1"/>
+          </a:fillRef>
+          <a:effectRef idx="0">
+            <a:schemeClr val="accent1"/>
+          </a:effectRef>
+          <a:fontRef idx="minor">
+            <a:schemeClr val="tx1"/>
+          </a:fontRef>
+        </p:style>
+      </p:cxnSp>
+      <p:cxnSp>
+        <p:nvCxnSpPr>
+          <p:cNvPr id="63" name="Straight Connector 62">
+            <a:extLst>
+              <a:ext uri="{FF2B5EF4-FFF2-40B4-BE49-F238E27FC236}">
+                <a16:creationId xmlns:a16="http://schemas.microsoft.com/office/drawing/2014/main" id="{937F6B8E-F0ED-A3A7-6FC0-0A784D2F5979}"/>
+              </a:ext>
+            </a:extLst>
+          </p:cNvPr>
+          <p:cNvCxnSpPr>
+            <a:cxnSpLocks/>
+          </p:cNvCxnSpPr>
+          <p:nvPr/>
+        </p:nvCxnSpPr>
+        <p:spPr>
+          <a:xfrm flipV="1">
+            <a:off x="1529173" y="2914840"/>
+            <a:ext cx="0" cy="383577"/>
+          </a:xfrm>
+          <a:prstGeom prst="line">
+            <a:avLst/>
+          </a:prstGeom>
+          <a:ln w="76200">
+            <a:solidFill>
+              <a:schemeClr val="accent3">
+                <a:lumMod val="50000"/>
+              </a:schemeClr>
+            </a:solidFill>
+          </a:ln>
+        </p:spPr>
+        <p:style>
+          <a:lnRef idx="1">
+            <a:schemeClr val="accent1"/>
+          </a:lnRef>
+          <a:fillRef idx="0">
+            <a:schemeClr val="accent1"/>
+          </a:fillRef>
+          <a:effectRef idx="0">
+            <a:schemeClr val="accent1"/>
+          </a:effectRef>
+          <a:fontRef idx="minor">
+            <a:schemeClr val="tx1"/>
+          </a:fontRef>
+        </p:style>
+      </p:cxnSp>
+      <p:cxnSp>
+        <p:nvCxnSpPr>
+          <p:cNvPr id="68" name="Straight Connector 67">
+            <a:extLst>
+              <a:ext uri="{FF2B5EF4-FFF2-40B4-BE49-F238E27FC236}">
+                <a16:creationId xmlns:a16="http://schemas.microsoft.com/office/drawing/2014/main" id="{3DE0DE82-D1FB-521A-CAB0-E652C4AE8643}"/>
+              </a:ext>
+            </a:extLst>
+          </p:cNvPr>
+          <p:cNvCxnSpPr>
+            <a:cxnSpLocks/>
+          </p:cNvCxnSpPr>
+          <p:nvPr/>
+        </p:nvCxnSpPr>
+        <p:spPr>
+          <a:xfrm flipV="1">
+            <a:off x="972736" y="3294578"/>
+            <a:ext cx="276446" cy="558810"/>
+          </a:xfrm>
+          <a:prstGeom prst="line">
+            <a:avLst/>
+          </a:prstGeom>
+          <a:ln w="76200">
+            <a:solidFill>
+              <a:schemeClr val="accent3">
+                <a:lumMod val="50000"/>
+              </a:schemeClr>
+            </a:solidFill>
+          </a:ln>
+        </p:spPr>
+        <p:style>
+          <a:lnRef idx="1">
+            <a:schemeClr val="accent1"/>
+          </a:lnRef>
+          <a:fillRef idx="0">
+            <a:schemeClr val="accent1"/>
+          </a:fillRef>
+          <a:effectRef idx="0">
+            <a:schemeClr val="accent1"/>
+          </a:effectRef>
+          <a:fontRef idx="minor">
+            <a:schemeClr val="tx1"/>
+          </a:fontRef>
+        </p:style>
+      </p:cxnSp>
+      <p:cxnSp>
+        <p:nvCxnSpPr>
+          <p:cNvPr id="76" name="Straight Connector 75">
+            <a:extLst>
+              <a:ext uri="{FF2B5EF4-FFF2-40B4-BE49-F238E27FC236}">
+                <a16:creationId xmlns:a16="http://schemas.microsoft.com/office/drawing/2014/main" id="{889C6B19-1908-A7B9-6738-A5D63E12E8A5}"/>
+              </a:ext>
+            </a:extLst>
+          </p:cNvPr>
+          <p:cNvCxnSpPr>
+            <a:cxnSpLocks/>
+          </p:cNvCxnSpPr>
+          <p:nvPr/>
+        </p:nvCxnSpPr>
+        <p:spPr>
+          <a:xfrm>
+            <a:off x="262451" y="3689816"/>
+            <a:ext cx="1408855" cy="0"/>
+          </a:xfrm>
+          <a:prstGeom prst="line">
+            <a:avLst/>
+          </a:prstGeom>
+          <a:ln w="12700">
+            <a:solidFill>
+              <a:schemeClr val="bg1"/>
+            </a:solidFill>
+            <a:prstDash val="dash"/>
+          </a:ln>
+        </p:spPr>
+        <p:style>
+          <a:lnRef idx="1">
+            <a:schemeClr val="accent1"/>
+          </a:lnRef>
+          <a:fillRef idx="0">
+            <a:schemeClr val="accent1"/>
+          </a:fillRef>
+          <a:effectRef idx="0">
+            <a:schemeClr val="accent1"/>
+          </a:effectRef>
+          <a:fontRef idx="minor">
+            <a:schemeClr val="tx1"/>
+          </a:fontRef>
+        </p:style>
+      </p:cxnSp>
+      <p:cxnSp>
+        <p:nvCxnSpPr>
+          <p:cNvPr id="86" name="Straight Connector 85">
+            <a:extLst>
+              <a:ext uri="{FF2B5EF4-FFF2-40B4-BE49-F238E27FC236}">
+                <a16:creationId xmlns:a16="http://schemas.microsoft.com/office/drawing/2014/main" id="{1C6EE5BD-CDE6-C07F-6C26-09794D9948DC}"/>
+              </a:ext>
+            </a:extLst>
+          </p:cNvPr>
+          <p:cNvCxnSpPr>
+            <a:cxnSpLocks/>
+          </p:cNvCxnSpPr>
+          <p:nvPr/>
+        </p:nvCxnSpPr>
+        <p:spPr>
+          <a:xfrm>
+            <a:off x="262451" y="3299689"/>
+            <a:ext cx="1408855" cy="0"/>
+          </a:xfrm>
+          <a:prstGeom prst="line">
+            <a:avLst/>
+          </a:prstGeom>
+          <a:ln w="12700">
+            <a:solidFill>
+              <a:schemeClr val="bg1"/>
+            </a:solidFill>
+            <a:prstDash val="dash"/>
+          </a:ln>
+        </p:spPr>
+        <p:style>
+          <a:lnRef idx="1">
+            <a:schemeClr val="accent1"/>
+          </a:lnRef>
+          <a:fillRef idx="0">
+            <a:schemeClr val="accent1"/>
+          </a:fillRef>
+          <a:effectRef idx="0">
+            <a:schemeClr val="accent1"/>
+          </a:effectRef>
+          <a:fontRef idx="minor">
+            <a:schemeClr val="tx1"/>
+          </a:fontRef>
+        </p:style>
+      </p:cxnSp>
+      <p:cxnSp>
+        <p:nvCxnSpPr>
+          <p:cNvPr id="98" name="Straight Connector 97">
+            <a:extLst>
+              <a:ext uri="{FF2B5EF4-FFF2-40B4-BE49-F238E27FC236}">
+                <a16:creationId xmlns:a16="http://schemas.microsoft.com/office/drawing/2014/main" id="{E44487A1-EC6D-8F0E-0F9C-3038B03E41E0}"/>
+              </a:ext>
+            </a:extLst>
+          </p:cNvPr>
+          <p:cNvCxnSpPr>
+            <a:cxnSpLocks/>
+          </p:cNvCxnSpPr>
+          <p:nvPr/>
+        </p:nvCxnSpPr>
+        <p:spPr>
+          <a:xfrm>
+            <a:off x="270405" y="2921928"/>
+            <a:ext cx="1408855" cy="0"/>
+          </a:xfrm>
+          <a:prstGeom prst="line">
+            <a:avLst/>
+          </a:prstGeom>
+          <a:ln w="12700">
+            <a:solidFill>
+              <a:schemeClr val="bg1"/>
+            </a:solidFill>
+            <a:prstDash val="dash"/>
+          </a:ln>
+        </p:spPr>
+        <p:style>
+          <a:lnRef idx="1">
+            <a:schemeClr val="accent1"/>
+          </a:lnRef>
+          <a:fillRef idx="0">
+            <a:schemeClr val="accent1"/>
+          </a:fillRef>
+          <a:effectRef idx="0">
+            <a:schemeClr val="accent1"/>
+          </a:effectRef>
+          <a:fontRef idx="minor">
+            <a:schemeClr val="tx1"/>
+          </a:fontRef>
+        </p:style>
+      </p:cxnSp>
+      <p:cxnSp>
+        <p:nvCxnSpPr>
+          <p:cNvPr id="99" name="Straight Connector 98">
+            <a:extLst>
+              <a:ext uri="{FF2B5EF4-FFF2-40B4-BE49-F238E27FC236}">
+                <a16:creationId xmlns:a16="http://schemas.microsoft.com/office/drawing/2014/main" id="{A62DA1E7-2FB3-6EF4-1565-11B9C88F9F09}"/>
+              </a:ext>
+            </a:extLst>
+          </p:cNvPr>
+          <p:cNvCxnSpPr>
+            <a:cxnSpLocks/>
+          </p:cNvCxnSpPr>
+          <p:nvPr/>
+        </p:nvCxnSpPr>
+        <p:spPr>
+          <a:xfrm flipV="1">
+            <a:off x="1529173" y="2914840"/>
+            <a:ext cx="0" cy="384066"/>
+          </a:xfrm>
+          <a:prstGeom prst="line">
+            <a:avLst/>
+          </a:prstGeom>
+          <a:ln w="12700">
+            <a:solidFill>
+              <a:schemeClr val="bg1"/>
+            </a:solidFill>
+            <a:prstDash val="dash"/>
+          </a:ln>
+        </p:spPr>
+        <p:style>
+          <a:lnRef idx="1">
+            <a:schemeClr val="accent1"/>
+          </a:lnRef>
+          <a:fillRef idx="0">
+            <a:schemeClr val="accent1"/>
+          </a:fillRef>
+          <a:effectRef idx="0">
+            <a:schemeClr val="accent1"/>
+          </a:effectRef>
+          <a:fontRef idx="minor">
+            <a:schemeClr val="tx1"/>
+          </a:fontRef>
+        </p:style>
+      </p:cxnSp>
+      <p:cxnSp>
+        <p:nvCxnSpPr>
+          <p:cNvPr id="103" name="Straight Connector 102">
+            <a:extLst>
+              <a:ext uri="{FF2B5EF4-FFF2-40B4-BE49-F238E27FC236}">
+                <a16:creationId xmlns:a16="http://schemas.microsoft.com/office/drawing/2014/main" id="{D0A3A15A-2A01-66FE-D85B-D4855BF6C8E5}"/>
+              </a:ext>
+            </a:extLst>
+          </p:cNvPr>
+          <p:cNvCxnSpPr>
+            <a:cxnSpLocks/>
+          </p:cNvCxnSpPr>
+          <p:nvPr/>
+        </p:nvCxnSpPr>
+        <p:spPr>
+          <a:xfrm flipV="1">
+            <a:off x="412754" y="2560819"/>
+            <a:ext cx="0" cy="1292569"/>
+          </a:xfrm>
+          <a:prstGeom prst="line">
+            <a:avLst/>
+          </a:prstGeom>
+          <a:ln w="12700">
+            <a:solidFill>
+              <a:schemeClr val="bg1"/>
+            </a:solidFill>
+            <a:prstDash val="dash"/>
+          </a:ln>
+        </p:spPr>
+        <p:style>
+          <a:lnRef idx="1">
+            <a:schemeClr val="accent1"/>
+          </a:lnRef>
+          <a:fillRef idx="0">
+            <a:schemeClr val="accent1"/>
+          </a:fillRef>
+          <a:effectRef idx="0">
+            <a:schemeClr val="accent1"/>
+          </a:effectRef>
+          <a:fontRef idx="minor">
+            <a:schemeClr val="tx1"/>
+          </a:fontRef>
+        </p:style>
+      </p:cxnSp>
+      <p:cxnSp>
+        <p:nvCxnSpPr>
+          <p:cNvPr id="105" name="Straight Connector 104">
+            <a:extLst>
+              <a:ext uri="{FF2B5EF4-FFF2-40B4-BE49-F238E27FC236}">
+                <a16:creationId xmlns:a16="http://schemas.microsoft.com/office/drawing/2014/main" id="{702930F7-7C34-5695-3B3A-FC388D1B2346}"/>
+              </a:ext>
+            </a:extLst>
+          </p:cNvPr>
+          <p:cNvCxnSpPr>
+            <a:cxnSpLocks/>
+          </p:cNvCxnSpPr>
+          <p:nvPr/>
+        </p:nvCxnSpPr>
+        <p:spPr>
+          <a:xfrm flipV="1">
+            <a:off x="972736" y="3319535"/>
+            <a:ext cx="271844" cy="533853"/>
+          </a:xfrm>
+          <a:prstGeom prst="line">
+            <a:avLst/>
+          </a:prstGeom>
+          <a:ln w="12700">
+            <a:solidFill>
+              <a:schemeClr val="bg1"/>
+            </a:solidFill>
+            <a:prstDash val="dash"/>
+          </a:ln>
+        </p:spPr>
+        <p:style>
+          <a:lnRef idx="1">
+            <a:schemeClr val="accent1"/>
+          </a:lnRef>
+          <a:fillRef idx="0">
+            <a:schemeClr val="accent1"/>
+          </a:fillRef>
+          <a:effectRef idx="0">
+            <a:schemeClr val="accent1"/>
+          </a:effectRef>
+          <a:fontRef idx="minor">
+            <a:schemeClr val="tx1"/>
+          </a:fontRef>
+        </p:style>
+      </p:cxnSp>
+      <p:cxnSp>
+        <p:nvCxnSpPr>
+          <p:cNvPr id="113" name="Straight Connector 112">
+            <a:extLst>
+              <a:ext uri="{FF2B5EF4-FFF2-40B4-BE49-F238E27FC236}">
+                <a16:creationId xmlns:a16="http://schemas.microsoft.com/office/drawing/2014/main" id="{BEA9D9D8-EE3B-5612-5480-82D1ED072921}"/>
+              </a:ext>
+            </a:extLst>
+          </p:cNvPr>
+          <p:cNvCxnSpPr>
+            <a:cxnSpLocks/>
+          </p:cNvCxnSpPr>
+          <p:nvPr/>
+        </p:nvCxnSpPr>
+        <p:spPr>
+          <a:xfrm flipH="1" flipV="1">
+            <a:off x="849975" y="2560732"/>
+            <a:ext cx="122761" cy="337049"/>
+          </a:xfrm>
+          <a:prstGeom prst="line">
+            <a:avLst/>
+          </a:prstGeom>
+          <a:ln w="76200">
+            <a:solidFill>
+              <a:schemeClr val="accent3">
+                <a:lumMod val="50000"/>
+              </a:schemeClr>
+            </a:solidFill>
+          </a:ln>
+        </p:spPr>
+        <p:style>
+          <a:lnRef idx="1">
+            <a:schemeClr val="accent1"/>
+          </a:lnRef>
+          <a:fillRef idx="0">
+            <a:schemeClr val="accent1"/>
+          </a:fillRef>
+          <a:effectRef idx="0">
+            <a:schemeClr val="accent1"/>
+          </a:effectRef>
+          <a:fontRef idx="minor">
+            <a:schemeClr val="tx1"/>
+          </a:fontRef>
+        </p:style>
+      </p:cxnSp>
+      <p:cxnSp>
+        <p:nvCxnSpPr>
+          <p:cNvPr id="119" name="Straight Connector 118">
+            <a:extLst>
+              <a:ext uri="{FF2B5EF4-FFF2-40B4-BE49-F238E27FC236}">
+                <a16:creationId xmlns:a16="http://schemas.microsoft.com/office/drawing/2014/main" id="{DBF6E8DA-08D2-1177-93EF-EFAF08D24A00}"/>
+              </a:ext>
+            </a:extLst>
+          </p:cNvPr>
+          <p:cNvCxnSpPr>
+            <a:cxnSpLocks/>
+          </p:cNvCxnSpPr>
+          <p:nvPr/>
+        </p:nvCxnSpPr>
+        <p:spPr>
+          <a:xfrm>
+            <a:off x="849975" y="2562972"/>
+            <a:ext cx="130675" cy="348029"/>
+          </a:xfrm>
+          <a:prstGeom prst="line">
+            <a:avLst/>
+          </a:prstGeom>
+          <a:ln w="12700">
+            <a:solidFill>
+              <a:schemeClr val="bg1"/>
+            </a:solidFill>
+            <a:prstDash val="dash"/>
+          </a:ln>
+        </p:spPr>
+        <p:style>
+          <a:lnRef idx="1">
+            <a:schemeClr val="accent1"/>
+          </a:lnRef>
+          <a:fillRef idx="0">
+            <a:schemeClr val="accent1"/>
+          </a:fillRef>
+          <a:effectRef idx="0">
+            <a:schemeClr val="accent1"/>
+          </a:effectRef>
+          <a:fontRef idx="minor">
+            <a:schemeClr val="tx1"/>
+          </a:fontRef>
+        </p:style>
+      </p:cxnSp>
+      <p:pic>
+        <p:nvPicPr>
+          <p:cNvPr id="129" name="Graphic 128">
+            <a:extLst>
+              <a:ext uri="{FF2B5EF4-FFF2-40B4-BE49-F238E27FC236}">
+                <a16:creationId xmlns:a16="http://schemas.microsoft.com/office/drawing/2014/main" id="{A9154946-DE8E-A95D-77B5-A3E3B79F7229}"/>
+              </a:ext>
+            </a:extLst>
+          </p:cNvPr>
+          <p:cNvPicPr>
+            <a:picLocks noChangeAspect="1"/>
+          </p:cNvPicPr>
+          <p:nvPr/>
+        </p:nvPicPr>
+        <p:blipFill>
+          <a:blip r:embed="rId5">
+            <a:extLst>
+              <a:ext uri="{96DAC541-7B7A-43D3-8B79-37D633B846F1}">
+                <asvg:svgBlip xmlns:asvg="http://schemas.microsoft.com/office/drawing/2016/SVG/main" r:embed="rId6"/>
+              </a:ext>
+            </a:extLst>
+          </a:blip>
+          <a:stretch>
+            <a:fillRect/>
+          </a:stretch>
+        </p:blipFill>
+        <p:spPr>
+          <a:xfrm>
+            <a:off x="1147796" y="2705678"/>
+            <a:ext cx="194793" cy="194793"/>
+          </a:xfrm>
+          <a:prstGeom prst="rect">
+            <a:avLst/>
+          </a:prstGeom>
+        </p:spPr>
+      </p:pic>
+      <p:pic>
+        <p:nvPicPr>
+          <p:cNvPr id="130" name="Graphic 129">
+            <a:extLst>
+              <a:ext uri="{FF2B5EF4-FFF2-40B4-BE49-F238E27FC236}">
+                <a16:creationId xmlns:a16="http://schemas.microsoft.com/office/drawing/2014/main" id="{7B736367-A285-7891-F130-7032349AE5EE}"/>
+              </a:ext>
+            </a:extLst>
+          </p:cNvPr>
+          <p:cNvPicPr>
+            <a:picLocks noChangeAspect="1"/>
+          </p:cNvPicPr>
+          <p:nvPr/>
+        </p:nvPicPr>
+        <p:blipFill>
+          <a:blip r:embed="rId5">
+            <a:extLst>
+              <a:ext uri="{96DAC541-7B7A-43D3-8B79-37D633B846F1}">
+                <asvg:svgBlip xmlns:asvg="http://schemas.microsoft.com/office/drawing/2016/SVG/main" r:embed="rId6"/>
+              </a:ext>
+            </a:extLst>
+          </a:blip>
+          <a:stretch>
+            <a:fillRect/>
+          </a:stretch>
+        </p:blipFill>
+        <p:spPr>
+          <a:xfrm>
+            <a:off x="537200" y="2708787"/>
+            <a:ext cx="194793" cy="194793"/>
+          </a:xfrm>
+          <a:prstGeom prst="rect">
+            <a:avLst/>
+          </a:prstGeom>
+        </p:spPr>
+      </p:pic>
+      <p:pic>
+        <p:nvPicPr>
+          <p:cNvPr id="132" name="Graphic 131">
+            <a:extLst>
+              <a:ext uri="{FF2B5EF4-FFF2-40B4-BE49-F238E27FC236}">
+                <a16:creationId xmlns:a16="http://schemas.microsoft.com/office/drawing/2014/main" id="{5D6CD3E0-1FBF-5E36-24F4-DDA49C7B5D75}"/>
+              </a:ext>
+            </a:extLst>
+          </p:cNvPr>
+          <p:cNvPicPr>
+            <a:picLocks noChangeAspect="1"/>
+          </p:cNvPicPr>
+          <p:nvPr/>
+        </p:nvPicPr>
+        <p:blipFill>
+          <a:blip r:embed="rId7">
+            <a:extLst>
+              <a:ext uri="{96DAC541-7B7A-43D3-8B79-37D633B846F1}">
+                <asvg:svgBlip xmlns:asvg="http://schemas.microsoft.com/office/drawing/2016/SVG/main" r:embed="rId8"/>
+              </a:ext>
+            </a:extLst>
+          </a:blip>
+          <a:stretch>
+            <a:fillRect/>
+          </a:stretch>
+        </p:blipFill>
+        <p:spPr>
+          <a:xfrm>
+            <a:off x="11399826" y="3476517"/>
+            <a:ext cx="194793" cy="194793"/>
+          </a:xfrm>
+          <a:prstGeom prst="rect">
+            <a:avLst/>
+          </a:prstGeom>
+        </p:spPr>
+      </p:pic>
+      <p:pic>
+        <p:nvPicPr>
+          <p:cNvPr id="133" name="Graphic 132">
+            <a:extLst>
+              <a:ext uri="{FF2B5EF4-FFF2-40B4-BE49-F238E27FC236}">
+                <a16:creationId xmlns:a16="http://schemas.microsoft.com/office/drawing/2014/main" id="{8CAD8B47-5843-E4F3-B3E3-58C8725E4407}"/>
+              </a:ext>
+            </a:extLst>
+          </p:cNvPr>
+          <p:cNvPicPr>
+            <a:picLocks noChangeAspect="1"/>
+          </p:cNvPicPr>
+          <p:nvPr/>
+        </p:nvPicPr>
+        <p:blipFill>
+          <a:blip r:embed="rId7">
+            <a:extLst>
+              <a:ext uri="{96DAC541-7B7A-43D3-8B79-37D633B846F1}">
+                <asvg:svgBlip xmlns:asvg="http://schemas.microsoft.com/office/drawing/2016/SVG/main" r:embed="rId8"/>
+              </a:ext>
+            </a:extLst>
+          </a:blip>
+          <a:stretch>
+            <a:fillRect/>
+          </a:stretch>
+        </p:blipFill>
+        <p:spPr>
+          <a:xfrm>
+            <a:off x="11725107" y="3256938"/>
+            <a:ext cx="194793" cy="194793"/>
+          </a:xfrm>
+          <a:prstGeom prst="rect">
+            <a:avLst/>
+          </a:prstGeom>
+        </p:spPr>
+      </p:pic>
+      <p:pic>
+        <p:nvPicPr>
+          <p:cNvPr id="134" name="Graphic 133">
+            <a:extLst>
+              <a:ext uri="{FF2B5EF4-FFF2-40B4-BE49-F238E27FC236}">
+                <a16:creationId xmlns:a16="http://schemas.microsoft.com/office/drawing/2014/main" id="{687F8962-E928-0749-CB48-8A806E3926F7}"/>
+              </a:ext>
+            </a:extLst>
+          </p:cNvPr>
+          <p:cNvPicPr>
+            <a:picLocks noChangeAspect="1"/>
+          </p:cNvPicPr>
+          <p:nvPr/>
+        </p:nvPicPr>
+        <p:blipFill>
+          <a:blip r:embed="rId7">
+            <a:extLst>
+              <a:ext uri="{96DAC541-7B7A-43D3-8B79-37D633B846F1}">
+                <asvg:svgBlip xmlns:asvg="http://schemas.microsoft.com/office/drawing/2016/SVG/main" r:embed="rId8"/>
+              </a:ext>
+            </a:extLst>
+          </a:blip>
+          <a:stretch>
+            <a:fillRect/>
+          </a:stretch>
+        </p:blipFill>
+        <p:spPr>
+          <a:xfrm>
+            <a:off x="11388901" y="3140543"/>
+            <a:ext cx="194793" cy="194793"/>
+          </a:xfrm>
+          <a:prstGeom prst="rect">
+            <a:avLst/>
+          </a:prstGeom>
+        </p:spPr>
+      </p:pic>
+      <p:pic>
+        <p:nvPicPr>
+          <p:cNvPr id="135" name="Graphic 134">
+            <a:extLst>
+              <a:ext uri="{FF2B5EF4-FFF2-40B4-BE49-F238E27FC236}">
+                <a16:creationId xmlns:a16="http://schemas.microsoft.com/office/drawing/2014/main" id="{8203B933-0B58-E758-FD22-9099513C57BE}"/>
+              </a:ext>
+            </a:extLst>
+          </p:cNvPr>
+          <p:cNvPicPr>
+            <a:picLocks noChangeAspect="1"/>
+          </p:cNvPicPr>
+          <p:nvPr/>
+        </p:nvPicPr>
+        <p:blipFill>
+          <a:blip r:embed="rId7">
+            <a:extLst>
+              <a:ext uri="{96DAC541-7B7A-43D3-8B79-37D633B846F1}">
+                <asvg:svgBlip xmlns:asvg="http://schemas.microsoft.com/office/drawing/2016/SVG/main" r:embed="rId8"/>
+              </a:ext>
+            </a:extLst>
+          </a:blip>
+          <a:stretch>
+            <a:fillRect/>
+          </a:stretch>
+        </p:blipFill>
+        <p:spPr>
+          <a:xfrm>
+            <a:off x="10871112" y="2801400"/>
+            <a:ext cx="194793" cy="194793"/>
+          </a:xfrm>
+          <a:prstGeom prst="rect">
+            <a:avLst/>
+          </a:prstGeom>
+        </p:spPr>
+      </p:pic>
+      <p:cxnSp>
+        <p:nvCxnSpPr>
+          <p:cNvPr id="137" name="Straight Connector 136">
+            <a:extLst>
+              <a:ext uri="{FF2B5EF4-FFF2-40B4-BE49-F238E27FC236}">
+                <a16:creationId xmlns:a16="http://schemas.microsoft.com/office/drawing/2014/main" id="{B09D8CD8-CB13-C34A-3F2F-677DE38CB07C}"/>
+              </a:ext>
+            </a:extLst>
+          </p:cNvPr>
+          <p:cNvCxnSpPr>
+            <a:cxnSpLocks/>
+          </p:cNvCxnSpPr>
+          <p:nvPr/>
+        </p:nvCxnSpPr>
+        <p:spPr>
+          <a:xfrm>
+            <a:off x="11486298" y="3360737"/>
+            <a:ext cx="10925" cy="141181"/>
+          </a:xfrm>
+          <a:prstGeom prst="line">
+            <a:avLst/>
+          </a:prstGeom>
+          <a:ln w="12700"/>
+        </p:spPr>
+        <p:style>
+          <a:lnRef idx="1">
+            <a:schemeClr val="accent1"/>
+          </a:lnRef>
+          <a:fillRef idx="0">
+            <a:schemeClr val="accent1"/>
+          </a:fillRef>
+          <a:effectRef idx="0">
+            <a:schemeClr val="accent1"/>
+          </a:effectRef>
+          <a:fontRef idx="minor">
+            <a:schemeClr val="tx1"/>
+          </a:fontRef>
+        </p:style>
+      </p:cxnSp>
+      <p:pic>
+        <p:nvPicPr>
+          <p:cNvPr id="139" name="Graphic 138">
+            <a:extLst>
+              <a:ext uri="{FF2B5EF4-FFF2-40B4-BE49-F238E27FC236}">
+                <a16:creationId xmlns:a16="http://schemas.microsoft.com/office/drawing/2014/main" id="{F69D9ADA-64D5-FA32-9214-9911BA67A8E5}"/>
+              </a:ext>
+            </a:extLst>
+          </p:cNvPr>
+          <p:cNvPicPr>
+            <a:picLocks noChangeAspect="1"/>
+          </p:cNvPicPr>
+          <p:nvPr/>
+        </p:nvPicPr>
+        <p:blipFill>
+          <a:blip r:embed="rId7">
+            <a:extLst>
+              <a:ext uri="{96DAC541-7B7A-43D3-8B79-37D633B846F1}">
+                <asvg:svgBlip xmlns:asvg="http://schemas.microsoft.com/office/drawing/2016/SVG/main" r:embed="rId8"/>
+              </a:ext>
+            </a:extLst>
+          </a:blip>
+          <a:stretch>
+            <a:fillRect/>
+          </a:stretch>
+        </p:blipFill>
+        <p:spPr>
+          <a:xfrm>
+            <a:off x="10593553" y="2988039"/>
+            <a:ext cx="194793" cy="194793"/>
+          </a:xfrm>
+          <a:prstGeom prst="rect">
+            <a:avLst/>
+          </a:prstGeom>
+        </p:spPr>
+      </p:pic>
+      <p:cxnSp>
+        <p:nvCxnSpPr>
+          <p:cNvPr id="140" name="Straight Connector 139">
+            <a:extLst>
+              <a:ext uri="{FF2B5EF4-FFF2-40B4-BE49-F238E27FC236}">
+                <a16:creationId xmlns:a16="http://schemas.microsoft.com/office/drawing/2014/main" id="{0C093DED-B617-3240-2F91-E08CBA563FED}"/>
+              </a:ext>
+            </a:extLst>
+          </p:cNvPr>
+          <p:cNvCxnSpPr>
+            <a:cxnSpLocks/>
+            <a:endCxn id="132" idx="3"/>
+          </p:cNvCxnSpPr>
+          <p:nvPr/>
+        </p:nvCxnSpPr>
+        <p:spPr>
+          <a:xfrm flipH="1">
+            <a:off x="11594619" y="3470482"/>
+            <a:ext cx="150596" cy="103432"/>
+          </a:xfrm>
+          <a:prstGeom prst="line">
+            <a:avLst/>
+          </a:prstGeom>
+          <a:ln w="12700"/>
+        </p:spPr>
+        <p:style>
+          <a:lnRef idx="1">
+            <a:schemeClr val="accent1"/>
+          </a:lnRef>
+          <a:fillRef idx="0">
+            <a:schemeClr val="accent1"/>
+          </a:fillRef>
+          <a:effectRef idx="0">
+            <a:schemeClr val="accent1"/>
+          </a:effectRef>
+          <a:fontRef idx="minor">
+            <a:schemeClr val="tx1"/>
+          </a:fontRef>
+        </p:style>
+      </p:cxnSp>
+      <p:cxnSp>
+        <p:nvCxnSpPr>
+          <p:cNvPr id="143" name="Straight Connector 142">
+            <a:extLst>
+              <a:ext uri="{FF2B5EF4-FFF2-40B4-BE49-F238E27FC236}">
+                <a16:creationId xmlns:a16="http://schemas.microsoft.com/office/drawing/2014/main" id="{26D53DFE-8106-6CED-8DBC-8C8C9DE62740}"/>
+              </a:ext>
+            </a:extLst>
+          </p:cNvPr>
+          <p:cNvCxnSpPr>
+            <a:cxnSpLocks/>
+          </p:cNvCxnSpPr>
+          <p:nvPr/>
+        </p:nvCxnSpPr>
+        <p:spPr>
+          <a:xfrm>
+            <a:off x="11574401" y="3276792"/>
+            <a:ext cx="145590" cy="77910"/>
+          </a:xfrm>
+          <a:prstGeom prst="line">
+            <a:avLst/>
+          </a:prstGeom>
+          <a:ln w="12700"/>
+        </p:spPr>
+        <p:style>
+          <a:lnRef idx="1">
+            <a:schemeClr val="accent1"/>
+          </a:lnRef>
+          <a:fillRef idx="0">
+            <a:schemeClr val="accent1"/>
+          </a:fillRef>
+          <a:effectRef idx="0">
+            <a:schemeClr val="accent1"/>
+          </a:effectRef>
+          <a:fontRef idx="minor">
+            <a:schemeClr val="tx1"/>
+          </a:fontRef>
+        </p:style>
+      </p:cxnSp>
+      <p:cxnSp>
+        <p:nvCxnSpPr>
+          <p:cNvPr id="166" name="Straight Connector 165">
+            <a:extLst>
+              <a:ext uri="{FF2B5EF4-FFF2-40B4-BE49-F238E27FC236}">
+                <a16:creationId xmlns:a16="http://schemas.microsoft.com/office/drawing/2014/main" id="{3CA147C6-9496-8839-9B99-93CDFEBBF7CB}"/>
+              </a:ext>
+            </a:extLst>
+          </p:cNvPr>
+          <p:cNvCxnSpPr>
+            <a:cxnSpLocks/>
+          </p:cNvCxnSpPr>
+          <p:nvPr/>
+        </p:nvCxnSpPr>
+        <p:spPr>
+          <a:xfrm flipH="1">
+            <a:off x="10762586" y="3015260"/>
+            <a:ext cx="150596" cy="103432"/>
+          </a:xfrm>
+          <a:prstGeom prst="line">
+            <a:avLst/>
+          </a:prstGeom>
+          <a:ln w="12700"/>
+        </p:spPr>
+        <p:style>
+          <a:lnRef idx="1">
+            <a:schemeClr val="accent1"/>
+          </a:lnRef>
+          <a:fillRef idx="0">
+            <a:schemeClr val="accent1"/>
+          </a:fillRef>
+          <a:effectRef idx="0">
+            <a:schemeClr val="accent1"/>
+          </a:effectRef>
+          <a:fontRef idx="minor">
+            <a:schemeClr val="tx1"/>
+          </a:fontRef>
+        </p:style>
+      </p:cxnSp>
+      <p:pic>
+        <p:nvPicPr>
+          <p:cNvPr id="167" name="Graphic 166">
+            <a:extLst>
+              <a:ext uri="{FF2B5EF4-FFF2-40B4-BE49-F238E27FC236}">
+                <a16:creationId xmlns:a16="http://schemas.microsoft.com/office/drawing/2014/main" id="{3D1FD957-D173-8479-28A7-6B75B3A8B1F9}"/>
+              </a:ext>
+            </a:extLst>
+          </p:cNvPr>
+          <p:cNvPicPr>
+            <a:picLocks noChangeAspect="1"/>
+          </p:cNvPicPr>
+          <p:nvPr/>
+        </p:nvPicPr>
+        <p:blipFill>
+          <a:blip r:embed="rId7">
+            <a:extLst>
+              <a:ext uri="{96DAC541-7B7A-43D3-8B79-37D633B846F1}">
+                <asvg:svgBlip xmlns:asvg="http://schemas.microsoft.com/office/drawing/2016/SVG/main" r:embed="rId8"/>
+              </a:ext>
+            </a:extLst>
+          </a:blip>
+          <a:stretch>
+            <a:fillRect/>
+          </a:stretch>
+        </p:blipFill>
+        <p:spPr>
+          <a:xfrm>
+            <a:off x="10745423" y="3881499"/>
+            <a:ext cx="194793" cy="194793"/>
+          </a:xfrm>
+          <a:prstGeom prst="rect">
+            <a:avLst/>
+          </a:prstGeom>
+        </p:spPr>
+      </p:pic>
+      <p:pic>
+        <p:nvPicPr>
+          <p:cNvPr id="168" name="Graphic 167">
+            <a:extLst>
+              <a:ext uri="{FF2B5EF4-FFF2-40B4-BE49-F238E27FC236}">
+                <a16:creationId xmlns:a16="http://schemas.microsoft.com/office/drawing/2014/main" id="{C5811411-0CEC-3911-1BF0-E30F99E6D746}"/>
+              </a:ext>
+            </a:extLst>
+          </p:cNvPr>
+          <p:cNvPicPr>
+            <a:picLocks noChangeAspect="1"/>
+          </p:cNvPicPr>
+          <p:nvPr/>
+        </p:nvPicPr>
+        <p:blipFill>
+          <a:blip r:embed="rId7">
+            <a:extLst>
+              <a:ext uri="{96DAC541-7B7A-43D3-8B79-37D633B846F1}">
+                <asvg:svgBlip xmlns:asvg="http://schemas.microsoft.com/office/drawing/2016/SVG/main" r:embed="rId8"/>
+              </a:ext>
+            </a:extLst>
+          </a:blip>
+          <a:stretch>
+            <a:fillRect/>
+          </a:stretch>
+        </p:blipFill>
+        <p:spPr>
+          <a:xfrm>
+            <a:off x="10842129" y="3516130"/>
+            <a:ext cx="194793" cy="194793"/>
+          </a:xfrm>
+          <a:prstGeom prst="rect">
+            <a:avLst/>
+          </a:prstGeom>
+        </p:spPr>
+      </p:pic>
+      <p:pic>
+        <p:nvPicPr>
+          <p:cNvPr id="169" name="Graphic 168">
+            <a:extLst>
+              <a:ext uri="{FF2B5EF4-FFF2-40B4-BE49-F238E27FC236}">
+                <a16:creationId xmlns:a16="http://schemas.microsoft.com/office/drawing/2014/main" id="{740A0D4A-1906-AC3D-DC65-F62C736B8B22}"/>
+              </a:ext>
+            </a:extLst>
+          </p:cNvPr>
+          <p:cNvPicPr>
+            <a:picLocks noChangeAspect="1"/>
+          </p:cNvPicPr>
+          <p:nvPr/>
+        </p:nvPicPr>
+        <p:blipFill>
+          <a:blip r:embed="rId7">
+            <a:extLst>
+              <a:ext uri="{96DAC541-7B7A-43D3-8B79-37D633B846F1}">
+                <asvg:svgBlip xmlns:asvg="http://schemas.microsoft.com/office/drawing/2016/SVG/main" r:embed="rId8"/>
+              </a:ext>
+            </a:extLst>
+          </a:blip>
+          <a:stretch>
+            <a:fillRect/>
+          </a:stretch>
+        </p:blipFill>
+        <p:spPr>
+          <a:xfrm>
+            <a:off x="10517402" y="3624177"/>
+            <a:ext cx="194793" cy="194793"/>
+          </a:xfrm>
+          <a:prstGeom prst="rect">
+            <a:avLst/>
+          </a:prstGeom>
+        </p:spPr>
+      </p:pic>
+      <p:cxnSp>
+        <p:nvCxnSpPr>
+          <p:cNvPr id="170" name="Straight Connector 169">
+            <a:extLst>
+              <a:ext uri="{FF2B5EF4-FFF2-40B4-BE49-F238E27FC236}">
+                <a16:creationId xmlns:a16="http://schemas.microsoft.com/office/drawing/2014/main" id="{5A47F52D-25CF-C876-9616-0486F32F5A5E}"/>
+              </a:ext>
+            </a:extLst>
+          </p:cNvPr>
+          <p:cNvCxnSpPr>
+            <a:cxnSpLocks/>
+          </p:cNvCxnSpPr>
+          <p:nvPr/>
+        </p:nvCxnSpPr>
+        <p:spPr>
+          <a:xfrm>
+            <a:off x="10642564" y="3847519"/>
+            <a:ext cx="123045" cy="156259"/>
+          </a:xfrm>
+          <a:prstGeom prst="line">
+            <a:avLst/>
+          </a:prstGeom>
+          <a:ln w="12700"/>
+        </p:spPr>
+        <p:style>
+          <a:lnRef idx="1">
+            <a:schemeClr val="accent1"/>
+          </a:lnRef>
+          <a:fillRef idx="0">
+            <a:schemeClr val="accent1"/>
+          </a:fillRef>
+          <a:effectRef idx="0">
+            <a:schemeClr val="accent1"/>
+          </a:effectRef>
+          <a:fontRef idx="minor">
+            <a:schemeClr val="tx1"/>
+          </a:fontRef>
+        </p:style>
+      </p:cxnSp>
+      <p:cxnSp>
+        <p:nvCxnSpPr>
+          <p:cNvPr id="171" name="Straight Connector 170">
+            <a:extLst>
+              <a:ext uri="{FF2B5EF4-FFF2-40B4-BE49-F238E27FC236}">
+                <a16:creationId xmlns:a16="http://schemas.microsoft.com/office/drawing/2014/main" id="{9E0ED53A-8314-178C-86CE-0CC20249EDAB}"/>
+              </a:ext>
+            </a:extLst>
+          </p:cNvPr>
+          <p:cNvCxnSpPr>
+            <a:cxnSpLocks/>
+          </p:cNvCxnSpPr>
+          <p:nvPr/>
+        </p:nvCxnSpPr>
+        <p:spPr>
+          <a:xfrm flipH="1">
+            <a:off x="10873541" y="3744903"/>
+            <a:ext cx="69136" cy="176843"/>
+          </a:xfrm>
+          <a:prstGeom prst="line">
+            <a:avLst/>
+          </a:prstGeom>
+          <a:ln w="12700"/>
+        </p:spPr>
+        <p:style>
+          <a:lnRef idx="1">
+            <a:schemeClr val="accent1"/>
+          </a:lnRef>
+          <a:fillRef idx="0">
+            <a:schemeClr val="accent1"/>
+          </a:fillRef>
+          <a:effectRef idx="0">
+            <a:schemeClr val="accent1"/>
+          </a:effectRef>
+          <a:fontRef idx="minor">
+            <a:schemeClr val="tx1"/>
+          </a:fontRef>
+        </p:style>
+      </p:cxnSp>
+      <p:cxnSp>
+        <p:nvCxnSpPr>
+          <p:cNvPr id="172" name="Straight Connector 171">
+            <a:extLst>
+              <a:ext uri="{FF2B5EF4-FFF2-40B4-BE49-F238E27FC236}">
+                <a16:creationId xmlns:a16="http://schemas.microsoft.com/office/drawing/2014/main" id="{4A0510A2-6A2D-821C-7702-4D68135CDD10}"/>
+              </a:ext>
+            </a:extLst>
+          </p:cNvPr>
+          <p:cNvCxnSpPr>
+            <a:cxnSpLocks/>
+          </p:cNvCxnSpPr>
+          <p:nvPr/>
+        </p:nvCxnSpPr>
+        <p:spPr>
+          <a:xfrm flipV="1">
+            <a:off x="10689106" y="3639691"/>
+            <a:ext cx="176112" cy="107489"/>
+          </a:xfrm>
+          <a:prstGeom prst="line">
+            <a:avLst/>
+          </a:prstGeom>
+          <a:ln w="12700"/>
+        </p:spPr>
+        <p:style>
+          <a:lnRef idx="1">
+            <a:schemeClr val="accent1"/>
+          </a:lnRef>
+          <a:fillRef idx="0">
+            <a:schemeClr val="accent1"/>
+          </a:fillRef>
+          <a:effectRef idx="0">
+            <a:schemeClr val="accent1"/>
+          </a:effectRef>
+          <a:fontRef idx="minor">
+            <a:schemeClr val="tx1"/>
+          </a:fontRef>
+        </p:style>
+      </p:cxnSp>
+      <p:sp>
+        <p:nvSpPr>
+          <p:cNvPr id="182" name="Oval 181">
+            <a:extLst>
+              <a:ext uri="{FF2B5EF4-FFF2-40B4-BE49-F238E27FC236}">
+                <a16:creationId xmlns:a16="http://schemas.microsoft.com/office/drawing/2014/main" id="{3F5736D6-6EE1-2498-0763-431040CA899F}"/>
+              </a:ext>
+            </a:extLst>
+          </p:cNvPr>
+          <p:cNvSpPr/>
+          <p:nvPr/>
+        </p:nvSpPr>
+        <p:spPr>
+          <a:xfrm>
+            <a:off x="11288668" y="3099302"/>
+            <a:ext cx="660123" cy="660123"/>
+          </a:xfrm>
+          <a:prstGeom prst="ellipse">
+            <a:avLst/>
+          </a:prstGeom>
+          <a:noFill/>
+          <a:ln>
+            <a:prstDash val="sysDot"/>
+          </a:ln>
+        </p:spPr>
+        <p:style>
+          <a:lnRef idx="2">
+            <a:schemeClr val="accent1">
+              <a:shade val="50000"/>
+            </a:schemeClr>
+          </a:lnRef>
+          <a:fillRef idx="1">
+            <a:schemeClr val="accent1"/>
+          </a:fillRef>
+          <a:effectRef idx="0">
+            <a:schemeClr val="accent1"/>
+          </a:effectRef>
+          <a:fontRef idx="minor">
+            <a:schemeClr val="lt1"/>
+          </a:fontRef>
+        </p:style>
+        <p:txBody>
+          <a:bodyPr rtlCol="0" anchor="ctr"/>
+          <a:lstStyle/>
+          <a:p>
+            <a:pPr algn="ctr"/>
+            <a:endParaRPr lang="en-US"/>
+          </a:p>
+        </p:txBody>
+      </p:sp>
+      <p:sp>
+        <p:nvSpPr>
+          <p:cNvPr id="183" name="Oval 182">
+            <a:extLst>
+              <a:ext uri="{FF2B5EF4-FFF2-40B4-BE49-F238E27FC236}">
+                <a16:creationId xmlns:a16="http://schemas.microsoft.com/office/drawing/2014/main" id="{1A463DE6-E95F-A9C6-DBD1-9F28E10E3726}"/>
+              </a:ext>
+            </a:extLst>
+          </p:cNvPr>
+          <p:cNvSpPr/>
+          <p:nvPr/>
+        </p:nvSpPr>
+        <p:spPr>
+          <a:xfrm>
+            <a:off x="10476912" y="3475948"/>
+            <a:ext cx="660123" cy="660123"/>
+          </a:xfrm>
+          <a:prstGeom prst="ellipse">
+            <a:avLst/>
+          </a:prstGeom>
+          <a:noFill/>
+          <a:ln>
+            <a:prstDash val="sysDot"/>
+          </a:ln>
+        </p:spPr>
+        <p:style>
+          <a:lnRef idx="2">
+            <a:schemeClr val="accent1">
+              <a:shade val="50000"/>
+            </a:schemeClr>
+          </a:lnRef>
+          <a:fillRef idx="1">
+            <a:schemeClr val="accent1"/>
+          </a:fillRef>
+          <a:effectRef idx="0">
+            <a:schemeClr val="accent1"/>
+          </a:effectRef>
+          <a:fontRef idx="minor">
+            <a:schemeClr val="lt1"/>
+          </a:fontRef>
+        </p:style>
+        <p:txBody>
+          <a:bodyPr rtlCol="0" anchor="ctr"/>
+          <a:lstStyle/>
+          <a:p>
+            <a:pPr algn="ctr"/>
+            <a:endParaRPr lang="en-US"/>
+          </a:p>
+        </p:txBody>
+      </p:sp>
+      <p:sp>
+        <p:nvSpPr>
+          <p:cNvPr id="184" name="Oval 183">
+            <a:extLst>
+              <a:ext uri="{FF2B5EF4-FFF2-40B4-BE49-F238E27FC236}">
+                <a16:creationId xmlns:a16="http://schemas.microsoft.com/office/drawing/2014/main" id="{1E910680-48D0-2F6D-A257-C0DA6A24C5AB}"/>
+              </a:ext>
+            </a:extLst>
+          </p:cNvPr>
+          <p:cNvSpPr/>
+          <p:nvPr/>
+        </p:nvSpPr>
+        <p:spPr>
+          <a:xfrm>
+            <a:off x="10536395" y="2742093"/>
+            <a:ext cx="586131" cy="586131"/>
+          </a:xfrm>
+          <a:prstGeom prst="ellipse">
+            <a:avLst/>
+          </a:prstGeom>
+          <a:noFill/>
+          <a:ln>
+            <a:prstDash val="sysDot"/>
+          </a:ln>
+        </p:spPr>
+        <p:style>
+          <a:lnRef idx="2">
+            <a:schemeClr val="accent1">
+              <a:shade val="50000"/>
+            </a:schemeClr>
+          </a:lnRef>
+          <a:fillRef idx="1">
+            <a:schemeClr val="accent1"/>
+          </a:fillRef>
+          <a:effectRef idx="0">
+            <a:schemeClr val="accent1"/>
+          </a:effectRef>
+          <a:fontRef idx="minor">
+            <a:schemeClr val="lt1"/>
+          </a:fontRef>
+        </p:style>
+        <p:txBody>
+          <a:bodyPr rtlCol="0" anchor="ctr"/>
+          <a:lstStyle/>
+          <a:p>
+            <a:pPr algn="ctr"/>
+            <a:endParaRPr lang="en-US"/>
+          </a:p>
+        </p:txBody>
+      </p:sp>
+      <p:cxnSp>
+        <p:nvCxnSpPr>
+          <p:cNvPr id="185" name="Straight Connector 184">
+            <a:extLst>
+              <a:ext uri="{FF2B5EF4-FFF2-40B4-BE49-F238E27FC236}">
+                <a16:creationId xmlns:a16="http://schemas.microsoft.com/office/drawing/2014/main" id="{0594E0A7-264F-26D7-AA0D-A7BCC3A31B5C}"/>
+              </a:ext>
+            </a:extLst>
+          </p:cNvPr>
+          <p:cNvCxnSpPr>
+            <a:cxnSpLocks/>
+          </p:cNvCxnSpPr>
+          <p:nvPr/>
+        </p:nvCxnSpPr>
+        <p:spPr>
+          <a:xfrm>
+            <a:off x="10714092" y="3221961"/>
+            <a:ext cx="183753" cy="332860"/>
+          </a:xfrm>
+          <a:prstGeom prst="line">
+            <a:avLst/>
+          </a:prstGeom>
+          <a:ln w="12700"/>
+        </p:spPr>
+        <p:style>
+          <a:lnRef idx="1">
+            <a:schemeClr val="accent2"/>
+          </a:lnRef>
+          <a:fillRef idx="0">
+            <a:schemeClr val="accent2"/>
+          </a:fillRef>
+          <a:effectRef idx="0">
+            <a:schemeClr val="accent2"/>
+          </a:effectRef>
+          <a:fontRef idx="minor">
+            <a:schemeClr val="tx1"/>
+          </a:fontRef>
+        </p:style>
+      </p:cxnSp>
+      <p:cxnSp>
+        <p:nvCxnSpPr>
+          <p:cNvPr id="190" name="Straight Connector 189">
+            <a:extLst>
+              <a:ext uri="{FF2B5EF4-FFF2-40B4-BE49-F238E27FC236}">
+                <a16:creationId xmlns:a16="http://schemas.microsoft.com/office/drawing/2014/main" id="{24E0F45A-12A6-3832-9E61-2B7E0AE121E2}"/>
+              </a:ext>
+            </a:extLst>
+          </p:cNvPr>
+          <p:cNvCxnSpPr>
+            <a:cxnSpLocks/>
+          </p:cNvCxnSpPr>
+          <p:nvPr/>
+        </p:nvCxnSpPr>
+        <p:spPr>
+          <a:xfrm flipH="1">
+            <a:off x="10605563" y="3217343"/>
+            <a:ext cx="64698" cy="420688"/>
+          </a:xfrm>
+          <a:prstGeom prst="line">
+            <a:avLst/>
+          </a:prstGeom>
+          <a:ln w="12700"/>
+        </p:spPr>
+        <p:style>
+          <a:lnRef idx="1">
+            <a:schemeClr val="accent2"/>
+          </a:lnRef>
+          <a:fillRef idx="0">
+            <a:schemeClr val="accent2"/>
+          </a:fillRef>
+          <a:effectRef idx="0">
+            <a:schemeClr val="accent2"/>
+          </a:effectRef>
+          <a:fontRef idx="minor">
+            <a:schemeClr val="tx1"/>
+          </a:fontRef>
+        </p:style>
+      </p:cxnSp>
+      <p:cxnSp>
+        <p:nvCxnSpPr>
+          <p:cNvPr id="194" name="Straight Connector 193">
+            <a:extLst>
+              <a:ext uri="{FF2B5EF4-FFF2-40B4-BE49-F238E27FC236}">
+                <a16:creationId xmlns:a16="http://schemas.microsoft.com/office/drawing/2014/main" id="{3F458F76-46D4-382E-8C4F-FC6AE83F5322}"/>
+              </a:ext>
+            </a:extLst>
+          </p:cNvPr>
+          <p:cNvCxnSpPr>
+            <a:cxnSpLocks/>
+          </p:cNvCxnSpPr>
+          <p:nvPr/>
+        </p:nvCxnSpPr>
+        <p:spPr>
+          <a:xfrm>
+            <a:off x="10690496" y="3221961"/>
+            <a:ext cx="118508" cy="674675"/>
+          </a:xfrm>
+          <a:prstGeom prst="line">
+            <a:avLst/>
+          </a:prstGeom>
+          <a:ln w="12700"/>
+        </p:spPr>
+        <p:style>
+          <a:lnRef idx="1">
+            <a:schemeClr val="accent2"/>
+          </a:lnRef>
+          <a:fillRef idx="0">
+            <a:schemeClr val="accent2"/>
+          </a:fillRef>
+          <a:effectRef idx="0">
+            <a:schemeClr val="accent2"/>
+          </a:effectRef>
+          <a:fontRef idx="minor">
+            <a:schemeClr val="tx1"/>
+          </a:fontRef>
+        </p:style>
+      </p:cxnSp>
+      <p:cxnSp>
+        <p:nvCxnSpPr>
+          <p:cNvPr id="196" name="Straight Connector 195">
+            <a:extLst>
+              <a:ext uri="{FF2B5EF4-FFF2-40B4-BE49-F238E27FC236}">
+                <a16:creationId xmlns:a16="http://schemas.microsoft.com/office/drawing/2014/main" id="{DB70206B-F1A5-9BC2-AF04-D5C994CD3E8E}"/>
+              </a:ext>
+            </a:extLst>
+          </p:cNvPr>
+          <p:cNvCxnSpPr>
+            <a:cxnSpLocks/>
+          </p:cNvCxnSpPr>
+          <p:nvPr/>
+        </p:nvCxnSpPr>
+        <p:spPr>
+          <a:xfrm flipH="1">
+            <a:off x="10934908" y="3038475"/>
+            <a:ext cx="29257" cy="505363"/>
+          </a:xfrm>
+          <a:prstGeom prst="line">
+            <a:avLst/>
+          </a:prstGeom>
+          <a:ln w="12700"/>
+        </p:spPr>
+        <p:style>
+          <a:lnRef idx="1">
+            <a:schemeClr val="accent2"/>
+          </a:lnRef>
+          <a:fillRef idx="0">
+            <a:schemeClr val="accent2"/>
+          </a:fillRef>
+          <a:effectRef idx="0">
+            <a:schemeClr val="accent2"/>
+          </a:effectRef>
+          <a:fontRef idx="minor">
+            <a:schemeClr val="tx1"/>
+          </a:fontRef>
+        </p:style>
+      </p:cxnSp>
+      <p:cxnSp>
+        <p:nvCxnSpPr>
+          <p:cNvPr id="199" name="Straight Connector 198">
+            <a:extLst>
+              <a:ext uri="{FF2B5EF4-FFF2-40B4-BE49-F238E27FC236}">
+                <a16:creationId xmlns:a16="http://schemas.microsoft.com/office/drawing/2014/main" id="{3B308900-58AD-476A-502F-64336BE3F46C}"/>
+              </a:ext>
+            </a:extLst>
+          </p:cNvPr>
+          <p:cNvCxnSpPr>
+            <a:cxnSpLocks/>
+          </p:cNvCxnSpPr>
+          <p:nvPr/>
+        </p:nvCxnSpPr>
+        <p:spPr>
+          <a:xfrm>
+            <a:off x="10999090" y="3038475"/>
+            <a:ext cx="438836" cy="490989"/>
+          </a:xfrm>
+          <a:prstGeom prst="line">
+            <a:avLst/>
+          </a:prstGeom>
+          <a:ln w="12700">
+            <a:solidFill>
+              <a:srgbClr val="92D050"/>
+            </a:solidFill>
+          </a:ln>
+        </p:spPr>
+        <p:style>
+          <a:lnRef idx="1">
+            <a:schemeClr val="accent2"/>
+          </a:lnRef>
+          <a:fillRef idx="0">
+            <a:schemeClr val="accent2"/>
+          </a:fillRef>
+          <a:effectRef idx="0">
+            <a:schemeClr val="accent2"/>
+          </a:effectRef>
+          <a:fontRef idx="minor">
+            <a:schemeClr val="tx1"/>
+          </a:fontRef>
+        </p:style>
+      </p:cxnSp>
+      <p:cxnSp>
+        <p:nvCxnSpPr>
+          <p:cNvPr id="28" name="Straight Connector 27">
+            <a:extLst>
+              <a:ext uri="{FF2B5EF4-FFF2-40B4-BE49-F238E27FC236}">
+                <a16:creationId xmlns:a16="http://schemas.microsoft.com/office/drawing/2014/main" id="{69707185-CE5E-8818-5FD4-10718CE7F480}"/>
+              </a:ext>
+            </a:extLst>
+          </p:cNvPr>
+          <p:cNvCxnSpPr>
+            <a:cxnSpLocks/>
+          </p:cNvCxnSpPr>
+          <p:nvPr/>
+        </p:nvCxnSpPr>
+        <p:spPr>
+          <a:xfrm flipH="1">
+            <a:off x="10932052" y="3622898"/>
+            <a:ext cx="471856" cy="368244"/>
+          </a:xfrm>
+          <a:prstGeom prst="line">
+            <a:avLst/>
+          </a:prstGeom>
+          <a:ln w="12700">
+            <a:solidFill>
+              <a:srgbClr val="92D050"/>
+            </a:solidFill>
+          </a:ln>
+        </p:spPr>
+        <p:style>
+          <a:lnRef idx="1">
+            <a:schemeClr val="accent2"/>
+          </a:lnRef>
+          <a:fillRef idx="0">
+            <a:schemeClr val="accent2"/>
+          </a:fillRef>
+          <a:effectRef idx="0">
+            <a:schemeClr val="accent2"/>
+          </a:effectRef>
+          <a:fontRef idx="minor">
+            <a:schemeClr val="tx1"/>
+          </a:fontRef>
+        </p:style>
+      </p:cxnSp>
+      <p:sp>
+        <p:nvSpPr>
+          <p:cNvPr id="33" name="Diamond 32">
+            <a:extLst>
+              <a:ext uri="{FF2B5EF4-FFF2-40B4-BE49-F238E27FC236}">
+                <a16:creationId xmlns:a16="http://schemas.microsoft.com/office/drawing/2014/main" id="{E180FAA4-1C3A-F060-92D8-FA9A66D08525}"/>
+              </a:ext>
+            </a:extLst>
+          </p:cNvPr>
+          <p:cNvSpPr/>
+          <p:nvPr/>
+        </p:nvSpPr>
+        <p:spPr>
+          <a:xfrm>
+            <a:off x="5203424" y="4649312"/>
+            <a:ext cx="1785150" cy="539509"/>
+          </a:xfrm>
+          <a:prstGeom prst="diamond">
+            <a:avLst/>
+          </a:prstGeom>
+        </p:spPr>
+        <p:style>
+          <a:lnRef idx="2">
+            <a:schemeClr val="accent1">
+              <a:shade val="50000"/>
+            </a:schemeClr>
+          </a:lnRef>
+          <a:fillRef idx="1">
+            <a:schemeClr val="accent1"/>
+          </a:fillRef>
+          <a:effectRef idx="0">
+            <a:schemeClr val="accent1"/>
+          </a:effectRef>
+          <a:fontRef idx="minor">
+            <a:schemeClr val="lt1"/>
+          </a:fontRef>
+        </p:style>
+        <p:txBody>
+          <a:bodyPr rtlCol="0" anchor="ctr"/>
+          <a:lstStyle/>
+          <a:p>
+            <a:pPr algn="ctr"/>
+            <a:r>
+              <a:rPr lang="en-US" sz="1050" dirty="0"/>
+              <a:t>repeat for certain steps</a:t>
+            </a:r>
+          </a:p>
+        </p:txBody>
+      </p:sp>
+      <p:cxnSp>
+        <p:nvCxnSpPr>
+          <p:cNvPr id="52" name="Straight Connector 51">
+            <a:extLst>
+              <a:ext uri="{FF2B5EF4-FFF2-40B4-BE49-F238E27FC236}">
+                <a16:creationId xmlns:a16="http://schemas.microsoft.com/office/drawing/2014/main" id="{AA4DFBA7-5B9E-3DCD-E6D2-B8DE6D825D6B}"/>
+              </a:ext>
+            </a:extLst>
+          </p:cNvPr>
+          <p:cNvCxnSpPr>
+            <a:cxnSpLocks/>
+          </p:cNvCxnSpPr>
+          <p:nvPr/>
+        </p:nvCxnSpPr>
+        <p:spPr>
+          <a:xfrm>
+            <a:off x="103855" y="1587525"/>
+            <a:ext cx="0" cy="3328005"/>
+          </a:xfrm>
+          <a:prstGeom prst="line">
+            <a:avLst/>
+          </a:prstGeom>
+          <a:ln w="28575"/>
+        </p:spPr>
+        <p:style>
+          <a:lnRef idx="1">
+            <a:schemeClr val="accent1"/>
+          </a:lnRef>
+          <a:fillRef idx="0">
+            <a:schemeClr val="accent1"/>
+          </a:fillRef>
+          <a:effectRef idx="0">
+            <a:schemeClr val="accent1"/>
+          </a:effectRef>
+          <a:fontRef idx="minor">
+            <a:schemeClr val="tx1"/>
+          </a:fontRef>
+        </p:style>
+      </p:cxnSp>
+      <p:sp>
+        <p:nvSpPr>
+          <p:cNvPr id="54" name="Diamond 53">
+            <a:extLst>
+              <a:ext uri="{FF2B5EF4-FFF2-40B4-BE49-F238E27FC236}">
+                <a16:creationId xmlns:a16="http://schemas.microsoft.com/office/drawing/2014/main" id="{E50EEAB2-8434-320E-198B-40F4B1C85C98}"/>
+              </a:ext>
+            </a:extLst>
+          </p:cNvPr>
+          <p:cNvSpPr/>
+          <p:nvPr/>
+        </p:nvSpPr>
+        <p:spPr>
+          <a:xfrm>
+            <a:off x="5303733" y="1298624"/>
+            <a:ext cx="1586518" cy="600600"/>
+          </a:xfrm>
+          <a:prstGeom prst="diamond">
+            <a:avLst/>
+          </a:prstGeom>
+        </p:spPr>
+        <p:style>
+          <a:lnRef idx="2">
+            <a:schemeClr val="accent1">
+              <a:shade val="50000"/>
+            </a:schemeClr>
+          </a:lnRef>
+          <a:fillRef idx="1">
+            <a:schemeClr val="accent1"/>
+          </a:fillRef>
+          <a:effectRef idx="0">
+            <a:schemeClr val="accent1"/>
+          </a:effectRef>
+          <a:fontRef idx="minor">
+            <a:schemeClr val="lt1"/>
+          </a:fontRef>
+        </p:style>
+        <p:txBody>
+          <a:bodyPr rtlCol="0" anchor="ctr"/>
+          <a:lstStyle/>
+          <a:p>
+            <a:pPr algn="ctr"/>
+            <a:r>
+              <a:rPr lang="en-US" sz="1050" dirty="0"/>
+              <a:t>start simulation step</a:t>
+            </a:r>
+          </a:p>
+        </p:txBody>
+      </p:sp>
+      <p:cxnSp>
+        <p:nvCxnSpPr>
+          <p:cNvPr id="56" name="Straight Connector 55">
+            <a:extLst>
+              <a:ext uri="{FF2B5EF4-FFF2-40B4-BE49-F238E27FC236}">
+                <a16:creationId xmlns:a16="http://schemas.microsoft.com/office/drawing/2014/main" id="{664FE50E-ADC7-0F61-0E7B-B6E102126AA8}"/>
+              </a:ext>
+            </a:extLst>
+          </p:cNvPr>
+          <p:cNvCxnSpPr>
+            <a:cxnSpLocks/>
+          </p:cNvCxnSpPr>
+          <p:nvPr/>
+        </p:nvCxnSpPr>
+        <p:spPr>
+          <a:xfrm flipH="1" flipV="1">
+            <a:off x="91440" y="1587525"/>
+            <a:ext cx="5143310" cy="9832"/>
+          </a:xfrm>
+          <a:prstGeom prst="line">
+            <a:avLst/>
+          </a:prstGeom>
+          <a:ln w="28575"/>
+        </p:spPr>
+        <p:style>
+          <a:lnRef idx="1">
+            <a:schemeClr val="accent1"/>
+          </a:lnRef>
+          <a:fillRef idx="0">
+            <a:schemeClr val="accent1"/>
+          </a:fillRef>
+          <a:effectRef idx="0">
+            <a:schemeClr val="accent1"/>
+          </a:effectRef>
+          <a:fontRef idx="minor">
+            <a:schemeClr val="tx1"/>
+          </a:fontRef>
+        </p:style>
+      </p:cxnSp>
+      <p:cxnSp>
+        <p:nvCxnSpPr>
+          <p:cNvPr id="60" name="Straight Arrow Connector 59">
+            <a:extLst>
+              <a:ext uri="{FF2B5EF4-FFF2-40B4-BE49-F238E27FC236}">
+                <a16:creationId xmlns:a16="http://schemas.microsoft.com/office/drawing/2014/main" id="{F269F86D-20DE-B768-6D56-D77692DE329C}"/>
+              </a:ext>
+            </a:extLst>
+          </p:cNvPr>
+          <p:cNvCxnSpPr>
+            <a:cxnSpLocks/>
+          </p:cNvCxnSpPr>
+          <p:nvPr/>
+        </p:nvCxnSpPr>
+        <p:spPr>
+          <a:xfrm>
+            <a:off x="5234750" y="1597357"/>
+            <a:ext cx="59306" cy="0"/>
+          </a:xfrm>
+          <a:prstGeom prst="straightConnector1">
+            <a:avLst/>
+          </a:prstGeom>
+          <a:ln w="12700">
+            <a:tailEnd type="triangle"/>
+          </a:ln>
+        </p:spPr>
+        <p:style>
+          <a:lnRef idx="1">
+            <a:schemeClr val="accent1"/>
+          </a:lnRef>
+          <a:fillRef idx="0">
+            <a:schemeClr val="accent1"/>
+          </a:fillRef>
+          <a:effectRef idx="0">
+            <a:schemeClr val="accent1"/>
+          </a:effectRef>
+          <a:fontRef idx="minor">
+            <a:schemeClr val="tx1"/>
+          </a:fontRef>
+        </p:style>
+      </p:cxnSp>
+      <p:sp>
+        <p:nvSpPr>
+          <p:cNvPr id="69" name="Left Brace 68">
+            <a:extLst>
+              <a:ext uri="{FF2B5EF4-FFF2-40B4-BE49-F238E27FC236}">
+                <a16:creationId xmlns:a16="http://schemas.microsoft.com/office/drawing/2014/main" id="{D860969B-2DA5-6AEB-6D56-28DCEF582186}"/>
+              </a:ext>
+            </a:extLst>
+          </p:cNvPr>
+          <p:cNvSpPr/>
+          <p:nvPr/>
+        </p:nvSpPr>
+        <p:spPr>
+          <a:xfrm rot="5400000">
+            <a:off x="6023785" y="-757376"/>
+            <a:ext cx="131731" cy="5466768"/>
+          </a:xfrm>
+          <a:prstGeom prst="leftBrace">
+            <a:avLst>
+              <a:gd name="adj1" fmla="val 67632"/>
+              <a:gd name="adj2" fmla="val 49916"/>
+            </a:avLst>
+          </a:prstGeom>
+          <a:ln w="19050"/>
+        </p:spPr>
+        <p:style>
+          <a:lnRef idx="1">
+            <a:schemeClr val="accent1"/>
+          </a:lnRef>
+          <a:fillRef idx="0">
+            <a:schemeClr val="accent1"/>
+          </a:fillRef>
+          <a:effectRef idx="0">
+            <a:schemeClr val="accent1"/>
+          </a:effectRef>
+          <a:fontRef idx="minor">
+            <a:schemeClr val="tx1"/>
+          </a:fontRef>
+        </p:style>
+        <p:txBody>
+          <a:bodyPr rtlCol="0" anchor="ctr"/>
+          <a:lstStyle/>
+          <a:p>
+            <a:pPr algn="ctr"/>
+            <a:endParaRPr lang="en-US"/>
+          </a:p>
+        </p:txBody>
+      </p:sp>
+      <p:cxnSp>
+        <p:nvCxnSpPr>
+          <p:cNvPr id="70" name="Straight Arrow Connector 69">
+            <a:extLst>
+              <a:ext uri="{FF2B5EF4-FFF2-40B4-BE49-F238E27FC236}">
+                <a16:creationId xmlns:a16="http://schemas.microsoft.com/office/drawing/2014/main" id="{C61C8137-22BB-91DD-4457-0ADA4ED08222}"/>
+              </a:ext>
+            </a:extLst>
+          </p:cNvPr>
+          <p:cNvCxnSpPr>
+            <a:cxnSpLocks/>
+            <a:stCxn id="35" idx="2"/>
+            <a:endCxn id="54" idx="0"/>
+          </p:cNvCxnSpPr>
+          <p:nvPr/>
+        </p:nvCxnSpPr>
+        <p:spPr>
+          <a:xfrm>
+            <a:off x="6092911" y="1163960"/>
+            <a:ext cx="4081" cy="134664"/>
+          </a:xfrm>
+          <a:prstGeom prst="straightConnector1">
+            <a:avLst/>
+          </a:prstGeom>
+          <a:ln w="19050">
+            <a:tailEnd type="triangle"/>
+          </a:ln>
+        </p:spPr>
+        <p:style>
+          <a:lnRef idx="1">
+            <a:schemeClr val="accent1"/>
+          </a:lnRef>
+          <a:fillRef idx="0">
+            <a:schemeClr val="accent1"/>
+          </a:fillRef>
+          <a:effectRef idx="0">
+            <a:schemeClr val="accent1"/>
+          </a:effectRef>
+          <a:fontRef idx="minor">
+            <a:schemeClr val="tx1"/>
+          </a:fontRef>
+        </p:style>
+      </p:cxnSp>
+      <mc:AlternateContent xmlns:mc="http://schemas.openxmlformats.org/markup-compatibility/2006" xmlns:a14="http://schemas.microsoft.com/office/drawing/2010/main">
+        <mc:Choice Requires="a14">
+          <p:sp>
+            <p:nvSpPr>
+              <p:cNvPr id="35" name="Rectangle 34">
+                <a:extLst>
+                  <a:ext uri="{FF2B5EF4-FFF2-40B4-BE49-F238E27FC236}">
+                    <a16:creationId xmlns:a16="http://schemas.microsoft.com/office/drawing/2014/main" id="{011E2AED-A7C3-CDCD-B3D7-D94397E9F3EC}"/>
+                  </a:ext>
+                </a:extLst>
+              </p:cNvPr>
+              <p:cNvSpPr/>
+              <p:nvPr/>
+            </p:nvSpPr>
+            <p:spPr>
+              <a:xfrm>
+                <a:off x="4716818" y="780441"/>
+                <a:ext cx="2752186" cy="383519"/>
+              </a:xfrm>
+              <a:prstGeom prst="rect">
+                <a:avLst/>
+              </a:prstGeom>
+            </p:spPr>
+            <p:style>
+              <a:lnRef idx="2">
+                <a:schemeClr val="accent1">
+                  <a:shade val="50000"/>
+                </a:schemeClr>
+              </a:lnRef>
+              <a:fillRef idx="1">
+                <a:schemeClr val="accent1"/>
+              </a:fillRef>
+              <a:effectRef idx="0">
+                <a:schemeClr val="accent1"/>
+              </a:effectRef>
+              <a:fontRef idx="minor">
+                <a:schemeClr val="lt1"/>
+              </a:fontRef>
+            </p:style>
+            <p:txBody>
+              <a:bodyPr rtlCol="0" anchor="ctr"/>
+              <a:lstStyle/>
+              <a:p>
+                <a:pPr algn="ctr"/>
+                <a:r>
+                  <a:rPr lang="en-US" sz="1100" dirty="0"/>
+                  <a:t>generate </a:t>
+                </a:r>
+                <a14:m>
+                  <m:oMath xmlns:m="http://schemas.openxmlformats.org/officeDocument/2006/math">
+                    <m:r>
+                      <a:rPr lang="en-US" sz="1100" i="1" dirty="0" smtClean="0">
+                        <a:latin typeface="Cambria Math" panose="02040503050406030204" pitchFamily="18" charset="0"/>
+                      </a:rPr>
+                      <m:t>𝑛</m:t>
+                    </m:r>
+                    <m:r>
+                      <a:rPr lang="en-US" sz="1100" i="1" dirty="0" smtClean="0">
+                        <a:latin typeface="Cambria Math" panose="02040503050406030204" pitchFamily="18" charset="0"/>
+                      </a:rPr>
+                      <m:t> </m:t>
+                    </m:r>
+                  </m:oMath>
+                </a14:m>
+                <a:r>
+                  <a:rPr lang="en-US" sz="1100" dirty="0"/>
+                  <a:t>agents and match their attributes with their socioeconomic statues</a:t>
+                </a:r>
+              </a:p>
+            </p:txBody>
+          </p:sp>
+        </mc:Choice>
+        <mc:Fallback xmlns="">
+          <p:sp>
+            <p:nvSpPr>
+              <p:cNvPr id="35" name="Rectangle 34">
+                <a:extLst>
+                  <a:ext uri="{FF2B5EF4-FFF2-40B4-BE49-F238E27FC236}">
+                    <a16:creationId xmlns:a16="http://schemas.microsoft.com/office/drawing/2014/main" id="{011E2AED-A7C3-CDCD-B3D7-D94397E9F3EC}"/>
+                  </a:ext>
+                </a:extLst>
+              </p:cNvPr>
+              <p:cNvSpPr>
+                <a:spLocks noRot="1" noChangeAspect="1" noMove="1" noResize="1" noEditPoints="1" noAdjustHandles="1" noChangeArrowheads="1" noChangeShapeType="1" noTextEdit="1"/>
+              </p:cNvSpPr>
+              <p:nvPr/>
+            </p:nvSpPr>
+            <p:spPr>
+              <a:xfrm>
+                <a:off x="4716818" y="780441"/>
+                <a:ext cx="2752186" cy="383519"/>
+              </a:xfrm>
+              <a:prstGeom prst="rect">
+                <a:avLst/>
+              </a:prstGeom>
+              <a:blipFill>
+                <a:blip r:embed="rId15"/>
+                <a:stretch>
+                  <a:fillRect r="-459" b="-9091"/>
+                </a:stretch>
+              </a:blipFill>
+            </p:spPr>
+            <p:txBody>
+              <a:bodyPr/>
+              <a:lstStyle/>
+              <a:p>
+                <a:r>
+                  <a:rPr lang="en-US">
+                    <a:noFill/>
+                  </a:rPr>
+                  <a:t> </a:t>
+                </a:r>
+              </a:p>
+            </p:txBody>
+          </p:sp>
+        </mc:Fallback>
+      </mc:AlternateContent>
+    </p:spTree>
+    <p:extLst>
+      <p:ext uri="{BB962C8B-B14F-4D97-AF65-F5344CB8AC3E}">
+        <p14:creationId xmlns:p14="http://schemas.microsoft.com/office/powerpoint/2010/main" val="114109524"/>
+      </p:ext>
+    </p:extLst>
+  </p:cSld>
+  <p:clrMapOvr>
+    <a:masterClrMapping/>
+  </p:clrMapOvr>
+</p:sld>
+</file>
+
 <file path=ppt/theme/theme1.xml><?xml version="1.0" encoding="utf-8"?>
 <a:theme xmlns:a="http://schemas.openxmlformats.org/drawingml/2006/main" name="Office Theme">
   <a:themeElements>
